--- a/VivadoLabs/simplifyFinalProject/Presentation/Final project presentation.pptx
+++ b/VivadoLabs/simplifyFinalProject/Presentation/Final project presentation.pptx
@@ -9,6 +9,16 @@
     <p:sldId id="257" r:id="rId3"/>
     <p:sldId id="258" r:id="rId4"/>
     <p:sldId id="259" r:id="rId5"/>
+    <p:sldId id="260" r:id="rId6"/>
+    <p:sldId id="261" r:id="rId7"/>
+    <p:sldId id="262" r:id="rId8"/>
+    <p:sldId id="263" r:id="rId9"/>
+    <p:sldId id="264" r:id="rId10"/>
+    <p:sldId id="265" r:id="rId11"/>
+    <p:sldId id="266" r:id="rId12"/>
+    <p:sldId id="267" r:id="rId13"/>
+    <p:sldId id="268" r:id="rId14"/>
+    <p:sldId id="269" r:id="rId15"/>
   </p:sldIdLst>
   <p:sldSz cx="12192000" cy="6858000"/>
   <p:notesSz cx="6858000" cy="9144000"/>
@@ -107,6 +117,11 @@
       </a:defRPr>
     </a:lvl9pPr>
   </p:defaultTextStyle>
+  <p:extLst>
+    <p:ext uri="{EFAFB233-063F-42B5-8137-9DF3F51BA10A}">
+      <p15:sldGuideLst xmlns:p15="http://schemas.microsoft.com/office/powerpoint/2012/main"/>
+    </p:ext>
+  </p:extLst>
 </p:presentation>
 </file>
 
@@ -445,7 +460,7 @@
           <a:p>
             <a:fld id="{5AC8C429-572D-4264-B77D-C2E8C4499CAA}" type="datetimeFigureOut">
               <a:rPr lang="en-US" smtClean="0"/>
-              <a:t>7/15/2022</a:t>
+              <a:t>7/16/2022</a:t>
             </a:fld>
             <a:endParaRPr lang="en-US"/>
           </a:p>
@@ -1533,7 +1548,7 @@
           <a:p>
             <a:fld id="{5AC8C429-572D-4264-B77D-C2E8C4499CAA}" type="datetimeFigureOut">
               <a:rPr lang="en-US" smtClean="0"/>
-              <a:t>7/15/2022</a:t>
+              <a:t>7/16/2022</a:t>
             </a:fld>
             <a:endParaRPr lang="en-US"/>
           </a:p>
@@ -2513,7 +2528,7 @@
           <a:p>
             <a:fld id="{5AC8C429-572D-4264-B77D-C2E8C4499CAA}" type="datetimeFigureOut">
               <a:rPr lang="en-US" smtClean="0"/>
-              <a:t>7/15/2022</a:t>
+              <a:t>7/16/2022</a:t>
             </a:fld>
             <a:endParaRPr lang="en-US"/>
           </a:p>
@@ -3647,7 +3662,7 @@
           <a:p>
             <a:fld id="{5AC8C429-572D-4264-B77D-C2E8C4499CAA}" type="datetimeFigureOut">
               <a:rPr lang="en-US" smtClean="0"/>
-              <a:t>7/15/2022</a:t>
+              <a:t>7/16/2022</a:t>
             </a:fld>
             <a:endParaRPr lang="en-US"/>
           </a:p>
@@ -4680,7 +4695,7 @@
           <a:p>
             <a:fld id="{5AC8C429-572D-4264-B77D-C2E8C4499CAA}" type="datetimeFigureOut">
               <a:rPr lang="en-US" smtClean="0"/>
-              <a:t>7/15/2022</a:t>
+              <a:t>7/16/2022</a:t>
             </a:fld>
             <a:endParaRPr lang="en-US"/>
           </a:p>
@@ -5340,7 +5355,7 @@
           <a:p>
             <a:fld id="{5AC8C429-572D-4264-B77D-C2E8C4499CAA}" type="datetimeFigureOut">
               <a:rPr lang="en-US" smtClean="0"/>
-              <a:t>7/15/2022</a:t>
+              <a:t>7/16/2022</a:t>
             </a:fld>
             <a:endParaRPr lang="en-US"/>
           </a:p>
@@ -6201,7 +6216,7 @@
           <a:p>
             <a:fld id="{5AC8C429-572D-4264-B77D-C2E8C4499CAA}" type="datetimeFigureOut">
               <a:rPr lang="en-US" smtClean="0"/>
-              <a:t>7/15/2022</a:t>
+              <a:t>7/16/2022</a:t>
             </a:fld>
             <a:endParaRPr lang="en-US"/>
           </a:p>
@@ -6391,7 +6406,7 @@
           <a:p>
             <a:fld id="{5AC8C429-572D-4264-B77D-C2E8C4499CAA}" type="datetimeFigureOut">
               <a:rPr lang="en-US" smtClean="0"/>
-              <a:t>7/15/2022</a:t>
+              <a:t>7/16/2022</a:t>
             </a:fld>
             <a:endParaRPr lang="en-US"/>
           </a:p>
@@ -7363,7 +7378,7 @@
           <a:p>
             <a:fld id="{5AC8C429-572D-4264-B77D-C2E8C4499CAA}" type="datetimeFigureOut">
               <a:rPr lang="en-US" smtClean="0"/>
-              <a:t>7/15/2022</a:t>
+              <a:t>7/16/2022</a:t>
             </a:fld>
             <a:endParaRPr lang="en-US"/>
           </a:p>
@@ -7574,7 +7589,7 @@
           <a:p>
             <a:fld id="{5AC8C429-572D-4264-B77D-C2E8C4499CAA}" type="datetimeFigureOut">
               <a:rPr lang="en-US" smtClean="0"/>
-              <a:t>7/15/2022</a:t>
+              <a:t>7/16/2022</a:t>
             </a:fld>
             <a:endParaRPr lang="en-US"/>
           </a:p>
@@ -8608,7 +8623,7 @@
           <a:p>
             <a:fld id="{5AC8C429-572D-4264-B77D-C2E8C4499CAA}" type="datetimeFigureOut">
               <a:rPr lang="en-US" smtClean="0"/>
-              <a:t>7/15/2022</a:t>
+              <a:t>7/16/2022</a:t>
             </a:fld>
             <a:endParaRPr lang="en-US"/>
           </a:p>
@@ -8880,7 +8895,7 @@
           <a:p>
             <a:fld id="{5AC8C429-572D-4264-B77D-C2E8C4499CAA}" type="datetimeFigureOut">
               <a:rPr lang="en-US" smtClean="0"/>
-              <a:t>7/15/2022</a:t>
+              <a:t>7/16/2022</a:t>
             </a:fld>
             <a:endParaRPr lang="en-US"/>
           </a:p>
@@ -9290,7 +9305,7 @@
           <a:p>
             <a:fld id="{5AC8C429-572D-4264-B77D-C2E8C4499CAA}" type="datetimeFigureOut">
               <a:rPr lang="en-US" smtClean="0"/>
-              <a:t>7/15/2022</a:t>
+              <a:t>7/16/2022</a:t>
             </a:fld>
             <a:endParaRPr lang="en-US"/>
           </a:p>
@@ -9417,7 +9432,7 @@
           <a:p>
             <a:fld id="{5AC8C429-572D-4264-B77D-C2E8C4499CAA}" type="datetimeFigureOut">
               <a:rPr lang="en-US" smtClean="0"/>
-              <a:t>7/15/2022</a:t>
+              <a:t>7/16/2022</a:t>
             </a:fld>
             <a:endParaRPr lang="en-US"/>
           </a:p>
@@ -9512,7 +9527,7 @@
           <a:p>
             <a:fld id="{5AC8C429-572D-4264-B77D-C2E8C4499CAA}" type="datetimeFigureOut">
               <a:rPr lang="en-US" smtClean="0"/>
-              <a:t>7/15/2022</a:t>
+              <a:t>7/16/2022</a:t>
             </a:fld>
             <a:endParaRPr lang="en-US"/>
           </a:p>
@@ -10593,7 +10608,7 @@
           <a:p>
             <a:fld id="{5AC8C429-572D-4264-B77D-C2E8C4499CAA}" type="datetimeFigureOut">
               <a:rPr lang="en-US" smtClean="0"/>
-              <a:t>7/15/2022</a:t>
+              <a:t>7/16/2022</a:t>
             </a:fld>
             <a:endParaRPr lang="en-US"/>
           </a:p>
@@ -11701,7 +11716,7 @@
           <a:p>
             <a:fld id="{5AC8C429-572D-4264-B77D-C2E8C4499CAA}" type="datetimeFigureOut">
               <a:rPr lang="en-US" smtClean="0"/>
-              <a:t>7/15/2022</a:t>
+              <a:t>7/16/2022</a:t>
             </a:fld>
             <a:endParaRPr lang="en-US"/>
           </a:p>
@@ -12698,7 +12713,7 @@
           <a:p>
             <a:fld id="{5AC8C429-572D-4264-B77D-C2E8C4499CAA}" type="datetimeFigureOut">
               <a:rPr lang="en-US" smtClean="0"/>
-              <a:t>7/15/2022</a:t>
+              <a:t>7/16/2022</a:t>
             </a:fld>
             <a:endParaRPr lang="en-US"/>
           </a:p>
@@ -13548,6 +13563,5732 @@
 </p:sld>
 </file>
 
+<file path=ppt/slides/slide10.xml><?xml version="1.0" encoding="utf-8"?>
+<p:sld xmlns:a="http://schemas.openxmlformats.org/drawingml/2006/main" xmlns:r="http://schemas.openxmlformats.org/officeDocument/2006/relationships" xmlns:p="http://schemas.openxmlformats.org/presentationml/2006/main">
+  <p:cSld>
+    <p:spTree>
+      <p:nvGrpSpPr>
+        <p:cNvPr id="1" name=""/>
+        <p:cNvGrpSpPr/>
+        <p:nvPr/>
+      </p:nvGrpSpPr>
+      <p:grpSpPr>
+        <a:xfrm>
+          <a:off x="0" y="0"/>
+          <a:ext cx="0" cy="0"/>
+          <a:chOff x="0" y="0"/>
+          <a:chExt cx="0" cy="0"/>
+        </a:xfrm>
+      </p:grpSpPr>
+      <p:sp>
+        <p:nvSpPr>
+          <p:cNvPr id="2" name="Title 1"/>
+          <p:cNvSpPr>
+            <a:spLocks noGrp="1"/>
+          </p:cNvSpPr>
+          <p:nvPr>
+            <p:ph type="title"/>
+          </p:nvPr>
+        </p:nvSpPr>
+        <p:spPr/>
+        <p:txBody>
+          <a:bodyPr/>
+          <a:lstStyle/>
+          <a:p>
+            <a:r>
+              <a:rPr lang="en-US" dirty="0" smtClean="0"/>
+              <a:t>BRAM – dual port ram</a:t>
+            </a:r>
+            <a:endParaRPr lang="en-US" dirty="0"/>
+          </a:p>
+        </p:txBody>
+      </p:sp>
+      <p:sp>
+        <p:nvSpPr>
+          <p:cNvPr id="3" name="Content Placeholder 2"/>
+          <p:cNvSpPr>
+            <a:spLocks noGrp="1"/>
+          </p:cNvSpPr>
+          <p:nvPr>
+            <p:ph idx="1"/>
+          </p:nvPr>
+        </p:nvSpPr>
+        <p:spPr/>
+        <p:txBody>
+          <a:bodyPr/>
+          <a:lstStyle/>
+          <a:p>
+            <a:r>
+              <a:rPr lang="en-US" dirty="0" smtClean="0"/>
+              <a:t>Dual port ram give user the possibility to read and write data simultaneous.</a:t>
+            </a:r>
+          </a:p>
+          <a:p>
+            <a:r>
+              <a:rPr lang="en-US" dirty="0" smtClean="0"/>
+              <a:t>Camera capture module is stored full frame as is reading it in normal mode, in filter mode the frame is stored after manipulation.</a:t>
+            </a:r>
+          </a:p>
+          <a:p>
+            <a:r>
+              <a:rPr lang="en-US" dirty="0" smtClean="0"/>
+              <a:t>VGA driver is reading frame data and send it to VGA port.</a:t>
+            </a:r>
+            <a:endParaRPr lang="en-US" dirty="0"/>
+          </a:p>
+        </p:txBody>
+      </p:sp>
+      <p:pic>
+        <p:nvPicPr>
+          <p:cNvPr id="4" name="Picture 3"/>
+          <p:cNvPicPr>
+            <a:picLocks noChangeAspect="1"/>
+          </p:cNvPicPr>
+          <p:nvPr/>
+        </p:nvPicPr>
+        <p:blipFill>
+          <a:blip r:embed="rId2"/>
+          <a:stretch>
+            <a:fillRect/>
+          </a:stretch>
+        </p:blipFill>
+        <p:spPr>
+          <a:xfrm>
+            <a:off x="4266986" y="4424246"/>
+            <a:ext cx="3067478" cy="1667108"/>
+          </a:xfrm>
+          <a:prstGeom prst="rect">
+            <a:avLst/>
+          </a:prstGeom>
+          <a:ln>
+            <a:solidFill>
+              <a:schemeClr val="tx1"/>
+            </a:solidFill>
+          </a:ln>
+        </p:spPr>
+      </p:pic>
+    </p:spTree>
+    <p:extLst>
+      <p:ext uri="{BB962C8B-B14F-4D97-AF65-F5344CB8AC3E}">
+        <p14:creationId xmlns:p14="http://schemas.microsoft.com/office/powerpoint/2010/main" val="2921274657"/>
+      </p:ext>
+    </p:extLst>
+  </p:cSld>
+  <p:clrMapOvr>
+    <a:masterClrMapping/>
+  </p:clrMapOvr>
+</p:sld>
+</file>
+
+<file path=ppt/slides/slide11.xml><?xml version="1.0" encoding="utf-8"?>
+<p:sld xmlns:a="http://schemas.openxmlformats.org/drawingml/2006/main" xmlns:r="http://schemas.openxmlformats.org/officeDocument/2006/relationships" xmlns:p="http://schemas.openxmlformats.org/presentationml/2006/main">
+  <p:cSld>
+    <p:spTree>
+      <p:nvGrpSpPr>
+        <p:cNvPr id="1" name=""/>
+        <p:cNvGrpSpPr/>
+        <p:nvPr/>
+      </p:nvGrpSpPr>
+      <p:grpSpPr>
+        <a:xfrm>
+          <a:off x="0" y="0"/>
+          <a:ext cx="0" cy="0"/>
+          <a:chOff x="0" y="0"/>
+          <a:chExt cx="0" cy="0"/>
+        </a:xfrm>
+      </p:grpSpPr>
+      <p:sp>
+        <p:nvSpPr>
+          <p:cNvPr id="2" name="Title 1"/>
+          <p:cNvSpPr>
+            <a:spLocks noGrp="1"/>
+          </p:cNvSpPr>
+          <p:nvPr>
+            <p:ph type="title"/>
+          </p:nvPr>
+        </p:nvSpPr>
+        <p:spPr/>
+        <p:txBody>
+          <a:bodyPr/>
+          <a:lstStyle/>
+          <a:p>
+            <a:r>
+              <a:rPr lang="en-US" dirty="0" smtClean="0"/>
+              <a:t>VGA Driver</a:t>
+            </a:r>
+            <a:endParaRPr lang="en-US" dirty="0"/>
+          </a:p>
+        </p:txBody>
+      </p:sp>
+      <p:sp>
+        <p:nvSpPr>
+          <p:cNvPr id="3" name="Content Placeholder 2"/>
+          <p:cNvSpPr>
+            <a:spLocks noGrp="1"/>
+          </p:cNvSpPr>
+          <p:nvPr>
+            <p:ph idx="1"/>
+          </p:nvPr>
+        </p:nvSpPr>
+        <p:spPr/>
+        <p:txBody>
+          <a:bodyPr/>
+          <a:lstStyle/>
+          <a:p>
+            <a:r>
+              <a:rPr lang="en-US" dirty="0" smtClean="0"/>
+              <a:t>NYEXUS A7 board is implementing VGA with 5 signals:</a:t>
+            </a:r>
+          </a:p>
+          <a:p>
+            <a:pPr lvl="1"/>
+            <a:r>
+              <a:rPr lang="en-US" dirty="0" smtClean="0"/>
+              <a:t>HSYNC – horizontal sync.</a:t>
+            </a:r>
+          </a:p>
+          <a:p>
+            <a:pPr lvl="1"/>
+            <a:r>
+              <a:rPr lang="en-US" dirty="0" smtClean="0"/>
+              <a:t>VSYNC – vertical sync.</a:t>
+            </a:r>
+          </a:p>
+          <a:p>
+            <a:pPr lvl="1"/>
+            <a:r>
+              <a:rPr lang="en-US" dirty="0" smtClean="0"/>
+              <a:t>RED - 4 bits.</a:t>
+            </a:r>
+          </a:p>
+          <a:p>
+            <a:pPr lvl="1"/>
+            <a:r>
+              <a:rPr lang="en-US" dirty="0" smtClean="0"/>
+              <a:t>Green – 4 bits.</a:t>
+            </a:r>
+          </a:p>
+          <a:p>
+            <a:pPr lvl="1"/>
+            <a:r>
+              <a:rPr lang="en-US" dirty="0" smtClean="0"/>
+              <a:t>Blue – 4 bits.</a:t>
+            </a:r>
+          </a:p>
+          <a:p>
+            <a:r>
+              <a:rPr lang="en-US" dirty="0" smtClean="0"/>
+              <a:t>I chosen </a:t>
+            </a:r>
+            <a:r>
+              <a:rPr lang="en-US" dirty="0"/>
+              <a:t>to work in “VGA Signal 640 x 480 @ 60 Hz Industry standard timing”</a:t>
+            </a:r>
+          </a:p>
+        </p:txBody>
+      </p:sp>
+      <p:pic>
+        <p:nvPicPr>
+          <p:cNvPr id="4" name="Picture 3"/>
+          <p:cNvPicPr>
+            <a:picLocks noChangeAspect="1"/>
+          </p:cNvPicPr>
+          <p:nvPr/>
+        </p:nvPicPr>
+        <p:blipFill>
+          <a:blip r:embed="rId2"/>
+          <a:stretch>
+            <a:fillRect/>
+          </a:stretch>
+        </p:blipFill>
+        <p:spPr>
+          <a:xfrm>
+            <a:off x="1577027" y="5360324"/>
+            <a:ext cx="2905530" cy="1324160"/>
+          </a:xfrm>
+          <a:prstGeom prst="rect">
+            <a:avLst/>
+          </a:prstGeom>
+          <a:ln>
+            <a:solidFill>
+              <a:schemeClr val="tx1"/>
+            </a:solidFill>
+          </a:ln>
+        </p:spPr>
+      </p:pic>
+      <p:pic>
+        <p:nvPicPr>
+          <p:cNvPr id="5" name="Picture 4"/>
+          <p:cNvPicPr>
+            <a:picLocks noChangeAspect="1"/>
+          </p:cNvPicPr>
+          <p:nvPr/>
+        </p:nvPicPr>
+        <p:blipFill>
+          <a:blip r:embed="rId3"/>
+          <a:stretch>
+            <a:fillRect/>
+          </a:stretch>
+        </p:blipFill>
+        <p:spPr>
+          <a:xfrm>
+            <a:off x="5053624" y="5237758"/>
+            <a:ext cx="2195743" cy="1569292"/>
+          </a:xfrm>
+          <a:prstGeom prst="rect">
+            <a:avLst/>
+          </a:prstGeom>
+          <a:ln>
+            <a:solidFill>
+              <a:schemeClr val="tx1"/>
+            </a:solidFill>
+          </a:ln>
+        </p:spPr>
+      </p:pic>
+      <p:pic>
+        <p:nvPicPr>
+          <p:cNvPr id="6" name="Picture 5"/>
+          <p:cNvPicPr>
+            <a:picLocks noChangeAspect="1"/>
+          </p:cNvPicPr>
+          <p:nvPr/>
+        </p:nvPicPr>
+        <p:blipFill>
+          <a:blip r:embed="rId4"/>
+          <a:stretch>
+            <a:fillRect/>
+          </a:stretch>
+        </p:blipFill>
+        <p:spPr>
+          <a:xfrm>
+            <a:off x="7715860" y="5232549"/>
+            <a:ext cx="2200507" cy="1574501"/>
+          </a:xfrm>
+          <a:prstGeom prst="rect">
+            <a:avLst/>
+          </a:prstGeom>
+          <a:ln>
+            <a:solidFill>
+              <a:schemeClr val="tx1"/>
+            </a:solidFill>
+          </a:ln>
+        </p:spPr>
+      </p:pic>
+    </p:spTree>
+    <p:extLst>
+      <p:ext uri="{BB962C8B-B14F-4D97-AF65-F5344CB8AC3E}">
+        <p14:creationId xmlns:p14="http://schemas.microsoft.com/office/powerpoint/2010/main" val="2960403357"/>
+      </p:ext>
+    </p:extLst>
+  </p:cSld>
+  <p:clrMapOvr>
+    <a:masterClrMapping/>
+  </p:clrMapOvr>
+</p:sld>
+</file>
+
+<file path=ppt/slides/slide12.xml><?xml version="1.0" encoding="utf-8"?>
+<p:sld xmlns:a="http://schemas.openxmlformats.org/drawingml/2006/main" xmlns:r="http://schemas.openxmlformats.org/officeDocument/2006/relationships" xmlns:p="http://schemas.openxmlformats.org/presentationml/2006/main">
+  <p:cSld>
+    <p:spTree>
+      <p:nvGrpSpPr>
+        <p:cNvPr id="1" name=""/>
+        <p:cNvGrpSpPr/>
+        <p:nvPr/>
+      </p:nvGrpSpPr>
+      <p:grpSpPr>
+        <a:xfrm>
+          <a:off x="0" y="0"/>
+          <a:ext cx="0" cy="0"/>
+          <a:chOff x="0" y="0"/>
+          <a:chExt cx="0" cy="0"/>
+        </a:xfrm>
+      </p:grpSpPr>
+      <p:sp>
+        <p:nvSpPr>
+          <p:cNvPr id="2" name="Title 1"/>
+          <p:cNvSpPr>
+            <a:spLocks noGrp="1"/>
+          </p:cNvSpPr>
+          <p:nvPr>
+            <p:ph type="title"/>
+          </p:nvPr>
+        </p:nvSpPr>
+        <p:spPr/>
+        <p:txBody>
+          <a:bodyPr/>
+          <a:lstStyle/>
+          <a:p>
+            <a:r>
+              <a:rPr lang="en-US" dirty="0" smtClean="0"/>
+              <a:t>ASCII Filter </a:t>
+            </a:r>
+            <a:endParaRPr lang="en-US" dirty="0"/>
+          </a:p>
+        </p:txBody>
+      </p:sp>
+      <p:sp>
+        <p:nvSpPr>
+          <p:cNvPr id="3" name="Content Placeholder 2"/>
+          <p:cNvSpPr>
+            <a:spLocks noGrp="1"/>
+          </p:cNvSpPr>
+          <p:nvPr>
+            <p:ph idx="1"/>
+          </p:nvPr>
+        </p:nvSpPr>
+        <p:spPr/>
+        <p:txBody>
+          <a:bodyPr/>
+          <a:lstStyle/>
+          <a:p>
+            <a:r>
+              <a:rPr lang="en-US" dirty="0" smtClean="0"/>
+              <a:t>Our frame is 640x480 pixels, for  every ASCII character is compose from box of 8x5 pixels.</a:t>
+            </a:r>
+          </a:p>
+          <a:p>
+            <a:r>
+              <a:rPr lang="en-US" dirty="0" smtClean="0"/>
+              <a:t>Every 8 lines is divide into boxes, etch line have 640 / 5 = 128 boxes.</a:t>
+            </a:r>
+          </a:p>
+          <a:p>
+            <a:r>
+              <a:rPr lang="en-US" dirty="0" smtClean="0"/>
+              <a:t>For every box we calculate average RED, GREEN, BLUE and density (d = (red + green + blue) / 3).</a:t>
+            </a:r>
+          </a:p>
+          <a:p>
+            <a:pPr lvl="1"/>
+            <a:r>
+              <a:rPr lang="en-US" dirty="0" smtClean="0"/>
+              <a:t>Density is map to number between 0 to 13 ( 14 ASCII character ).</a:t>
+            </a:r>
+          </a:p>
+          <a:p>
+            <a:r>
+              <a:rPr lang="en-US" dirty="0" smtClean="0"/>
+              <a:t>After density is calculate we select ASCII character from constant list and fill the box with the character with the average color that we calculate.</a:t>
+            </a:r>
+          </a:p>
+          <a:p>
+            <a:r>
+              <a:rPr lang="en-US" dirty="0" smtClean="0"/>
+              <a:t>Every finish line is stored in BRAM while we calculate the next 8 lines.</a:t>
+            </a:r>
+          </a:p>
+          <a:p>
+            <a:endParaRPr lang="en-US" dirty="0" smtClean="0"/>
+          </a:p>
+          <a:p>
+            <a:endParaRPr lang="en-US" dirty="0"/>
+          </a:p>
+        </p:txBody>
+      </p:sp>
+    </p:spTree>
+    <p:extLst>
+      <p:ext uri="{BB962C8B-B14F-4D97-AF65-F5344CB8AC3E}">
+        <p14:creationId xmlns:p14="http://schemas.microsoft.com/office/powerpoint/2010/main" val="756289773"/>
+      </p:ext>
+    </p:extLst>
+  </p:cSld>
+  <p:clrMapOvr>
+    <a:masterClrMapping/>
+  </p:clrMapOvr>
+</p:sld>
+</file>
+
+<file path=ppt/slides/slide13.xml><?xml version="1.0" encoding="utf-8"?>
+<p:sld xmlns:a="http://schemas.openxmlformats.org/drawingml/2006/main" xmlns:r="http://schemas.openxmlformats.org/officeDocument/2006/relationships" xmlns:p="http://schemas.openxmlformats.org/presentationml/2006/main">
+  <p:cSld>
+    <p:spTree>
+      <p:nvGrpSpPr>
+        <p:cNvPr id="1" name=""/>
+        <p:cNvGrpSpPr/>
+        <p:nvPr/>
+      </p:nvGrpSpPr>
+      <p:grpSpPr>
+        <a:xfrm>
+          <a:off x="0" y="0"/>
+          <a:ext cx="0" cy="0"/>
+          <a:chOff x="0" y="0"/>
+          <a:chExt cx="0" cy="0"/>
+        </a:xfrm>
+      </p:grpSpPr>
+      <p:sp>
+        <p:nvSpPr>
+          <p:cNvPr id="2" name="Title 1"/>
+          <p:cNvSpPr>
+            <a:spLocks noGrp="1"/>
+          </p:cNvSpPr>
+          <p:nvPr>
+            <p:ph type="title"/>
+          </p:nvPr>
+        </p:nvSpPr>
+        <p:spPr/>
+        <p:txBody>
+          <a:bodyPr/>
+          <a:lstStyle/>
+          <a:p>
+            <a:r>
+              <a:rPr lang="en-US" dirty="0"/>
+              <a:t>ASCII Filter </a:t>
+            </a:r>
+          </a:p>
+        </p:txBody>
+      </p:sp>
+      <p:graphicFrame>
+        <p:nvGraphicFramePr>
+          <p:cNvPr id="4" name="Table 3"/>
+          <p:cNvGraphicFramePr>
+            <a:graphicFrameLocks noGrp="1"/>
+          </p:cNvGraphicFramePr>
+          <p:nvPr>
+            <p:extLst>
+              <p:ext uri="{D42A27DB-BD31-4B8C-83A1-F6EECF244321}">
+                <p14:modId xmlns:p14="http://schemas.microsoft.com/office/powerpoint/2010/main" val="3506486732"/>
+              </p:ext>
+            </p:extLst>
+          </p:nvPr>
+        </p:nvGraphicFramePr>
+        <p:xfrm>
+          <a:off x="6513560" y="3729566"/>
+          <a:ext cx="2349500" cy="2926080"/>
+        </p:xfrm>
+        <a:graphic>
+          <a:graphicData uri="http://schemas.openxmlformats.org/drawingml/2006/table">
+            <a:tbl>
+              <a:tblPr firstRow="1" bandRow="1">
+                <a:tableStyleId>{5940675A-B579-460E-94D1-54222C63F5DA}</a:tableStyleId>
+              </a:tblPr>
+              <a:tblGrid>
+                <a:gridCol w="234950">
+                  <a:extLst>
+                    <a:ext uri="{9D8B030D-6E8A-4147-A177-3AD203B41FA5}">
+                      <a16:colId xmlns:a16="http://schemas.microsoft.com/office/drawing/2014/main" val="222489246"/>
+                    </a:ext>
+                  </a:extLst>
+                </a:gridCol>
+                <a:gridCol w="234950">
+                  <a:extLst>
+                    <a:ext uri="{9D8B030D-6E8A-4147-A177-3AD203B41FA5}">
+                      <a16:colId xmlns:a16="http://schemas.microsoft.com/office/drawing/2014/main" val="2923204259"/>
+                    </a:ext>
+                  </a:extLst>
+                </a:gridCol>
+                <a:gridCol w="234950">
+                  <a:extLst>
+                    <a:ext uri="{9D8B030D-6E8A-4147-A177-3AD203B41FA5}">
+                      <a16:colId xmlns:a16="http://schemas.microsoft.com/office/drawing/2014/main" val="3526864870"/>
+                    </a:ext>
+                  </a:extLst>
+                </a:gridCol>
+                <a:gridCol w="234950">
+                  <a:extLst>
+                    <a:ext uri="{9D8B030D-6E8A-4147-A177-3AD203B41FA5}">
+                      <a16:colId xmlns:a16="http://schemas.microsoft.com/office/drawing/2014/main" val="2553267969"/>
+                    </a:ext>
+                  </a:extLst>
+                </a:gridCol>
+                <a:gridCol w="234950">
+                  <a:extLst>
+                    <a:ext uri="{9D8B030D-6E8A-4147-A177-3AD203B41FA5}">
+                      <a16:colId xmlns:a16="http://schemas.microsoft.com/office/drawing/2014/main" val="1855112607"/>
+                    </a:ext>
+                  </a:extLst>
+                </a:gridCol>
+                <a:gridCol w="234950">
+                  <a:extLst>
+                    <a:ext uri="{9D8B030D-6E8A-4147-A177-3AD203B41FA5}">
+                      <a16:colId xmlns:a16="http://schemas.microsoft.com/office/drawing/2014/main" val="4292739727"/>
+                    </a:ext>
+                  </a:extLst>
+                </a:gridCol>
+                <a:gridCol w="234950">
+                  <a:extLst>
+                    <a:ext uri="{9D8B030D-6E8A-4147-A177-3AD203B41FA5}">
+                      <a16:colId xmlns:a16="http://schemas.microsoft.com/office/drawing/2014/main" val="3767240921"/>
+                    </a:ext>
+                  </a:extLst>
+                </a:gridCol>
+                <a:gridCol w="234950">
+                  <a:extLst>
+                    <a:ext uri="{9D8B030D-6E8A-4147-A177-3AD203B41FA5}">
+                      <a16:colId xmlns:a16="http://schemas.microsoft.com/office/drawing/2014/main" val="681593001"/>
+                    </a:ext>
+                  </a:extLst>
+                </a:gridCol>
+                <a:gridCol w="234950">
+                  <a:extLst>
+                    <a:ext uri="{9D8B030D-6E8A-4147-A177-3AD203B41FA5}">
+                      <a16:colId xmlns:a16="http://schemas.microsoft.com/office/drawing/2014/main" val="175730331"/>
+                    </a:ext>
+                  </a:extLst>
+                </a:gridCol>
+                <a:gridCol w="234950">
+                  <a:extLst>
+                    <a:ext uri="{9D8B030D-6E8A-4147-A177-3AD203B41FA5}">
+                      <a16:colId xmlns:a16="http://schemas.microsoft.com/office/drawing/2014/main" val="3474734655"/>
+                    </a:ext>
+                  </a:extLst>
+                </a:gridCol>
+              </a:tblGrid>
+              <a:tr h="0">
+                <a:tc>
+                  <a:txBody>
+                    <a:bodyPr/>
+                    <a:lstStyle/>
+                    <a:p>
+                      <a:endParaRPr lang="en-US" dirty="0"/>
+                    </a:p>
+                  </a:txBody>
+                  <a:tcPr>
+                    <a:solidFill>
+                      <a:schemeClr val="accent1">
+                        <a:lumMod val="75000"/>
+                      </a:schemeClr>
+                    </a:solidFill>
+                  </a:tcPr>
+                </a:tc>
+                <a:tc>
+                  <a:txBody>
+                    <a:bodyPr/>
+                    <a:lstStyle/>
+                    <a:p>
+                      <a:endParaRPr lang="en-US" dirty="0"/>
+                    </a:p>
+                  </a:txBody>
+                  <a:tcPr>
+                    <a:solidFill>
+                      <a:schemeClr val="accent1">
+                        <a:lumMod val="75000"/>
+                      </a:schemeClr>
+                    </a:solidFill>
+                  </a:tcPr>
+                </a:tc>
+                <a:tc>
+                  <a:txBody>
+                    <a:bodyPr/>
+                    <a:lstStyle/>
+                    <a:p>
+                      <a:endParaRPr lang="en-US" dirty="0"/>
+                    </a:p>
+                  </a:txBody>
+                  <a:tcPr>
+                    <a:solidFill>
+                      <a:schemeClr val="accent1"/>
+                    </a:solidFill>
+                  </a:tcPr>
+                </a:tc>
+                <a:tc>
+                  <a:txBody>
+                    <a:bodyPr/>
+                    <a:lstStyle/>
+                    <a:p>
+                      <a:endParaRPr lang="en-US" dirty="0"/>
+                    </a:p>
+                  </a:txBody>
+                  <a:tcPr>
+                    <a:solidFill>
+                      <a:schemeClr val="accent1">
+                        <a:lumMod val="40000"/>
+                        <a:lumOff val="60000"/>
+                      </a:schemeClr>
+                    </a:solidFill>
+                  </a:tcPr>
+                </a:tc>
+                <a:tc>
+                  <a:txBody>
+                    <a:bodyPr/>
+                    <a:lstStyle/>
+                    <a:p>
+                      <a:endParaRPr lang="en-US" dirty="0"/>
+                    </a:p>
+                  </a:txBody>
+                  <a:tcPr>
+                    <a:solidFill>
+                      <a:schemeClr val="accent1">
+                        <a:lumMod val="40000"/>
+                        <a:lumOff val="60000"/>
+                      </a:schemeClr>
+                    </a:solidFill>
+                  </a:tcPr>
+                </a:tc>
+                <a:tc>
+                  <a:txBody>
+                    <a:bodyPr/>
+                    <a:lstStyle/>
+                    <a:p>
+                      <a:endParaRPr lang="en-US" dirty="0"/>
+                    </a:p>
+                  </a:txBody>
+                  <a:tcPr>
+                    <a:solidFill>
+                      <a:schemeClr val="accent1">
+                        <a:lumMod val="40000"/>
+                        <a:lumOff val="60000"/>
+                      </a:schemeClr>
+                    </a:solidFill>
+                  </a:tcPr>
+                </a:tc>
+                <a:tc>
+                  <a:txBody>
+                    <a:bodyPr/>
+                    <a:lstStyle/>
+                    <a:p>
+                      <a:endParaRPr lang="en-US" dirty="0"/>
+                    </a:p>
+                  </a:txBody>
+                  <a:tcPr>
+                    <a:solidFill>
+                      <a:schemeClr val="accent1">
+                        <a:lumMod val="40000"/>
+                        <a:lumOff val="60000"/>
+                      </a:schemeClr>
+                    </a:solidFill>
+                  </a:tcPr>
+                </a:tc>
+                <a:tc>
+                  <a:txBody>
+                    <a:bodyPr/>
+                    <a:lstStyle/>
+                    <a:p>
+                      <a:endParaRPr lang="en-US" dirty="0"/>
+                    </a:p>
+                  </a:txBody>
+                  <a:tcPr>
+                    <a:solidFill>
+                      <a:schemeClr val="accent1">
+                        <a:lumMod val="40000"/>
+                        <a:lumOff val="60000"/>
+                      </a:schemeClr>
+                    </a:solidFill>
+                  </a:tcPr>
+                </a:tc>
+                <a:tc>
+                  <a:txBody>
+                    <a:bodyPr/>
+                    <a:lstStyle/>
+                    <a:p>
+                      <a:endParaRPr lang="en-US" dirty="0"/>
+                    </a:p>
+                  </a:txBody>
+                  <a:tcPr>
+                    <a:solidFill>
+                      <a:schemeClr val="accent1">
+                        <a:lumMod val="40000"/>
+                        <a:lumOff val="60000"/>
+                      </a:schemeClr>
+                    </a:solidFill>
+                  </a:tcPr>
+                </a:tc>
+                <a:tc>
+                  <a:txBody>
+                    <a:bodyPr/>
+                    <a:lstStyle/>
+                    <a:p>
+                      <a:endParaRPr lang="en-US" dirty="0"/>
+                    </a:p>
+                  </a:txBody>
+                  <a:tcPr>
+                    <a:solidFill>
+                      <a:schemeClr val="accent1">
+                        <a:lumMod val="40000"/>
+                        <a:lumOff val="60000"/>
+                      </a:schemeClr>
+                    </a:solidFill>
+                  </a:tcPr>
+                </a:tc>
+                <a:extLst>
+                  <a:ext uri="{0D108BD9-81ED-4DB2-BD59-A6C34878D82A}">
+                    <a16:rowId xmlns:a16="http://schemas.microsoft.com/office/drawing/2014/main" val="2022706739"/>
+                  </a:ext>
+                </a:extLst>
+              </a:tr>
+              <a:tr h="0">
+                <a:tc>
+                  <a:txBody>
+                    <a:bodyPr/>
+                    <a:lstStyle/>
+                    <a:p>
+                      <a:endParaRPr lang="en-US" dirty="0"/>
+                    </a:p>
+                  </a:txBody>
+                  <a:tcPr>
+                    <a:solidFill>
+                      <a:schemeClr val="accent1">
+                        <a:lumMod val="75000"/>
+                      </a:schemeClr>
+                    </a:solidFill>
+                  </a:tcPr>
+                </a:tc>
+                <a:tc>
+                  <a:txBody>
+                    <a:bodyPr/>
+                    <a:lstStyle/>
+                    <a:p>
+                      <a:endParaRPr lang="en-US" dirty="0"/>
+                    </a:p>
+                  </a:txBody>
+                  <a:tcPr>
+                    <a:solidFill>
+                      <a:schemeClr val="accent1"/>
+                    </a:solidFill>
+                  </a:tcPr>
+                </a:tc>
+                <a:tc>
+                  <a:txBody>
+                    <a:bodyPr/>
+                    <a:lstStyle/>
+                    <a:p>
+                      <a:endParaRPr lang="en-US" dirty="0"/>
+                    </a:p>
+                  </a:txBody>
+                  <a:tcPr>
+                    <a:solidFill>
+                      <a:schemeClr val="accent1">
+                        <a:lumMod val="40000"/>
+                        <a:lumOff val="60000"/>
+                      </a:schemeClr>
+                    </a:solidFill>
+                  </a:tcPr>
+                </a:tc>
+                <a:tc>
+                  <a:txBody>
+                    <a:bodyPr/>
+                    <a:lstStyle/>
+                    <a:p>
+                      <a:endParaRPr lang="en-US" dirty="0"/>
+                    </a:p>
+                  </a:txBody>
+                  <a:tcPr>
+                    <a:solidFill>
+                      <a:schemeClr val="accent1"/>
+                    </a:solidFill>
+                  </a:tcPr>
+                </a:tc>
+                <a:tc>
+                  <a:txBody>
+                    <a:bodyPr/>
+                    <a:lstStyle/>
+                    <a:p>
+                      <a:endParaRPr lang="en-US"/>
+                    </a:p>
+                  </a:txBody>
+                  <a:tcPr>
+                    <a:solidFill>
+                      <a:schemeClr val="accent1">
+                        <a:lumMod val="40000"/>
+                        <a:lumOff val="60000"/>
+                      </a:schemeClr>
+                    </a:solidFill>
+                  </a:tcPr>
+                </a:tc>
+                <a:tc>
+                  <a:txBody>
+                    <a:bodyPr/>
+                    <a:lstStyle/>
+                    <a:p>
+                      <a:endParaRPr lang="en-US" dirty="0"/>
+                    </a:p>
+                  </a:txBody>
+                  <a:tcPr>
+                    <a:solidFill>
+                      <a:schemeClr val="accent1">
+                        <a:lumMod val="40000"/>
+                        <a:lumOff val="60000"/>
+                      </a:schemeClr>
+                    </a:solidFill>
+                  </a:tcPr>
+                </a:tc>
+                <a:tc>
+                  <a:txBody>
+                    <a:bodyPr/>
+                    <a:lstStyle/>
+                    <a:p>
+                      <a:endParaRPr lang="en-US"/>
+                    </a:p>
+                  </a:txBody>
+                  <a:tcPr>
+                    <a:solidFill>
+                      <a:schemeClr val="accent1">
+                        <a:lumMod val="40000"/>
+                        <a:lumOff val="60000"/>
+                      </a:schemeClr>
+                    </a:solidFill>
+                  </a:tcPr>
+                </a:tc>
+                <a:tc>
+                  <a:txBody>
+                    <a:bodyPr/>
+                    <a:lstStyle/>
+                    <a:p>
+                      <a:endParaRPr lang="en-US"/>
+                    </a:p>
+                  </a:txBody>
+                  <a:tcPr>
+                    <a:solidFill>
+                      <a:schemeClr val="accent1">
+                        <a:lumMod val="40000"/>
+                        <a:lumOff val="60000"/>
+                      </a:schemeClr>
+                    </a:solidFill>
+                  </a:tcPr>
+                </a:tc>
+                <a:tc>
+                  <a:txBody>
+                    <a:bodyPr/>
+                    <a:lstStyle/>
+                    <a:p>
+                      <a:endParaRPr lang="en-US" dirty="0"/>
+                    </a:p>
+                  </a:txBody>
+                  <a:tcPr>
+                    <a:solidFill>
+                      <a:schemeClr val="accent1">
+                        <a:lumMod val="40000"/>
+                        <a:lumOff val="60000"/>
+                      </a:schemeClr>
+                    </a:solidFill>
+                  </a:tcPr>
+                </a:tc>
+                <a:tc>
+                  <a:txBody>
+                    <a:bodyPr/>
+                    <a:lstStyle/>
+                    <a:p>
+                      <a:endParaRPr lang="en-US" dirty="0"/>
+                    </a:p>
+                  </a:txBody>
+                  <a:tcPr>
+                    <a:solidFill>
+                      <a:schemeClr val="accent1">
+                        <a:lumMod val="40000"/>
+                        <a:lumOff val="60000"/>
+                      </a:schemeClr>
+                    </a:solidFill>
+                  </a:tcPr>
+                </a:tc>
+                <a:extLst>
+                  <a:ext uri="{0D108BD9-81ED-4DB2-BD59-A6C34878D82A}">
+                    <a16:rowId xmlns:a16="http://schemas.microsoft.com/office/drawing/2014/main" val="1944776580"/>
+                  </a:ext>
+                </a:extLst>
+              </a:tr>
+              <a:tr h="0">
+                <a:tc>
+                  <a:txBody>
+                    <a:bodyPr/>
+                    <a:lstStyle/>
+                    <a:p>
+                      <a:endParaRPr lang="en-US" dirty="0"/>
+                    </a:p>
+                  </a:txBody>
+                  <a:tcPr>
+                    <a:solidFill>
+                      <a:schemeClr val="accent1"/>
+                    </a:solidFill>
+                  </a:tcPr>
+                </a:tc>
+                <a:tc>
+                  <a:txBody>
+                    <a:bodyPr/>
+                    <a:lstStyle/>
+                    <a:p>
+                      <a:endParaRPr lang="en-US" dirty="0"/>
+                    </a:p>
+                  </a:txBody>
+                  <a:tcPr>
+                    <a:solidFill>
+                      <a:schemeClr val="accent1">
+                        <a:lumMod val="75000"/>
+                      </a:schemeClr>
+                    </a:solidFill>
+                  </a:tcPr>
+                </a:tc>
+                <a:tc>
+                  <a:txBody>
+                    <a:bodyPr/>
+                    <a:lstStyle/>
+                    <a:p>
+                      <a:endParaRPr lang="en-US" dirty="0"/>
+                    </a:p>
+                  </a:txBody>
+                  <a:tcPr>
+                    <a:solidFill>
+                      <a:schemeClr val="accent1">
+                        <a:lumMod val="40000"/>
+                        <a:lumOff val="60000"/>
+                      </a:schemeClr>
+                    </a:solidFill>
+                  </a:tcPr>
+                </a:tc>
+                <a:tc>
+                  <a:txBody>
+                    <a:bodyPr/>
+                    <a:lstStyle/>
+                    <a:p>
+                      <a:endParaRPr lang="en-US" dirty="0"/>
+                    </a:p>
+                  </a:txBody>
+                  <a:tcPr>
+                    <a:solidFill>
+                      <a:schemeClr val="accent1"/>
+                    </a:solidFill>
+                  </a:tcPr>
+                </a:tc>
+                <a:tc>
+                  <a:txBody>
+                    <a:bodyPr/>
+                    <a:lstStyle/>
+                    <a:p>
+                      <a:endParaRPr lang="en-US"/>
+                    </a:p>
+                  </a:txBody>
+                  <a:tcPr>
+                    <a:solidFill>
+                      <a:schemeClr val="accent1">
+                        <a:lumMod val="40000"/>
+                        <a:lumOff val="60000"/>
+                      </a:schemeClr>
+                    </a:solidFill>
+                  </a:tcPr>
+                </a:tc>
+                <a:tc>
+                  <a:txBody>
+                    <a:bodyPr/>
+                    <a:lstStyle/>
+                    <a:p>
+                      <a:endParaRPr lang="en-US" dirty="0"/>
+                    </a:p>
+                  </a:txBody>
+                  <a:tcPr>
+                    <a:solidFill>
+                      <a:schemeClr val="accent3">
+                        <a:lumMod val="60000"/>
+                        <a:lumOff val="40000"/>
+                      </a:schemeClr>
+                    </a:solidFill>
+                  </a:tcPr>
+                </a:tc>
+                <a:tc>
+                  <a:txBody>
+                    <a:bodyPr/>
+                    <a:lstStyle/>
+                    <a:p>
+                      <a:endParaRPr lang="en-US" dirty="0"/>
+                    </a:p>
+                  </a:txBody>
+                  <a:tcPr>
+                    <a:solidFill>
+                      <a:schemeClr val="accent1">
+                        <a:lumMod val="20000"/>
+                        <a:lumOff val="80000"/>
+                      </a:schemeClr>
+                    </a:solidFill>
+                  </a:tcPr>
+                </a:tc>
+                <a:tc>
+                  <a:txBody>
+                    <a:bodyPr/>
+                    <a:lstStyle/>
+                    <a:p>
+                      <a:endParaRPr lang="en-US" dirty="0"/>
+                    </a:p>
+                  </a:txBody>
+                  <a:tcPr>
+                    <a:solidFill>
+                      <a:schemeClr val="accent3">
+                        <a:lumMod val="60000"/>
+                        <a:lumOff val="40000"/>
+                      </a:schemeClr>
+                    </a:solidFill>
+                  </a:tcPr>
+                </a:tc>
+                <a:tc>
+                  <a:txBody>
+                    <a:bodyPr/>
+                    <a:lstStyle/>
+                    <a:p>
+                      <a:endParaRPr lang="en-US" dirty="0"/>
+                    </a:p>
+                  </a:txBody>
+                  <a:tcPr>
+                    <a:solidFill>
+                      <a:schemeClr val="accent1">
+                        <a:lumMod val="20000"/>
+                        <a:lumOff val="80000"/>
+                      </a:schemeClr>
+                    </a:solidFill>
+                  </a:tcPr>
+                </a:tc>
+                <a:tc>
+                  <a:txBody>
+                    <a:bodyPr/>
+                    <a:lstStyle/>
+                    <a:p>
+                      <a:endParaRPr lang="en-US" dirty="0"/>
+                    </a:p>
+                  </a:txBody>
+                  <a:tcPr>
+                    <a:solidFill>
+                      <a:schemeClr val="accent3">
+                        <a:lumMod val="60000"/>
+                        <a:lumOff val="40000"/>
+                      </a:schemeClr>
+                    </a:solidFill>
+                  </a:tcPr>
+                </a:tc>
+                <a:extLst>
+                  <a:ext uri="{0D108BD9-81ED-4DB2-BD59-A6C34878D82A}">
+                    <a16:rowId xmlns:a16="http://schemas.microsoft.com/office/drawing/2014/main" val="31907831"/>
+                  </a:ext>
+                </a:extLst>
+              </a:tr>
+              <a:tr h="0">
+                <a:tc>
+                  <a:txBody>
+                    <a:bodyPr/>
+                    <a:lstStyle/>
+                    <a:p>
+                      <a:endParaRPr lang="en-US" dirty="0"/>
+                    </a:p>
+                  </a:txBody>
+                  <a:tcPr>
+                    <a:solidFill>
+                      <a:schemeClr val="accent1">
+                        <a:lumMod val="20000"/>
+                        <a:lumOff val="80000"/>
+                      </a:schemeClr>
+                    </a:solidFill>
+                  </a:tcPr>
+                </a:tc>
+                <a:tc>
+                  <a:txBody>
+                    <a:bodyPr/>
+                    <a:lstStyle/>
+                    <a:p>
+                      <a:endParaRPr lang="en-US" dirty="0"/>
+                    </a:p>
+                  </a:txBody>
+                  <a:tcPr>
+                    <a:solidFill>
+                      <a:schemeClr val="accent1">
+                        <a:lumMod val="75000"/>
+                      </a:schemeClr>
+                    </a:solidFill>
+                  </a:tcPr>
+                </a:tc>
+                <a:tc>
+                  <a:txBody>
+                    <a:bodyPr/>
+                    <a:lstStyle/>
+                    <a:p>
+                      <a:endParaRPr lang="en-US" dirty="0"/>
+                    </a:p>
+                  </a:txBody>
+                  <a:tcPr>
+                    <a:solidFill>
+                      <a:schemeClr val="accent1">
+                        <a:lumMod val="40000"/>
+                        <a:lumOff val="60000"/>
+                      </a:schemeClr>
+                    </a:solidFill>
+                  </a:tcPr>
+                </a:tc>
+                <a:tc>
+                  <a:txBody>
+                    <a:bodyPr/>
+                    <a:lstStyle/>
+                    <a:p>
+                      <a:endParaRPr lang="en-US" dirty="0"/>
+                    </a:p>
+                  </a:txBody>
+                  <a:tcPr>
+                    <a:solidFill>
+                      <a:schemeClr val="accent1">
+                        <a:lumMod val="40000"/>
+                        <a:lumOff val="60000"/>
+                      </a:schemeClr>
+                    </a:solidFill>
+                  </a:tcPr>
+                </a:tc>
+                <a:tc>
+                  <a:txBody>
+                    <a:bodyPr/>
+                    <a:lstStyle/>
+                    <a:p>
+                      <a:endParaRPr lang="en-US" dirty="0"/>
+                    </a:p>
+                  </a:txBody>
+                  <a:tcPr>
+                    <a:solidFill>
+                      <a:schemeClr val="accent1">
+                        <a:lumMod val="40000"/>
+                        <a:lumOff val="60000"/>
+                      </a:schemeClr>
+                    </a:solidFill>
+                  </a:tcPr>
+                </a:tc>
+                <a:tc>
+                  <a:txBody>
+                    <a:bodyPr/>
+                    <a:lstStyle/>
+                    <a:p>
+                      <a:endParaRPr lang="en-US" dirty="0"/>
+                    </a:p>
+                  </a:txBody>
+                  <a:tcPr>
+                    <a:solidFill>
+                      <a:schemeClr val="accent3">
+                        <a:lumMod val="60000"/>
+                        <a:lumOff val="40000"/>
+                      </a:schemeClr>
+                    </a:solidFill>
+                  </a:tcPr>
+                </a:tc>
+                <a:tc>
+                  <a:txBody>
+                    <a:bodyPr/>
+                    <a:lstStyle/>
+                    <a:p>
+                      <a:endParaRPr lang="en-US" dirty="0"/>
+                    </a:p>
+                  </a:txBody>
+                  <a:tcPr>
+                    <a:solidFill>
+                      <a:schemeClr val="accent1">
+                        <a:lumMod val="20000"/>
+                        <a:lumOff val="80000"/>
+                      </a:schemeClr>
+                    </a:solidFill>
+                  </a:tcPr>
+                </a:tc>
+                <a:tc>
+                  <a:txBody>
+                    <a:bodyPr/>
+                    <a:lstStyle/>
+                    <a:p>
+                      <a:endParaRPr lang="en-US" dirty="0"/>
+                    </a:p>
+                  </a:txBody>
+                  <a:tcPr>
+                    <a:solidFill>
+                      <a:schemeClr val="accent3">
+                        <a:lumMod val="60000"/>
+                        <a:lumOff val="40000"/>
+                      </a:schemeClr>
+                    </a:solidFill>
+                  </a:tcPr>
+                </a:tc>
+                <a:tc>
+                  <a:txBody>
+                    <a:bodyPr/>
+                    <a:lstStyle/>
+                    <a:p>
+                      <a:endParaRPr lang="en-US" dirty="0"/>
+                    </a:p>
+                  </a:txBody>
+                  <a:tcPr>
+                    <a:solidFill>
+                      <a:schemeClr val="accent1">
+                        <a:lumMod val="20000"/>
+                        <a:lumOff val="80000"/>
+                      </a:schemeClr>
+                    </a:solidFill>
+                  </a:tcPr>
+                </a:tc>
+                <a:tc>
+                  <a:txBody>
+                    <a:bodyPr/>
+                    <a:lstStyle/>
+                    <a:p>
+                      <a:endParaRPr lang="en-US" dirty="0"/>
+                    </a:p>
+                  </a:txBody>
+                  <a:tcPr>
+                    <a:solidFill>
+                      <a:schemeClr val="accent3">
+                        <a:lumMod val="60000"/>
+                        <a:lumOff val="40000"/>
+                      </a:schemeClr>
+                    </a:solidFill>
+                  </a:tcPr>
+                </a:tc>
+                <a:extLst>
+                  <a:ext uri="{0D108BD9-81ED-4DB2-BD59-A6C34878D82A}">
+                    <a16:rowId xmlns:a16="http://schemas.microsoft.com/office/drawing/2014/main" val="852449970"/>
+                  </a:ext>
+                </a:extLst>
+              </a:tr>
+              <a:tr h="0">
+                <a:tc>
+                  <a:txBody>
+                    <a:bodyPr/>
+                    <a:lstStyle/>
+                    <a:p>
+                      <a:endParaRPr lang="en-US" dirty="0"/>
+                    </a:p>
+                  </a:txBody>
+                  <a:tcPr>
+                    <a:solidFill>
+                      <a:schemeClr val="accent1">
+                        <a:lumMod val="20000"/>
+                        <a:lumOff val="80000"/>
+                      </a:schemeClr>
+                    </a:solidFill>
+                  </a:tcPr>
+                </a:tc>
+                <a:tc>
+                  <a:txBody>
+                    <a:bodyPr/>
+                    <a:lstStyle/>
+                    <a:p>
+                      <a:endParaRPr lang="en-US" dirty="0"/>
+                    </a:p>
+                  </a:txBody>
+                  <a:tcPr>
+                    <a:solidFill>
+                      <a:schemeClr val="accent1"/>
+                    </a:solidFill>
+                  </a:tcPr>
+                </a:tc>
+                <a:tc>
+                  <a:txBody>
+                    <a:bodyPr/>
+                    <a:lstStyle/>
+                    <a:p>
+                      <a:endParaRPr lang="en-US" dirty="0"/>
+                    </a:p>
+                  </a:txBody>
+                  <a:tcPr>
+                    <a:solidFill>
+                      <a:schemeClr val="accent1">
+                        <a:lumMod val="40000"/>
+                        <a:lumOff val="60000"/>
+                      </a:schemeClr>
+                    </a:solidFill>
+                  </a:tcPr>
+                </a:tc>
+                <a:tc>
+                  <a:txBody>
+                    <a:bodyPr/>
+                    <a:lstStyle/>
+                    <a:p>
+                      <a:endParaRPr lang="en-US" dirty="0"/>
+                    </a:p>
+                  </a:txBody>
+                  <a:tcPr>
+                    <a:solidFill>
+                      <a:schemeClr val="accent1"/>
+                    </a:solidFill>
+                  </a:tcPr>
+                </a:tc>
+                <a:tc>
+                  <a:txBody>
+                    <a:bodyPr/>
+                    <a:lstStyle/>
+                    <a:p>
+                      <a:endParaRPr lang="en-US" dirty="0"/>
+                    </a:p>
+                  </a:txBody>
+                  <a:tcPr>
+                    <a:solidFill>
+                      <a:schemeClr val="accent1"/>
+                    </a:solidFill>
+                  </a:tcPr>
+                </a:tc>
+                <a:tc>
+                  <a:txBody>
+                    <a:bodyPr/>
+                    <a:lstStyle/>
+                    <a:p>
+                      <a:endParaRPr lang="en-US" dirty="0"/>
+                    </a:p>
+                  </a:txBody>
+                  <a:tcPr>
+                    <a:solidFill>
+                      <a:schemeClr val="accent1"/>
+                    </a:solidFill>
+                  </a:tcPr>
+                </a:tc>
+                <a:tc>
+                  <a:txBody>
+                    <a:bodyPr/>
+                    <a:lstStyle/>
+                    <a:p>
+                      <a:endParaRPr lang="en-US" dirty="0"/>
+                    </a:p>
+                  </a:txBody>
+                  <a:tcPr>
+                    <a:solidFill>
+                      <a:schemeClr val="accent1"/>
+                    </a:solidFill>
+                  </a:tcPr>
+                </a:tc>
+                <a:tc>
+                  <a:txBody>
+                    <a:bodyPr/>
+                    <a:lstStyle/>
+                    <a:p>
+                      <a:endParaRPr lang="en-US" dirty="0"/>
+                    </a:p>
+                  </a:txBody>
+                  <a:tcPr>
+                    <a:solidFill>
+                      <a:schemeClr val="accent1"/>
+                    </a:solidFill>
+                  </a:tcPr>
+                </a:tc>
+                <a:tc>
+                  <a:txBody>
+                    <a:bodyPr/>
+                    <a:lstStyle/>
+                    <a:p>
+                      <a:endParaRPr lang="en-US" dirty="0"/>
+                    </a:p>
+                  </a:txBody>
+                  <a:tcPr>
+                    <a:solidFill>
+                      <a:schemeClr val="accent1"/>
+                    </a:solidFill>
+                  </a:tcPr>
+                </a:tc>
+                <a:tc>
+                  <a:txBody>
+                    <a:bodyPr/>
+                    <a:lstStyle/>
+                    <a:p>
+                      <a:endParaRPr lang="en-US" dirty="0"/>
+                    </a:p>
+                  </a:txBody>
+                  <a:tcPr>
+                    <a:solidFill>
+                      <a:schemeClr val="accent1"/>
+                    </a:solidFill>
+                  </a:tcPr>
+                </a:tc>
+                <a:extLst>
+                  <a:ext uri="{0D108BD9-81ED-4DB2-BD59-A6C34878D82A}">
+                    <a16:rowId xmlns:a16="http://schemas.microsoft.com/office/drawing/2014/main" val="1936347943"/>
+                  </a:ext>
+                </a:extLst>
+              </a:tr>
+              <a:tr h="0">
+                <a:tc>
+                  <a:txBody>
+                    <a:bodyPr/>
+                    <a:lstStyle/>
+                    <a:p>
+                      <a:endParaRPr lang="en-US" dirty="0"/>
+                    </a:p>
+                  </a:txBody>
+                  <a:tcPr>
+                    <a:solidFill>
+                      <a:schemeClr val="accent1">
+                        <a:lumMod val="20000"/>
+                        <a:lumOff val="80000"/>
+                      </a:schemeClr>
+                    </a:solidFill>
+                  </a:tcPr>
+                </a:tc>
+                <a:tc>
+                  <a:txBody>
+                    <a:bodyPr/>
+                    <a:lstStyle/>
+                    <a:p>
+                      <a:endParaRPr lang="en-US"/>
+                    </a:p>
+                  </a:txBody>
+                  <a:tcPr>
+                    <a:solidFill>
+                      <a:schemeClr val="accent1"/>
+                    </a:solidFill>
+                  </a:tcPr>
+                </a:tc>
+                <a:tc>
+                  <a:txBody>
+                    <a:bodyPr/>
+                    <a:lstStyle/>
+                    <a:p>
+                      <a:endParaRPr lang="en-US" dirty="0"/>
+                    </a:p>
+                  </a:txBody>
+                  <a:tcPr>
+                    <a:solidFill>
+                      <a:schemeClr val="accent1"/>
+                    </a:solidFill>
+                  </a:tcPr>
+                </a:tc>
+                <a:tc>
+                  <a:txBody>
+                    <a:bodyPr/>
+                    <a:lstStyle/>
+                    <a:p>
+                      <a:endParaRPr lang="en-US" dirty="0"/>
+                    </a:p>
+                  </a:txBody>
+                  <a:tcPr>
+                    <a:solidFill>
+                      <a:schemeClr val="accent1"/>
+                    </a:solidFill>
+                  </a:tcPr>
+                </a:tc>
+                <a:tc>
+                  <a:txBody>
+                    <a:bodyPr/>
+                    <a:lstStyle/>
+                    <a:p>
+                      <a:endParaRPr lang="en-US" dirty="0"/>
+                    </a:p>
+                  </a:txBody>
+                  <a:tcPr>
+                    <a:solidFill>
+                      <a:schemeClr val="accent1"/>
+                    </a:solidFill>
+                  </a:tcPr>
+                </a:tc>
+                <a:tc>
+                  <a:txBody>
+                    <a:bodyPr/>
+                    <a:lstStyle/>
+                    <a:p>
+                      <a:endParaRPr lang="en-US" dirty="0"/>
+                    </a:p>
+                  </a:txBody>
+                  <a:tcPr>
+                    <a:solidFill>
+                      <a:schemeClr val="accent1"/>
+                    </a:solidFill>
+                  </a:tcPr>
+                </a:tc>
+                <a:tc>
+                  <a:txBody>
+                    <a:bodyPr/>
+                    <a:lstStyle/>
+                    <a:p>
+                      <a:endParaRPr lang="en-US" dirty="0"/>
+                    </a:p>
+                  </a:txBody>
+                  <a:tcPr>
+                    <a:solidFill>
+                      <a:schemeClr val="accent1"/>
+                    </a:solidFill>
+                  </a:tcPr>
+                </a:tc>
+                <a:tc>
+                  <a:txBody>
+                    <a:bodyPr/>
+                    <a:lstStyle/>
+                    <a:p>
+                      <a:endParaRPr lang="en-US"/>
+                    </a:p>
+                  </a:txBody>
+                  <a:tcPr>
+                    <a:solidFill>
+                      <a:schemeClr val="accent1"/>
+                    </a:solidFill>
+                  </a:tcPr>
+                </a:tc>
+                <a:tc>
+                  <a:txBody>
+                    <a:bodyPr/>
+                    <a:lstStyle/>
+                    <a:p>
+                      <a:endParaRPr lang="en-US"/>
+                    </a:p>
+                  </a:txBody>
+                  <a:tcPr>
+                    <a:solidFill>
+                      <a:schemeClr val="accent1"/>
+                    </a:solidFill>
+                  </a:tcPr>
+                </a:tc>
+                <a:tc>
+                  <a:txBody>
+                    <a:bodyPr/>
+                    <a:lstStyle/>
+                    <a:p>
+                      <a:endParaRPr lang="en-US"/>
+                    </a:p>
+                  </a:txBody>
+                  <a:tcPr>
+                    <a:solidFill>
+                      <a:schemeClr val="accent1"/>
+                    </a:solidFill>
+                  </a:tcPr>
+                </a:tc>
+                <a:extLst>
+                  <a:ext uri="{0D108BD9-81ED-4DB2-BD59-A6C34878D82A}">
+                    <a16:rowId xmlns:a16="http://schemas.microsoft.com/office/drawing/2014/main" val="3853834310"/>
+                  </a:ext>
+                </a:extLst>
+              </a:tr>
+              <a:tr h="0">
+                <a:tc>
+                  <a:txBody>
+                    <a:bodyPr/>
+                    <a:lstStyle/>
+                    <a:p>
+                      <a:endParaRPr lang="en-US" dirty="0"/>
+                    </a:p>
+                  </a:txBody>
+                  <a:tcPr>
+                    <a:solidFill>
+                      <a:schemeClr val="accent1">
+                        <a:lumMod val="20000"/>
+                        <a:lumOff val="80000"/>
+                      </a:schemeClr>
+                    </a:solidFill>
+                  </a:tcPr>
+                </a:tc>
+                <a:tc>
+                  <a:txBody>
+                    <a:bodyPr/>
+                    <a:lstStyle/>
+                    <a:p>
+                      <a:endParaRPr lang="en-US" dirty="0"/>
+                    </a:p>
+                  </a:txBody>
+                  <a:tcPr>
+                    <a:solidFill>
+                      <a:schemeClr val="accent1"/>
+                    </a:solidFill>
+                  </a:tcPr>
+                </a:tc>
+                <a:tc>
+                  <a:txBody>
+                    <a:bodyPr/>
+                    <a:lstStyle/>
+                    <a:p>
+                      <a:endParaRPr lang="en-US" dirty="0"/>
+                    </a:p>
+                  </a:txBody>
+                  <a:tcPr>
+                    <a:solidFill>
+                      <a:schemeClr val="accent1"/>
+                    </a:solidFill>
+                  </a:tcPr>
+                </a:tc>
+                <a:tc>
+                  <a:txBody>
+                    <a:bodyPr/>
+                    <a:lstStyle/>
+                    <a:p>
+                      <a:endParaRPr lang="en-US" dirty="0"/>
+                    </a:p>
+                  </a:txBody>
+                  <a:tcPr>
+                    <a:solidFill>
+                      <a:schemeClr val="accent1"/>
+                    </a:solidFill>
+                  </a:tcPr>
+                </a:tc>
+                <a:tc>
+                  <a:txBody>
+                    <a:bodyPr/>
+                    <a:lstStyle/>
+                    <a:p>
+                      <a:endParaRPr lang="en-US" dirty="0"/>
+                    </a:p>
+                  </a:txBody>
+                  <a:tcPr>
+                    <a:solidFill>
+                      <a:schemeClr val="accent1"/>
+                    </a:solidFill>
+                  </a:tcPr>
+                </a:tc>
+                <a:tc>
+                  <a:txBody>
+                    <a:bodyPr/>
+                    <a:lstStyle/>
+                    <a:p>
+                      <a:endParaRPr lang="en-US"/>
+                    </a:p>
+                  </a:txBody>
+                  <a:tcPr>
+                    <a:solidFill>
+                      <a:schemeClr val="accent1"/>
+                    </a:solidFill>
+                  </a:tcPr>
+                </a:tc>
+                <a:tc>
+                  <a:txBody>
+                    <a:bodyPr/>
+                    <a:lstStyle/>
+                    <a:p>
+                      <a:endParaRPr lang="en-US"/>
+                    </a:p>
+                  </a:txBody>
+                  <a:tcPr>
+                    <a:solidFill>
+                      <a:schemeClr val="accent1"/>
+                    </a:solidFill>
+                  </a:tcPr>
+                </a:tc>
+                <a:tc>
+                  <a:txBody>
+                    <a:bodyPr/>
+                    <a:lstStyle/>
+                    <a:p>
+                      <a:endParaRPr lang="en-US" dirty="0"/>
+                    </a:p>
+                  </a:txBody>
+                  <a:tcPr>
+                    <a:solidFill>
+                      <a:schemeClr val="accent1"/>
+                    </a:solidFill>
+                  </a:tcPr>
+                </a:tc>
+                <a:tc>
+                  <a:txBody>
+                    <a:bodyPr/>
+                    <a:lstStyle/>
+                    <a:p>
+                      <a:endParaRPr lang="en-US" dirty="0"/>
+                    </a:p>
+                  </a:txBody>
+                  <a:tcPr>
+                    <a:solidFill>
+                      <a:schemeClr val="accent1"/>
+                    </a:solidFill>
+                  </a:tcPr>
+                </a:tc>
+                <a:tc>
+                  <a:txBody>
+                    <a:bodyPr/>
+                    <a:lstStyle/>
+                    <a:p>
+                      <a:endParaRPr lang="en-US" dirty="0"/>
+                    </a:p>
+                  </a:txBody>
+                  <a:tcPr>
+                    <a:solidFill>
+                      <a:schemeClr val="accent1"/>
+                    </a:solidFill>
+                  </a:tcPr>
+                </a:tc>
+                <a:extLst>
+                  <a:ext uri="{0D108BD9-81ED-4DB2-BD59-A6C34878D82A}">
+                    <a16:rowId xmlns:a16="http://schemas.microsoft.com/office/drawing/2014/main" val="3087456336"/>
+                  </a:ext>
+                </a:extLst>
+              </a:tr>
+              <a:tr h="0">
+                <a:tc>
+                  <a:txBody>
+                    <a:bodyPr/>
+                    <a:lstStyle/>
+                    <a:p>
+                      <a:endParaRPr lang="en-US" dirty="0"/>
+                    </a:p>
+                  </a:txBody>
+                  <a:tcPr>
+                    <a:solidFill>
+                      <a:schemeClr val="accent1">
+                        <a:lumMod val="20000"/>
+                        <a:lumOff val="80000"/>
+                      </a:schemeClr>
+                    </a:solidFill>
+                  </a:tcPr>
+                </a:tc>
+                <a:tc>
+                  <a:txBody>
+                    <a:bodyPr/>
+                    <a:lstStyle/>
+                    <a:p>
+                      <a:endParaRPr lang="en-US" dirty="0"/>
+                    </a:p>
+                  </a:txBody>
+                  <a:tcPr>
+                    <a:solidFill>
+                      <a:schemeClr val="accent1">
+                        <a:lumMod val="20000"/>
+                        <a:lumOff val="80000"/>
+                      </a:schemeClr>
+                    </a:solidFill>
+                  </a:tcPr>
+                </a:tc>
+                <a:tc>
+                  <a:txBody>
+                    <a:bodyPr/>
+                    <a:lstStyle/>
+                    <a:p>
+                      <a:endParaRPr lang="en-US" dirty="0"/>
+                    </a:p>
+                  </a:txBody>
+                  <a:tcPr>
+                    <a:solidFill>
+                      <a:schemeClr val="accent1">
+                        <a:lumMod val="20000"/>
+                        <a:lumOff val="80000"/>
+                      </a:schemeClr>
+                    </a:solidFill>
+                  </a:tcPr>
+                </a:tc>
+                <a:tc>
+                  <a:txBody>
+                    <a:bodyPr/>
+                    <a:lstStyle/>
+                    <a:p>
+                      <a:endParaRPr lang="en-US" dirty="0"/>
+                    </a:p>
+                  </a:txBody>
+                  <a:tcPr>
+                    <a:solidFill>
+                      <a:schemeClr val="accent1">
+                        <a:lumMod val="20000"/>
+                        <a:lumOff val="80000"/>
+                      </a:schemeClr>
+                    </a:solidFill>
+                  </a:tcPr>
+                </a:tc>
+                <a:tc>
+                  <a:txBody>
+                    <a:bodyPr/>
+                    <a:lstStyle/>
+                    <a:p>
+                      <a:endParaRPr lang="en-US" dirty="0"/>
+                    </a:p>
+                  </a:txBody>
+                  <a:tcPr>
+                    <a:solidFill>
+                      <a:schemeClr val="accent1">
+                        <a:lumMod val="20000"/>
+                        <a:lumOff val="80000"/>
+                      </a:schemeClr>
+                    </a:solidFill>
+                  </a:tcPr>
+                </a:tc>
+                <a:tc>
+                  <a:txBody>
+                    <a:bodyPr/>
+                    <a:lstStyle/>
+                    <a:p>
+                      <a:endParaRPr lang="en-US" dirty="0"/>
+                    </a:p>
+                  </a:txBody>
+                  <a:tcPr>
+                    <a:solidFill>
+                      <a:schemeClr val="accent3">
+                        <a:lumMod val="60000"/>
+                        <a:lumOff val="40000"/>
+                      </a:schemeClr>
+                    </a:solidFill>
+                  </a:tcPr>
+                </a:tc>
+                <a:tc>
+                  <a:txBody>
+                    <a:bodyPr/>
+                    <a:lstStyle/>
+                    <a:p>
+                      <a:endParaRPr lang="en-US" dirty="0"/>
+                    </a:p>
+                  </a:txBody>
+                  <a:tcPr>
+                    <a:solidFill>
+                      <a:schemeClr val="accent3">
+                        <a:lumMod val="60000"/>
+                        <a:lumOff val="40000"/>
+                      </a:schemeClr>
+                    </a:solidFill>
+                  </a:tcPr>
+                </a:tc>
+                <a:tc>
+                  <a:txBody>
+                    <a:bodyPr/>
+                    <a:lstStyle/>
+                    <a:p>
+                      <a:endParaRPr lang="en-US" dirty="0"/>
+                    </a:p>
+                  </a:txBody>
+                  <a:tcPr>
+                    <a:solidFill>
+                      <a:schemeClr val="accent3">
+                        <a:lumMod val="60000"/>
+                        <a:lumOff val="40000"/>
+                      </a:schemeClr>
+                    </a:solidFill>
+                  </a:tcPr>
+                </a:tc>
+                <a:tc>
+                  <a:txBody>
+                    <a:bodyPr/>
+                    <a:lstStyle/>
+                    <a:p>
+                      <a:endParaRPr lang="en-US" dirty="0"/>
+                    </a:p>
+                  </a:txBody>
+                  <a:tcPr>
+                    <a:solidFill>
+                      <a:schemeClr val="accent3">
+                        <a:lumMod val="60000"/>
+                        <a:lumOff val="40000"/>
+                      </a:schemeClr>
+                    </a:solidFill>
+                  </a:tcPr>
+                </a:tc>
+                <a:tc>
+                  <a:txBody>
+                    <a:bodyPr/>
+                    <a:lstStyle/>
+                    <a:p>
+                      <a:endParaRPr lang="en-US" dirty="0"/>
+                    </a:p>
+                  </a:txBody>
+                  <a:tcPr>
+                    <a:solidFill>
+                      <a:schemeClr val="accent3">
+                        <a:lumMod val="60000"/>
+                        <a:lumOff val="40000"/>
+                      </a:schemeClr>
+                    </a:solidFill>
+                  </a:tcPr>
+                </a:tc>
+                <a:extLst>
+                  <a:ext uri="{0D108BD9-81ED-4DB2-BD59-A6C34878D82A}">
+                    <a16:rowId xmlns:a16="http://schemas.microsoft.com/office/drawing/2014/main" val="556609022"/>
+                  </a:ext>
+                </a:extLst>
+              </a:tr>
+            </a:tbl>
+          </a:graphicData>
+        </a:graphic>
+      </p:graphicFrame>
+      <p:graphicFrame>
+        <p:nvGraphicFramePr>
+          <p:cNvPr id="5" name="Table 4"/>
+          <p:cNvGraphicFramePr>
+            <a:graphicFrameLocks noGrp="1"/>
+          </p:cNvGraphicFramePr>
+          <p:nvPr>
+            <p:extLst>
+              <p:ext uri="{D42A27DB-BD31-4B8C-83A1-F6EECF244321}">
+                <p14:modId xmlns:p14="http://schemas.microsoft.com/office/powerpoint/2010/main" val="541981768"/>
+              </p:ext>
+            </p:extLst>
+          </p:nvPr>
+        </p:nvGraphicFramePr>
+        <p:xfrm>
+          <a:off x="9628235" y="3729566"/>
+          <a:ext cx="2349500" cy="2926080"/>
+        </p:xfrm>
+        <a:graphic>
+          <a:graphicData uri="http://schemas.openxmlformats.org/drawingml/2006/table">
+            <a:tbl>
+              <a:tblPr firstRow="1" bandRow="1">
+                <a:tableStyleId>{5940675A-B579-460E-94D1-54222C63F5DA}</a:tableStyleId>
+              </a:tblPr>
+              <a:tblGrid>
+                <a:gridCol w="234950">
+                  <a:extLst>
+                    <a:ext uri="{9D8B030D-6E8A-4147-A177-3AD203B41FA5}">
+                      <a16:colId xmlns:a16="http://schemas.microsoft.com/office/drawing/2014/main" val="222489246"/>
+                    </a:ext>
+                  </a:extLst>
+                </a:gridCol>
+                <a:gridCol w="234950">
+                  <a:extLst>
+                    <a:ext uri="{9D8B030D-6E8A-4147-A177-3AD203B41FA5}">
+                      <a16:colId xmlns:a16="http://schemas.microsoft.com/office/drawing/2014/main" val="2923204259"/>
+                    </a:ext>
+                  </a:extLst>
+                </a:gridCol>
+                <a:gridCol w="234950">
+                  <a:extLst>
+                    <a:ext uri="{9D8B030D-6E8A-4147-A177-3AD203B41FA5}">
+                      <a16:colId xmlns:a16="http://schemas.microsoft.com/office/drawing/2014/main" val="3526864870"/>
+                    </a:ext>
+                  </a:extLst>
+                </a:gridCol>
+                <a:gridCol w="234950">
+                  <a:extLst>
+                    <a:ext uri="{9D8B030D-6E8A-4147-A177-3AD203B41FA5}">
+                      <a16:colId xmlns:a16="http://schemas.microsoft.com/office/drawing/2014/main" val="2553267969"/>
+                    </a:ext>
+                  </a:extLst>
+                </a:gridCol>
+                <a:gridCol w="234950">
+                  <a:extLst>
+                    <a:ext uri="{9D8B030D-6E8A-4147-A177-3AD203B41FA5}">
+                      <a16:colId xmlns:a16="http://schemas.microsoft.com/office/drawing/2014/main" val="1855112607"/>
+                    </a:ext>
+                  </a:extLst>
+                </a:gridCol>
+                <a:gridCol w="234950">
+                  <a:extLst>
+                    <a:ext uri="{9D8B030D-6E8A-4147-A177-3AD203B41FA5}">
+                      <a16:colId xmlns:a16="http://schemas.microsoft.com/office/drawing/2014/main" val="4292739727"/>
+                    </a:ext>
+                  </a:extLst>
+                </a:gridCol>
+                <a:gridCol w="234950">
+                  <a:extLst>
+                    <a:ext uri="{9D8B030D-6E8A-4147-A177-3AD203B41FA5}">
+                      <a16:colId xmlns:a16="http://schemas.microsoft.com/office/drawing/2014/main" val="3767240921"/>
+                    </a:ext>
+                  </a:extLst>
+                </a:gridCol>
+                <a:gridCol w="234950">
+                  <a:extLst>
+                    <a:ext uri="{9D8B030D-6E8A-4147-A177-3AD203B41FA5}">
+                      <a16:colId xmlns:a16="http://schemas.microsoft.com/office/drawing/2014/main" val="681593001"/>
+                    </a:ext>
+                  </a:extLst>
+                </a:gridCol>
+                <a:gridCol w="234950">
+                  <a:extLst>
+                    <a:ext uri="{9D8B030D-6E8A-4147-A177-3AD203B41FA5}">
+                      <a16:colId xmlns:a16="http://schemas.microsoft.com/office/drawing/2014/main" val="175730331"/>
+                    </a:ext>
+                  </a:extLst>
+                </a:gridCol>
+                <a:gridCol w="234950">
+                  <a:extLst>
+                    <a:ext uri="{9D8B030D-6E8A-4147-A177-3AD203B41FA5}">
+                      <a16:colId xmlns:a16="http://schemas.microsoft.com/office/drawing/2014/main" val="3474734655"/>
+                    </a:ext>
+                  </a:extLst>
+                </a:gridCol>
+              </a:tblGrid>
+              <a:tr h="0">
+                <a:tc>
+                  <a:txBody>
+                    <a:bodyPr/>
+                    <a:lstStyle/>
+                    <a:p>
+                      <a:endParaRPr lang="en-US" dirty="0"/>
+                    </a:p>
+                  </a:txBody>
+                  <a:tcPr/>
+                </a:tc>
+                <a:tc>
+                  <a:txBody>
+                    <a:bodyPr/>
+                    <a:lstStyle/>
+                    <a:p>
+                      <a:endParaRPr lang="en-US"/>
+                    </a:p>
+                  </a:txBody>
+                  <a:tcPr/>
+                </a:tc>
+                <a:tc>
+                  <a:txBody>
+                    <a:bodyPr/>
+                    <a:lstStyle/>
+                    <a:p>
+                      <a:endParaRPr lang="en-US"/>
+                    </a:p>
+                  </a:txBody>
+                  <a:tcPr/>
+                </a:tc>
+                <a:tc>
+                  <a:txBody>
+                    <a:bodyPr/>
+                    <a:lstStyle/>
+                    <a:p>
+                      <a:endParaRPr lang="en-US"/>
+                    </a:p>
+                  </a:txBody>
+                  <a:tcPr/>
+                </a:tc>
+                <a:tc>
+                  <a:txBody>
+                    <a:bodyPr/>
+                    <a:lstStyle/>
+                    <a:p>
+                      <a:endParaRPr lang="en-US"/>
+                    </a:p>
+                  </a:txBody>
+                  <a:tcPr/>
+                </a:tc>
+                <a:tc>
+                  <a:txBody>
+                    <a:bodyPr/>
+                    <a:lstStyle/>
+                    <a:p>
+                      <a:endParaRPr lang="en-US"/>
+                    </a:p>
+                  </a:txBody>
+                  <a:tcPr/>
+                </a:tc>
+                <a:tc>
+                  <a:txBody>
+                    <a:bodyPr/>
+                    <a:lstStyle/>
+                    <a:p>
+                      <a:endParaRPr lang="en-US"/>
+                    </a:p>
+                  </a:txBody>
+                  <a:tcPr/>
+                </a:tc>
+                <a:tc>
+                  <a:txBody>
+                    <a:bodyPr/>
+                    <a:lstStyle/>
+                    <a:p>
+                      <a:endParaRPr lang="en-US"/>
+                    </a:p>
+                  </a:txBody>
+                  <a:tcPr/>
+                </a:tc>
+                <a:tc>
+                  <a:txBody>
+                    <a:bodyPr/>
+                    <a:lstStyle/>
+                    <a:p>
+                      <a:endParaRPr lang="en-US" dirty="0"/>
+                    </a:p>
+                  </a:txBody>
+                  <a:tcPr/>
+                </a:tc>
+                <a:tc>
+                  <a:txBody>
+                    <a:bodyPr/>
+                    <a:lstStyle/>
+                    <a:p>
+                      <a:endParaRPr lang="en-US"/>
+                    </a:p>
+                  </a:txBody>
+                  <a:tcPr/>
+                </a:tc>
+                <a:extLst>
+                  <a:ext uri="{0D108BD9-81ED-4DB2-BD59-A6C34878D82A}">
+                    <a16:rowId xmlns:a16="http://schemas.microsoft.com/office/drawing/2014/main" val="2022706739"/>
+                  </a:ext>
+                </a:extLst>
+              </a:tr>
+              <a:tr h="0">
+                <a:tc>
+                  <a:txBody>
+                    <a:bodyPr/>
+                    <a:lstStyle/>
+                    <a:p>
+                      <a:endParaRPr lang="en-US" dirty="0"/>
+                    </a:p>
+                  </a:txBody>
+                  <a:tcPr/>
+                </a:tc>
+                <a:tc>
+                  <a:txBody>
+                    <a:bodyPr/>
+                    <a:lstStyle/>
+                    <a:p>
+                      <a:endParaRPr lang="en-US" dirty="0"/>
+                    </a:p>
+                  </a:txBody>
+                  <a:tcPr/>
+                </a:tc>
+                <a:tc>
+                  <a:txBody>
+                    <a:bodyPr/>
+                    <a:lstStyle/>
+                    <a:p>
+                      <a:endParaRPr lang="en-US" dirty="0"/>
+                    </a:p>
+                  </a:txBody>
+                  <a:tcPr/>
+                </a:tc>
+                <a:tc>
+                  <a:txBody>
+                    <a:bodyPr/>
+                    <a:lstStyle/>
+                    <a:p>
+                      <a:endParaRPr lang="en-US"/>
+                    </a:p>
+                  </a:txBody>
+                  <a:tcPr/>
+                </a:tc>
+                <a:tc>
+                  <a:txBody>
+                    <a:bodyPr/>
+                    <a:lstStyle/>
+                    <a:p>
+                      <a:endParaRPr lang="en-US"/>
+                    </a:p>
+                  </a:txBody>
+                  <a:tcPr/>
+                </a:tc>
+                <a:tc>
+                  <a:txBody>
+                    <a:bodyPr/>
+                    <a:lstStyle/>
+                    <a:p>
+                      <a:endParaRPr lang="en-US"/>
+                    </a:p>
+                  </a:txBody>
+                  <a:tcPr/>
+                </a:tc>
+                <a:tc>
+                  <a:txBody>
+                    <a:bodyPr/>
+                    <a:lstStyle/>
+                    <a:p>
+                      <a:endParaRPr lang="en-US"/>
+                    </a:p>
+                  </a:txBody>
+                  <a:tcPr/>
+                </a:tc>
+                <a:tc>
+                  <a:txBody>
+                    <a:bodyPr/>
+                    <a:lstStyle/>
+                    <a:p>
+                      <a:endParaRPr lang="en-US"/>
+                    </a:p>
+                  </a:txBody>
+                  <a:tcPr/>
+                </a:tc>
+                <a:tc>
+                  <a:txBody>
+                    <a:bodyPr/>
+                    <a:lstStyle/>
+                    <a:p>
+                      <a:endParaRPr lang="en-US" dirty="0"/>
+                    </a:p>
+                  </a:txBody>
+                  <a:tcPr/>
+                </a:tc>
+                <a:tc>
+                  <a:txBody>
+                    <a:bodyPr/>
+                    <a:lstStyle/>
+                    <a:p>
+                      <a:endParaRPr lang="en-US"/>
+                    </a:p>
+                  </a:txBody>
+                  <a:tcPr/>
+                </a:tc>
+                <a:extLst>
+                  <a:ext uri="{0D108BD9-81ED-4DB2-BD59-A6C34878D82A}">
+                    <a16:rowId xmlns:a16="http://schemas.microsoft.com/office/drawing/2014/main" val="1944776580"/>
+                  </a:ext>
+                </a:extLst>
+              </a:tr>
+              <a:tr h="0">
+                <a:tc>
+                  <a:txBody>
+                    <a:bodyPr/>
+                    <a:lstStyle/>
+                    <a:p>
+                      <a:endParaRPr lang="en-US"/>
+                    </a:p>
+                  </a:txBody>
+                  <a:tcPr/>
+                </a:tc>
+                <a:tc>
+                  <a:txBody>
+                    <a:bodyPr/>
+                    <a:lstStyle/>
+                    <a:p>
+                      <a:endParaRPr lang="en-US"/>
+                    </a:p>
+                  </a:txBody>
+                  <a:tcPr/>
+                </a:tc>
+                <a:tc>
+                  <a:txBody>
+                    <a:bodyPr/>
+                    <a:lstStyle/>
+                    <a:p>
+                      <a:endParaRPr lang="en-US"/>
+                    </a:p>
+                  </a:txBody>
+                  <a:tcPr/>
+                </a:tc>
+                <a:tc>
+                  <a:txBody>
+                    <a:bodyPr/>
+                    <a:lstStyle/>
+                    <a:p>
+                      <a:endParaRPr lang="en-US"/>
+                    </a:p>
+                  </a:txBody>
+                  <a:tcPr/>
+                </a:tc>
+                <a:tc>
+                  <a:txBody>
+                    <a:bodyPr/>
+                    <a:lstStyle/>
+                    <a:p>
+                      <a:endParaRPr lang="en-US"/>
+                    </a:p>
+                  </a:txBody>
+                  <a:tcPr/>
+                </a:tc>
+                <a:tc>
+                  <a:txBody>
+                    <a:bodyPr/>
+                    <a:lstStyle/>
+                    <a:p>
+                      <a:endParaRPr lang="en-US"/>
+                    </a:p>
+                  </a:txBody>
+                  <a:tcPr/>
+                </a:tc>
+                <a:tc>
+                  <a:txBody>
+                    <a:bodyPr/>
+                    <a:lstStyle/>
+                    <a:p>
+                      <a:endParaRPr lang="en-US"/>
+                    </a:p>
+                  </a:txBody>
+                  <a:tcPr/>
+                </a:tc>
+                <a:tc>
+                  <a:txBody>
+                    <a:bodyPr/>
+                    <a:lstStyle/>
+                    <a:p>
+                      <a:endParaRPr lang="en-US"/>
+                    </a:p>
+                  </a:txBody>
+                  <a:tcPr/>
+                </a:tc>
+                <a:tc>
+                  <a:txBody>
+                    <a:bodyPr/>
+                    <a:lstStyle/>
+                    <a:p>
+                      <a:endParaRPr lang="en-US"/>
+                    </a:p>
+                  </a:txBody>
+                  <a:tcPr/>
+                </a:tc>
+                <a:tc>
+                  <a:txBody>
+                    <a:bodyPr/>
+                    <a:lstStyle/>
+                    <a:p>
+                      <a:endParaRPr lang="en-US"/>
+                    </a:p>
+                  </a:txBody>
+                  <a:tcPr/>
+                </a:tc>
+                <a:extLst>
+                  <a:ext uri="{0D108BD9-81ED-4DB2-BD59-A6C34878D82A}">
+                    <a16:rowId xmlns:a16="http://schemas.microsoft.com/office/drawing/2014/main" val="31907831"/>
+                  </a:ext>
+                </a:extLst>
+              </a:tr>
+              <a:tr h="0">
+                <a:tc>
+                  <a:txBody>
+                    <a:bodyPr/>
+                    <a:lstStyle/>
+                    <a:p>
+                      <a:endParaRPr lang="en-US"/>
+                    </a:p>
+                  </a:txBody>
+                  <a:tcPr/>
+                </a:tc>
+                <a:tc>
+                  <a:txBody>
+                    <a:bodyPr/>
+                    <a:lstStyle/>
+                    <a:p>
+                      <a:endParaRPr lang="en-US"/>
+                    </a:p>
+                  </a:txBody>
+                  <a:tcPr/>
+                </a:tc>
+                <a:tc>
+                  <a:txBody>
+                    <a:bodyPr/>
+                    <a:lstStyle/>
+                    <a:p>
+                      <a:endParaRPr lang="en-US"/>
+                    </a:p>
+                  </a:txBody>
+                  <a:tcPr/>
+                </a:tc>
+                <a:tc>
+                  <a:txBody>
+                    <a:bodyPr/>
+                    <a:lstStyle/>
+                    <a:p>
+                      <a:endParaRPr lang="en-US"/>
+                    </a:p>
+                  </a:txBody>
+                  <a:tcPr/>
+                </a:tc>
+                <a:tc>
+                  <a:txBody>
+                    <a:bodyPr/>
+                    <a:lstStyle/>
+                    <a:p>
+                      <a:endParaRPr lang="en-US" dirty="0"/>
+                    </a:p>
+                  </a:txBody>
+                  <a:tcPr/>
+                </a:tc>
+                <a:tc>
+                  <a:txBody>
+                    <a:bodyPr/>
+                    <a:lstStyle/>
+                    <a:p>
+                      <a:endParaRPr lang="en-US" dirty="0"/>
+                    </a:p>
+                  </a:txBody>
+                  <a:tcPr/>
+                </a:tc>
+                <a:tc>
+                  <a:txBody>
+                    <a:bodyPr/>
+                    <a:lstStyle/>
+                    <a:p>
+                      <a:endParaRPr lang="en-US"/>
+                    </a:p>
+                  </a:txBody>
+                  <a:tcPr/>
+                </a:tc>
+                <a:tc>
+                  <a:txBody>
+                    <a:bodyPr/>
+                    <a:lstStyle/>
+                    <a:p>
+                      <a:endParaRPr lang="en-US"/>
+                    </a:p>
+                  </a:txBody>
+                  <a:tcPr/>
+                </a:tc>
+                <a:tc>
+                  <a:txBody>
+                    <a:bodyPr/>
+                    <a:lstStyle/>
+                    <a:p>
+                      <a:endParaRPr lang="en-US"/>
+                    </a:p>
+                  </a:txBody>
+                  <a:tcPr/>
+                </a:tc>
+                <a:tc>
+                  <a:txBody>
+                    <a:bodyPr/>
+                    <a:lstStyle/>
+                    <a:p>
+                      <a:endParaRPr lang="en-US"/>
+                    </a:p>
+                  </a:txBody>
+                  <a:tcPr/>
+                </a:tc>
+                <a:extLst>
+                  <a:ext uri="{0D108BD9-81ED-4DB2-BD59-A6C34878D82A}">
+                    <a16:rowId xmlns:a16="http://schemas.microsoft.com/office/drawing/2014/main" val="852449970"/>
+                  </a:ext>
+                </a:extLst>
+              </a:tr>
+              <a:tr h="0">
+                <a:tc>
+                  <a:txBody>
+                    <a:bodyPr/>
+                    <a:lstStyle/>
+                    <a:p>
+                      <a:endParaRPr lang="en-US"/>
+                    </a:p>
+                  </a:txBody>
+                  <a:tcPr/>
+                </a:tc>
+                <a:tc>
+                  <a:txBody>
+                    <a:bodyPr/>
+                    <a:lstStyle/>
+                    <a:p>
+                      <a:endParaRPr lang="en-US"/>
+                    </a:p>
+                  </a:txBody>
+                  <a:tcPr/>
+                </a:tc>
+                <a:tc>
+                  <a:txBody>
+                    <a:bodyPr/>
+                    <a:lstStyle/>
+                    <a:p>
+                      <a:endParaRPr lang="en-US"/>
+                    </a:p>
+                  </a:txBody>
+                  <a:tcPr/>
+                </a:tc>
+                <a:tc>
+                  <a:txBody>
+                    <a:bodyPr/>
+                    <a:lstStyle/>
+                    <a:p>
+                      <a:endParaRPr lang="en-US"/>
+                    </a:p>
+                  </a:txBody>
+                  <a:tcPr/>
+                </a:tc>
+                <a:tc>
+                  <a:txBody>
+                    <a:bodyPr/>
+                    <a:lstStyle/>
+                    <a:p>
+                      <a:endParaRPr lang="en-US"/>
+                    </a:p>
+                  </a:txBody>
+                  <a:tcPr/>
+                </a:tc>
+                <a:tc>
+                  <a:txBody>
+                    <a:bodyPr/>
+                    <a:lstStyle/>
+                    <a:p>
+                      <a:endParaRPr lang="en-US"/>
+                    </a:p>
+                  </a:txBody>
+                  <a:tcPr/>
+                </a:tc>
+                <a:tc>
+                  <a:txBody>
+                    <a:bodyPr/>
+                    <a:lstStyle/>
+                    <a:p>
+                      <a:endParaRPr lang="en-US" dirty="0"/>
+                    </a:p>
+                  </a:txBody>
+                  <a:tcPr/>
+                </a:tc>
+                <a:tc>
+                  <a:txBody>
+                    <a:bodyPr/>
+                    <a:lstStyle/>
+                    <a:p>
+                      <a:endParaRPr lang="en-US"/>
+                    </a:p>
+                  </a:txBody>
+                  <a:tcPr/>
+                </a:tc>
+                <a:tc>
+                  <a:txBody>
+                    <a:bodyPr/>
+                    <a:lstStyle/>
+                    <a:p>
+                      <a:endParaRPr lang="en-US"/>
+                    </a:p>
+                  </a:txBody>
+                  <a:tcPr/>
+                </a:tc>
+                <a:tc>
+                  <a:txBody>
+                    <a:bodyPr/>
+                    <a:lstStyle/>
+                    <a:p>
+                      <a:endParaRPr lang="en-US"/>
+                    </a:p>
+                  </a:txBody>
+                  <a:tcPr/>
+                </a:tc>
+                <a:extLst>
+                  <a:ext uri="{0D108BD9-81ED-4DB2-BD59-A6C34878D82A}">
+                    <a16:rowId xmlns:a16="http://schemas.microsoft.com/office/drawing/2014/main" val="1936347943"/>
+                  </a:ext>
+                </a:extLst>
+              </a:tr>
+              <a:tr h="0">
+                <a:tc>
+                  <a:txBody>
+                    <a:bodyPr/>
+                    <a:lstStyle/>
+                    <a:p>
+                      <a:endParaRPr lang="en-US"/>
+                    </a:p>
+                  </a:txBody>
+                  <a:tcPr/>
+                </a:tc>
+                <a:tc>
+                  <a:txBody>
+                    <a:bodyPr/>
+                    <a:lstStyle/>
+                    <a:p>
+                      <a:endParaRPr lang="en-US"/>
+                    </a:p>
+                  </a:txBody>
+                  <a:tcPr/>
+                </a:tc>
+                <a:tc>
+                  <a:txBody>
+                    <a:bodyPr/>
+                    <a:lstStyle/>
+                    <a:p>
+                      <a:endParaRPr lang="en-US"/>
+                    </a:p>
+                  </a:txBody>
+                  <a:tcPr/>
+                </a:tc>
+                <a:tc>
+                  <a:txBody>
+                    <a:bodyPr/>
+                    <a:lstStyle/>
+                    <a:p>
+                      <a:endParaRPr lang="en-US"/>
+                    </a:p>
+                  </a:txBody>
+                  <a:tcPr/>
+                </a:tc>
+                <a:tc>
+                  <a:txBody>
+                    <a:bodyPr/>
+                    <a:lstStyle/>
+                    <a:p>
+                      <a:endParaRPr lang="en-US"/>
+                    </a:p>
+                  </a:txBody>
+                  <a:tcPr/>
+                </a:tc>
+                <a:tc>
+                  <a:txBody>
+                    <a:bodyPr/>
+                    <a:lstStyle/>
+                    <a:p>
+                      <a:endParaRPr lang="en-US"/>
+                    </a:p>
+                  </a:txBody>
+                  <a:tcPr/>
+                </a:tc>
+                <a:tc>
+                  <a:txBody>
+                    <a:bodyPr/>
+                    <a:lstStyle/>
+                    <a:p>
+                      <a:endParaRPr lang="en-US"/>
+                    </a:p>
+                  </a:txBody>
+                  <a:tcPr/>
+                </a:tc>
+                <a:tc>
+                  <a:txBody>
+                    <a:bodyPr/>
+                    <a:lstStyle/>
+                    <a:p>
+                      <a:endParaRPr lang="en-US" dirty="0"/>
+                    </a:p>
+                  </a:txBody>
+                  <a:tcPr/>
+                </a:tc>
+                <a:tc>
+                  <a:txBody>
+                    <a:bodyPr/>
+                    <a:lstStyle/>
+                    <a:p>
+                      <a:endParaRPr lang="en-US" dirty="0"/>
+                    </a:p>
+                  </a:txBody>
+                  <a:tcPr/>
+                </a:tc>
+                <a:tc>
+                  <a:txBody>
+                    <a:bodyPr/>
+                    <a:lstStyle/>
+                    <a:p>
+                      <a:endParaRPr lang="en-US"/>
+                    </a:p>
+                  </a:txBody>
+                  <a:tcPr/>
+                </a:tc>
+                <a:extLst>
+                  <a:ext uri="{0D108BD9-81ED-4DB2-BD59-A6C34878D82A}">
+                    <a16:rowId xmlns:a16="http://schemas.microsoft.com/office/drawing/2014/main" val="3853834310"/>
+                  </a:ext>
+                </a:extLst>
+              </a:tr>
+              <a:tr h="0">
+                <a:tc>
+                  <a:txBody>
+                    <a:bodyPr/>
+                    <a:lstStyle/>
+                    <a:p>
+                      <a:endParaRPr lang="en-US"/>
+                    </a:p>
+                  </a:txBody>
+                  <a:tcPr/>
+                </a:tc>
+                <a:tc>
+                  <a:txBody>
+                    <a:bodyPr/>
+                    <a:lstStyle/>
+                    <a:p>
+                      <a:endParaRPr lang="en-US"/>
+                    </a:p>
+                  </a:txBody>
+                  <a:tcPr/>
+                </a:tc>
+                <a:tc>
+                  <a:txBody>
+                    <a:bodyPr/>
+                    <a:lstStyle/>
+                    <a:p>
+                      <a:endParaRPr lang="en-US"/>
+                    </a:p>
+                  </a:txBody>
+                  <a:tcPr/>
+                </a:tc>
+                <a:tc>
+                  <a:txBody>
+                    <a:bodyPr/>
+                    <a:lstStyle/>
+                    <a:p>
+                      <a:endParaRPr lang="en-US"/>
+                    </a:p>
+                  </a:txBody>
+                  <a:tcPr/>
+                </a:tc>
+                <a:tc>
+                  <a:txBody>
+                    <a:bodyPr/>
+                    <a:lstStyle/>
+                    <a:p>
+                      <a:endParaRPr lang="en-US"/>
+                    </a:p>
+                  </a:txBody>
+                  <a:tcPr/>
+                </a:tc>
+                <a:tc>
+                  <a:txBody>
+                    <a:bodyPr/>
+                    <a:lstStyle/>
+                    <a:p>
+                      <a:endParaRPr lang="en-US"/>
+                    </a:p>
+                  </a:txBody>
+                  <a:tcPr/>
+                </a:tc>
+                <a:tc>
+                  <a:txBody>
+                    <a:bodyPr/>
+                    <a:lstStyle/>
+                    <a:p>
+                      <a:endParaRPr lang="en-US"/>
+                    </a:p>
+                  </a:txBody>
+                  <a:tcPr/>
+                </a:tc>
+                <a:tc>
+                  <a:txBody>
+                    <a:bodyPr/>
+                    <a:lstStyle/>
+                    <a:p>
+                      <a:endParaRPr lang="en-US"/>
+                    </a:p>
+                  </a:txBody>
+                  <a:tcPr/>
+                </a:tc>
+                <a:tc>
+                  <a:txBody>
+                    <a:bodyPr/>
+                    <a:lstStyle/>
+                    <a:p>
+                      <a:endParaRPr lang="en-US" dirty="0"/>
+                    </a:p>
+                  </a:txBody>
+                  <a:tcPr/>
+                </a:tc>
+                <a:tc>
+                  <a:txBody>
+                    <a:bodyPr/>
+                    <a:lstStyle/>
+                    <a:p>
+                      <a:endParaRPr lang="en-US" dirty="0"/>
+                    </a:p>
+                  </a:txBody>
+                  <a:tcPr/>
+                </a:tc>
+                <a:extLst>
+                  <a:ext uri="{0D108BD9-81ED-4DB2-BD59-A6C34878D82A}">
+                    <a16:rowId xmlns:a16="http://schemas.microsoft.com/office/drawing/2014/main" val="3087456336"/>
+                  </a:ext>
+                </a:extLst>
+              </a:tr>
+              <a:tr h="0">
+                <a:tc>
+                  <a:txBody>
+                    <a:bodyPr/>
+                    <a:lstStyle/>
+                    <a:p>
+                      <a:endParaRPr lang="en-US"/>
+                    </a:p>
+                  </a:txBody>
+                  <a:tcPr/>
+                </a:tc>
+                <a:tc>
+                  <a:txBody>
+                    <a:bodyPr/>
+                    <a:lstStyle/>
+                    <a:p>
+                      <a:endParaRPr lang="en-US"/>
+                    </a:p>
+                  </a:txBody>
+                  <a:tcPr/>
+                </a:tc>
+                <a:tc>
+                  <a:txBody>
+                    <a:bodyPr/>
+                    <a:lstStyle/>
+                    <a:p>
+                      <a:endParaRPr lang="en-US"/>
+                    </a:p>
+                  </a:txBody>
+                  <a:tcPr/>
+                </a:tc>
+                <a:tc>
+                  <a:txBody>
+                    <a:bodyPr/>
+                    <a:lstStyle/>
+                    <a:p>
+                      <a:endParaRPr lang="en-US"/>
+                    </a:p>
+                  </a:txBody>
+                  <a:tcPr/>
+                </a:tc>
+                <a:tc>
+                  <a:txBody>
+                    <a:bodyPr/>
+                    <a:lstStyle/>
+                    <a:p>
+                      <a:endParaRPr lang="en-US"/>
+                    </a:p>
+                  </a:txBody>
+                  <a:tcPr/>
+                </a:tc>
+                <a:tc>
+                  <a:txBody>
+                    <a:bodyPr/>
+                    <a:lstStyle/>
+                    <a:p>
+                      <a:endParaRPr lang="en-US"/>
+                    </a:p>
+                  </a:txBody>
+                  <a:tcPr/>
+                </a:tc>
+                <a:tc>
+                  <a:txBody>
+                    <a:bodyPr/>
+                    <a:lstStyle/>
+                    <a:p>
+                      <a:endParaRPr lang="en-US"/>
+                    </a:p>
+                  </a:txBody>
+                  <a:tcPr/>
+                </a:tc>
+                <a:tc>
+                  <a:txBody>
+                    <a:bodyPr/>
+                    <a:lstStyle/>
+                    <a:p>
+                      <a:endParaRPr lang="en-US"/>
+                    </a:p>
+                  </a:txBody>
+                  <a:tcPr/>
+                </a:tc>
+                <a:tc>
+                  <a:txBody>
+                    <a:bodyPr/>
+                    <a:lstStyle/>
+                    <a:p>
+                      <a:endParaRPr lang="en-US"/>
+                    </a:p>
+                  </a:txBody>
+                  <a:tcPr/>
+                </a:tc>
+                <a:tc>
+                  <a:txBody>
+                    <a:bodyPr/>
+                    <a:lstStyle/>
+                    <a:p>
+                      <a:endParaRPr lang="en-US" dirty="0"/>
+                    </a:p>
+                  </a:txBody>
+                  <a:tcPr/>
+                </a:tc>
+                <a:extLst>
+                  <a:ext uri="{0D108BD9-81ED-4DB2-BD59-A6C34878D82A}">
+                    <a16:rowId xmlns:a16="http://schemas.microsoft.com/office/drawing/2014/main" val="556609022"/>
+                  </a:ext>
+                </a:extLst>
+              </a:tr>
+            </a:tbl>
+          </a:graphicData>
+        </a:graphic>
+      </p:graphicFrame>
+      <p:sp>
+        <p:nvSpPr>
+          <p:cNvPr id="6" name="TextBox 5"/>
+          <p:cNvSpPr txBox="1"/>
+          <p:nvPr/>
+        </p:nvSpPr>
+        <p:spPr>
+          <a:xfrm>
+            <a:off x="6481184" y="3360234"/>
+            <a:ext cx="312906" cy="369332"/>
+          </a:xfrm>
+          <a:prstGeom prst="rect">
+            <a:avLst/>
+          </a:prstGeom>
+          <a:noFill/>
+        </p:spPr>
+        <p:txBody>
+          <a:bodyPr wrap="none" rtlCol="0">
+            <a:spAutoFit/>
+          </a:bodyPr>
+          <a:lstStyle/>
+          <a:p>
+            <a:r>
+              <a:rPr lang="en-US" dirty="0" smtClean="0"/>
+              <a:t>0</a:t>
+            </a:r>
+            <a:endParaRPr lang="en-US" dirty="0"/>
+          </a:p>
+        </p:txBody>
+      </p:sp>
+      <p:sp>
+        <p:nvSpPr>
+          <p:cNvPr id="7" name="TextBox 6"/>
+          <p:cNvSpPr txBox="1"/>
+          <p:nvPr/>
+        </p:nvSpPr>
+        <p:spPr>
+          <a:xfrm>
+            <a:off x="6168278" y="3729566"/>
+            <a:ext cx="312906" cy="369332"/>
+          </a:xfrm>
+          <a:prstGeom prst="rect">
+            <a:avLst/>
+          </a:prstGeom>
+          <a:noFill/>
+        </p:spPr>
+        <p:txBody>
+          <a:bodyPr wrap="none" rtlCol="0">
+            <a:spAutoFit/>
+          </a:bodyPr>
+          <a:lstStyle/>
+          <a:p>
+            <a:r>
+              <a:rPr lang="en-US" dirty="0" smtClean="0"/>
+              <a:t>0</a:t>
+            </a:r>
+            <a:endParaRPr lang="en-US" dirty="0"/>
+          </a:p>
+        </p:txBody>
+      </p:sp>
+      <p:sp>
+        <p:nvSpPr>
+          <p:cNvPr id="8" name="TextBox 7"/>
+          <p:cNvSpPr txBox="1"/>
+          <p:nvPr/>
+        </p:nvSpPr>
+        <p:spPr>
+          <a:xfrm>
+            <a:off x="6168278" y="6276762"/>
+            <a:ext cx="312906" cy="369332"/>
+          </a:xfrm>
+          <a:prstGeom prst="rect">
+            <a:avLst/>
+          </a:prstGeom>
+          <a:noFill/>
+        </p:spPr>
+        <p:txBody>
+          <a:bodyPr wrap="none" rtlCol="0">
+            <a:spAutoFit/>
+          </a:bodyPr>
+          <a:lstStyle/>
+          <a:p>
+            <a:r>
+              <a:rPr lang="en-US" dirty="0" smtClean="0"/>
+              <a:t>8</a:t>
+            </a:r>
+            <a:endParaRPr lang="en-US" dirty="0"/>
+          </a:p>
+        </p:txBody>
+      </p:sp>
+      <p:sp>
+        <p:nvSpPr>
+          <p:cNvPr id="10" name="TextBox 9"/>
+          <p:cNvSpPr txBox="1"/>
+          <p:nvPr/>
+        </p:nvSpPr>
+        <p:spPr>
+          <a:xfrm>
+            <a:off x="11655951" y="3414095"/>
+            <a:ext cx="420308" cy="261610"/>
+          </a:xfrm>
+          <a:prstGeom prst="rect">
+            <a:avLst/>
+          </a:prstGeom>
+          <a:noFill/>
+        </p:spPr>
+        <p:txBody>
+          <a:bodyPr wrap="none" rtlCol="0">
+            <a:spAutoFit/>
+          </a:bodyPr>
+          <a:lstStyle/>
+          <a:p>
+            <a:r>
+              <a:rPr lang="en-US" sz="1100" dirty="0" smtClean="0"/>
+              <a:t>639</a:t>
+            </a:r>
+            <a:endParaRPr lang="en-US" sz="1100" dirty="0"/>
+          </a:p>
+        </p:txBody>
+      </p:sp>
+      <p:sp>
+        <p:nvSpPr>
+          <p:cNvPr id="11" name="Rectangle 10"/>
+          <p:cNvSpPr/>
+          <p:nvPr/>
+        </p:nvSpPr>
+        <p:spPr>
+          <a:xfrm>
+            <a:off x="6513560" y="3729566"/>
+            <a:ext cx="1174750" cy="2926080"/>
+          </a:xfrm>
+          <a:prstGeom prst="rect">
+            <a:avLst/>
+          </a:prstGeom>
+          <a:noFill/>
+          <a:ln w="57150">
+            <a:solidFill>
+              <a:schemeClr val="accent1"/>
+            </a:solidFill>
+          </a:ln>
+        </p:spPr>
+        <p:style>
+          <a:lnRef idx="2">
+            <a:schemeClr val="dk1"/>
+          </a:lnRef>
+          <a:fillRef idx="1">
+            <a:schemeClr val="lt1"/>
+          </a:fillRef>
+          <a:effectRef idx="0">
+            <a:schemeClr val="dk1"/>
+          </a:effectRef>
+          <a:fontRef idx="minor">
+            <a:schemeClr val="dk1"/>
+          </a:fontRef>
+        </p:style>
+        <p:txBody>
+          <a:bodyPr rtlCol="0" anchor="ctr"/>
+          <a:lstStyle/>
+          <a:p>
+            <a:pPr algn="ctr"/>
+            <a:endParaRPr lang="en-US"/>
+          </a:p>
+        </p:txBody>
+      </p:sp>
+      <p:cxnSp>
+        <p:nvCxnSpPr>
+          <p:cNvPr id="13" name="Straight Arrow Connector 12"/>
+          <p:cNvCxnSpPr/>
+          <p:nvPr/>
+        </p:nvCxnSpPr>
+        <p:spPr>
+          <a:xfrm flipH="1" flipV="1">
+            <a:off x="5361445" y="3433021"/>
+            <a:ext cx="1119743" cy="1367584"/>
+          </a:xfrm>
+          <a:prstGeom prst="straightConnector1">
+            <a:avLst/>
+          </a:prstGeom>
+          <a:ln>
+            <a:tailEnd type="triangle"/>
+          </a:ln>
+        </p:spPr>
+        <p:style>
+          <a:lnRef idx="1">
+            <a:schemeClr val="accent1"/>
+          </a:lnRef>
+          <a:fillRef idx="0">
+            <a:schemeClr val="accent1"/>
+          </a:fillRef>
+          <a:effectRef idx="0">
+            <a:schemeClr val="accent1"/>
+          </a:effectRef>
+          <a:fontRef idx="minor">
+            <a:schemeClr val="tx1"/>
+          </a:fontRef>
+        </p:style>
+      </p:cxnSp>
+      <p:sp>
+        <p:nvSpPr>
+          <p:cNvPr id="17" name="TextBox 16"/>
+          <p:cNvSpPr txBox="1"/>
+          <p:nvPr/>
+        </p:nvSpPr>
+        <p:spPr>
+          <a:xfrm>
+            <a:off x="7402812" y="3360234"/>
+            <a:ext cx="312906" cy="369332"/>
+          </a:xfrm>
+          <a:prstGeom prst="rect">
+            <a:avLst/>
+          </a:prstGeom>
+          <a:noFill/>
+        </p:spPr>
+        <p:txBody>
+          <a:bodyPr wrap="none" rtlCol="0">
+            <a:spAutoFit/>
+          </a:bodyPr>
+          <a:lstStyle/>
+          <a:p>
+            <a:r>
+              <a:rPr lang="en-US" dirty="0" smtClean="0"/>
+              <a:t>4</a:t>
+            </a:r>
+            <a:endParaRPr lang="en-US" dirty="0"/>
+          </a:p>
+        </p:txBody>
+      </p:sp>
+      <p:sp>
+        <p:nvSpPr>
+          <p:cNvPr id="18" name="TextBox 17"/>
+          <p:cNvSpPr txBox="1"/>
+          <p:nvPr/>
+        </p:nvSpPr>
+        <p:spPr>
+          <a:xfrm>
+            <a:off x="8973777" y="6291578"/>
+            <a:ext cx="543739" cy="369332"/>
+          </a:xfrm>
+          <a:prstGeom prst="rect">
+            <a:avLst/>
+          </a:prstGeom>
+          <a:noFill/>
+        </p:spPr>
+        <p:txBody>
+          <a:bodyPr wrap="none" rtlCol="0">
+            <a:spAutoFit/>
+          </a:bodyPr>
+          <a:lstStyle/>
+          <a:p>
+            <a:r>
+              <a:rPr lang="en-US" dirty="0" smtClean="0"/>
+              <a:t>…..</a:t>
+            </a:r>
+            <a:endParaRPr lang="en-US" dirty="0"/>
+          </a:p>
+        </p:txBody>
+      </p:sp>
+      <p:sp>
+        <p:nvSpPr>
+          <p:cNvPr id="19" name="TextBox 18"/>
+          <p:cNvSpPr txBox="1"/>
+          <p:nvPr/>
+        </p:nvSpPr>
+        <p:spPr>
+          <a:xfrm>
+            <a:off x="8973777" y="5922246"/>
+            <a:ext cx="543739" cy="369332"/>
+          </a:xfrm>
+          <a:prstGeom prst="rect">
+            <a:avLst/>
+          </a:prstGeom>
+          <a:noFill/>
+        </p:spPr>
+        <p:txBody>
+          <a:bodyPr wrap="none" rtlCol="0">
+            <a:spAutoFit/>
+          </a:bodyPr>
+          <a:lstStyle/>
+          <a:p>
+            <a:r>
+              <a:rPr lang="en-US" dirty="0" smtClean="0"/>
+              <a:t>…..</a:t>
+            </a:r>
+            <a:endParaRPr lang="en-US" dirty="0"/>
+          </a:p>
+        </p:txBody>
+      </p:sp>
+      <p:sp>
+        <p:nvSpPr>
+          <p:cNvPr id="20" name="TextBox 19"/>
+          <p:cNvSpPr txBox="1"/>
+          <p:nvPr/>
+        </p:nvSpPr>
+        <p:spPr>
+          <a:xfrm>
+            <a:off x="8973776" y="5552914"/>
+            <a:ext cx="543739" cy="369332"/>
+          </a:xfrm>
+          <a:prstGeom prst="rect">
+            <a:avLst/>
+          </a:prstGeom>
+          <a:noFill/>
+        </p:spPr>
+        <p:txBody>
+          <a:bodyPr wrap="none" rtlCol="0">
+            <a:spAutoFit/>
+          </a:bodyPr>
+          <a:lstStyle/>
+          <a:p>
+            <a:r>
+              <a:rPr lang="en-US" dirty="0" smtClean="0"/>
+              <a:t>…..</a:t>
+            </a:r>
+            <a:endParaRPr lang="en-US" dirty="0"/>
+          </a:p>
+        </p:txBody>
+      </p:sp>
+      <p:sp>
+        <p:nvSpPr>
+          <p:cNvPr id="21" name="TextBox 20"/>
+          <p:cNvSpPr txBox="1"/>
+          <p:nvPr/>
+        </p:nvSpPr>
+        <p:spPr>
+          <a:xfrm>
+            <a:off x="8973775" y="5201970"/>
+            <a:ext cx="543739" cy="369332"/>
+          </a:xfrm>
+          <a:prstGeom prst="rect">
+            <a:avLst/>
+          </a:prstGeom>
+          <a:noFill/>
+        </p:spPr>
+        <p:txBody>
+          <a:bodyPr wrap="none" rtlCol="0">
+            <a:spAutoFit/>
+          </a:bodyPr>
+          <a:lstStyle/>
+          <a:p>
+            <a:r>
+              <a:rPr lang="en-US" dirty="0" smtClean="0"/>
+              <a:t>…..</a:t>
+            </a:r>
+            <a:endParaRPr lang="en-US" dirty="0"/>
+          </a:p>
+        </p:txBody>
+      </p:sp>
+      <p:sp>
+        <p:nvSpPr>
+          <p:cNvPr id="22" name="TextBox 21"/>
+          <p:cNvSpPr txBox="1"/>
+          <p:nvPr/>
+        </p:nvSpPr>
+        <p:spPr>
+          <a:xfrm>
+            <a:off x="8973777" y="4819174"/>
+            <a:ext cx="543739" cy="369332"/>
+          </a:xfrm>
+          <a:prstGeom prst="rect">
+            <a:avLst/>
+          </a:prstGeom>
+          <a:noFill/>
+        </p:spPr>
+        <p:txBody>
+          <a:bodyPr wrap="none" rtlCol="0">
+            <a:spAutoFit/>
+          </a:bodyPr>
+          <a:lstStyle/>
+          <a:p>
+            <a:r>
+              <a:rPr lang="en-US" dirty="0" smtClean="0"/>
+              <a:t>…..</a:t>
+            </a:r>
+            <a:endParaRPr lang="en-US" dirty="0"/>
+          </a:p>
+        </p:txBody>
+      </p:sp>
+      <p:sp>
+        <p:nvSpPr>
+          <p:cNvPr id="23" name="TextBox 22"/>
+          <p:cNvSpPr txBox="1"/>
+          <p:nvPr/>
+        </p:nvSpPr>
+        <p:spPr>
+          <a:xfrm>
+            <a:off x="8973777" y="4449842"/>
+            <a:ext cx="543739" cy="369332"/>
+          </a:xfrm>
+          <a:prstGeom prst="rect">
+            <a:avLst/>
+          </a:prstGeom>
+          <a:noFill/>
+        </p:spPr>
+        <p:txBody>
+          <a:bodyPr wrap="none" rtlCol="0">
+            <a:spAutoFit/>
+          </a:bodyPr>
+          <a:lstStyle/>
+          <a:p>
+            <a:r>
+              <a:rPr lang="en-US" dirty="0" smtClean="0"/>
+              <a:t>…..</a:t>
+            </a:r>
+            <a:endParaRPr lang="en-US" dirty="0"/>
+          </a:p>
+        </p:txBody>
+      </p:sp>
+      <p:sp>
+        <p:nvSpPr>
+          <p:cNvPr id="24" name="TextBox 23"/>
+          <p:cNvSpPr txBox="1"/>
+          <p:nvPr/>
+        </p:nvSpPr>
+        <p:spPr>
+          <a:xfrm>
+            <a:off x="8973776" y="4080510"/>
+            <a:ext cx="543739" cy="369332"/>
+          </a:xfrm>
+          <a:prstGeom prst="rect">
+            <a:avLst/>
+          </a:prstGeom>
+          <a:noFill/>
+        </p:spPr>
+        <p:txBody>
+          <a:bodyPr wrap="none" rtlCol="0">
+            <a:spAutoFit/>
+          </a:bodyPr>
+          <a:lstStyle/>
+          <a:p>
+            <a:r>
+              <a:rPr lang="en-US" dirty="0" smtClean="0"/>
+              <a:t>…..</a:t>
+            </a:r>
+            <a:endParaRPr lang="en-US" dirty="0"/>
+          </a:p>
+        </p:txBody>
+      </p:sp>
+      <p:sp>
+        <p:nvSpPr>
+          <p:cNvPr id="25" name="TextBox 24"/>
+          <p:cNvSpPr txBox="1"/>
+          <p:nvPr/>
+        </p:nvSpPr>
+        <p:spPr>
+          <a:xfrm>
+            <a:off x="8973775" y="3729566"/>
+            <a:ext cx="543739" cy="369332"/>
+          </a:xfrm>
+          <a:prstGeom prst="rect">
+            <a:avLst/>
+          </a:prstGeom>
+          <a:noFill/>
+        </p:spPr>
+        <p:txBody>
+          <a:bodyPr wrap="none" rtlCol="0">
+            <a:spAutoFit/>
+          </a:bodyPr>
+          <a:lstStyle/>
+          <a:p>
+            <a:r>
+              <a:rPr lang="en-US" dirty="0" smtClean="0"/>
+              <a:t>…..</a:t>
+            </a:r>
+            <a:endParaRPr lang="en-US" dirty="0"/>
+          </a:p>
+        </p:txBody>
+      </p:sp>
+      <p:sp>
+        <p:nvSpPr>
+          <p:cNvPr id="26" name="TextBox 25"/>
+          <p:cNvSpPr txBox="1"/>
+          <p:nvPr/>
+        </p:nvSpPr>
+        <p:spPr>
+          <a:xfrm>
+            <a:off x="8281277" y="2948679"/>
+            <a:ext cx="1928733" cy="369332"/>
+          </a:xfrm>
+          <a:prstGeom prst="rect">
+            <a:avLst/>
+          </a:prstGeom>
+          <a:noFill/>
+          <a:ln>
+            <a:solidFill>
+              <a:schemeClr val="accent1"/>
+            </a:solidFill>
+          </a:ln>
+        </p:spPr>
+        <p:txBody>
+          <a:bodyPr wrap="none" rtlCol="0">
+            <a:spAutoFit/>
+          </a:bodyPr>
+          <a:lstStyle/>
+          <a:p>
+            <a:r>
+              <a:rPr lang="en-US" dirty="0" smtClean="0"/>
+              <a:t>8 Lines of frame</a:t>
+            </a:r>
+            <a:endParaRPr lang="en-US" dirty="0"/>
+          </a:p>
+        </p:txBody>
+      </p:sp>
+      <p:sp>
+        <p:nvSpPr>
+          <p:cNvPr id="28" name="TextBox 27"/>
+          <p:cNvSpPr txBox="1"/>
+          <p:nvPr/>
+        </p:nvSpPr>
+        <p:spPr>
+          <a:xfrm>
+            <a:off x="259918" y="2287660"/>
+            <a:ext cx="5995552" cy="1138773"/>
+          </a:xfrm>
+          <a:prstGeom prst="rect">
+            <a:avLst/>
+          </a:prstGeom>
+          <a:noFill/>
+          <a:ln>
+            <a:solidFill>
+              <a:schemeClr val="accent1"/>
+            </a:solidFill>
+          </a:ln>
+        </p:spPr>
+        <p:txBody>
+          <a:bodyPr wrap="none" rtlCol="0">
+            <a:spAutoFit/>
+          </a:bodyPr>
+          <a:lstStyle/>
+          <a:p>
+            <a:r>
+              <a:rPr lang="en-US" sz="1400" dirty="0"/>
+              <a:t>Chars[] = {‘.’, ‘,’, ‘-’, ‘=’ , ‘+’ , ‘:’ , ‘!’ , ‘1’ , ‘3’ , ‘5’ , ‘7’ , ‘9’ , ‘#’ , ‘@’} </a:t>
+            </a:r>
+          </a:p>
+          <a:p>
+            <a:endParaRPr lang="en-US" dirty="0" smtClean="0"/>
+          </a:p>
+          <a:p>
+            <a:r>
+              <a:rPr lang="en-US" dirty="0" smtClean="0"/>
+              <a:t>D = (</a:t>
+            </a:r>
+            <a:r>
+              <a:rPr lang="en-US" dirty="0" err="1" smtClean="0"/>
+              <a:t>red_avg</a:t>
+            </a:r>
+            <a:r>
+              <a:rPr lang="en-US" dirty="0" smtClean="0"/>
+              <a:t> + </a:t>
+            </a:r>
+            <a:r>
+              <a:rPr lang="en-US" dirty="0" err="1" smtClean="0"/>
+              <a:t>green_avg</a:t>
+            </a:r>
+            <a:r>
+              <a:rPr lang="en-US" dirty="0" smtClean="0"/>
+              <a:t> + </a:t>
+            </a:r>
+            <a:r>
+              <a:rPr lang="en-US" dirty="0" err="1" smtClean="0"/>
+              <a:t>blue_avg</a:t>
+            </a:r>
+            <a:r>
+              <a:rPr lang="en-US" dirty="0" smtClean="0"/>
+              <a:t>)/3;</a:t>
+            </a:r>
+            <a:br>
+              <a:rPr lang="en-US" dirty="0" smtClean="0"/>
+            </a:br>
+            <a:r>
+              <a:rPr lang="en-US" dirty="0" smtClean="0"/>
+              <a:t>D = map D from 0 : 48 to 0 : 13;</a:t>
+            </a:r>
+          </a:p>
+        </p:txBody>
+      </p:sp>
+      <p:sp>
+        <p:nvSpPr>
+          <p:cNvPr id="32" name="TextBox 31"/>
+          <p:cNvSpPr txBox="1"/>
+          <p:nvPr/>
+        </p:nvSpPr>
+        <p:spPr>
+          <a:xfrm>
+            <a:off x="259918" y="3848795"/>
+            <a:ext cx="4257897" cy="369332"/>
+          </a:xfrm>
+          <a:prstGeom prst="rect">
+            <a:avLst/>
+          </a:prstGeom>
+          <a:noFill/>
+          <a:ln>
+            <a:solidFill>
+              <a:schemeClr val="accent1"/>
+            </a:solidFill>
+          </a:ln>
+        </p:spPr>
+        <p:txBody>
+          <a:bodyPr wrap="none" rtlCol="0">
+            <a:spAutoFit/>
+          </a:bodyPr>
+          <a:lstStyle/>
+          <a:p>
+            <a:r>
+              <a:rPr lang="en-US" dirty="0" smtClean="0"/>
+              <a:t>Fill box with character from chars list.</a:t>
+            </a:r>
+            <a:endParaRPr lang="en-US" dirty="0"/>
+          </a:p>
+        </p:txBody>
+      </p:sp>
+      <p:cxnSp>
+        <p:nvCxnSpPr>
+          <p:cNvPr id="35" name="Straight Arrow Connector 34"/>
+          <p:cNvCxnSpPr>
+            <a:endCxn id="32" idx="0"/>
+          </p:cNvCxnSpPr>
+          <p:nvPr/>
+        </p:nvCxnSpPr>
+        <p:spPr>
+          <a:xfrm flipH="1">
+            <a:off x="2388867" y="3433021"/>
+            <a:ext cx="535308" cy="415774"/>
+          </a:xfrm>
+          <a:prstGeom prst="straightConnector1">
+            <a:avLst/>
+          </a:prstGeom>
+          <a:ln>
+            <a:solidFill>
+              <a:schemeClr val="accent1"/>
+            </a:solidFill>
+            <a:tailEnd type="triangle"/>
+          </a:ln>
+        </p:spPr>
+        <p:style>
+          <a:lnRef idx="1">
+            <a:schemeClr val="accent1"/>
+          </a:lnRef>
+          <a:fillRef idx="0">
+            <a:schemeClr val="accent1"/>
+          </a:fillRef>
+          <a:effectRef idx="0">
+            <a:schemeClr val="accent1"/>
+          </a:effectRef>
+          <a:fontRef idx="minor">
+            <a:schemeClr val="tx1"/>
+          </a:fontRef>
+        </p:style>
+      </p:cxnSp>
+      <p:graphicFrame>
+        <p:nvGraphicFramePr>
+          <p:cNvPr id="37" name="Table 36"/>
+          <p:cNvGraphicFramePr>
+            <a:graphicFrameLocks noGrp="1"/>
+          </p:cNvGraphicFramePr>
+          <p:nvPr>
+            <p:extLst>
+              <p:ext uri="{D42A27DB-BD31-4B8C-83A1-F6EECF244321}">
+                <p14:modId xmlns:p14="http://schemas.microsoft.com/office/powerpoint/2010/main" val="2348775848"/>
+              </p:ext>
+            </p:extLst>
+          </p:nvPr>
+        </p:nvGraphicFramePr>
+        <p:xfrm>
+          <a:off x="4606178" y="3914232"/>
+          <a:ext cx="1041400" cy="2926080"/>
+        </p:xfrm>
+        <a:graphic>
+          <a:graphicData uri="http://schemas.openxmlformats.org/drawingml/2006/table">
+            <a:tbl>
+              <a:tblPr firstRow="1" bandRow="1">
+                <a:tableStyleId>{2D5ABB26-0587-4C30-8999-92F81FD0307C}</a:tableStyleId>
+              </a:tblPr>
+              <a:tblGrid>
+                <a:gridCol w="208280">
+                  <a:extLst>
+                    <a:ext uri="{9D8B030D-6E8A-4147-A177-3AD203B41FA5}">
+                      <a16:colId xmlns:a16="http://schemas.microsoft.com/office/drawing/2014/main" val="1445524886"/>
+                    </a:ext>
+                  </a:extLst>
+                </a:gridCol>
+                <a:gridCol w="208280">
+                  <a:extLst>
+                    <a:ext uri="{9D8B030D-6E8A-4147-A177-3AD203B41FA5}">
+                      <a16:colId xmlns:a16="http://schemas.microsoft.com/office/drawing/2014/main" val="2090858169"/>
+                    </a:ext>
+                  </a:extLst>
+                </a:gridCol>
+                <a:gridCol w="208280">
+                  <a:extLst>
+                    <a:ext uri="{9D8B030D-6E8A-4147-A177-3AD203B41FA5}">
+                      <a16:colId xmlns:a16="http://schemas.microsoft.com/office/drawing/2014/main" val="4276063180"/>
+                    </a:ext>
+                  </a:extLst>
+                </a:gridCol>
+                <a:gridCol w="208280">
+                  <a:extLst>
+                    <a:ext uri="{9D8B030D-6E8A-4147-A177-3AD203B41FA5}">
+                      <a16:colId xmlns:a16="http://schemas.microsoft.com/office/drawing/2014/main" val="127630415"/>
+                    </a:ext>
+                  </a:extLst>
+                </a:gridCol>
+                <a:gridCol w="208280">
+                  <a:extLst>
+                    <a:ext uri="{9D8B030D-6E8A-4147-A177-3AD203B41FA5}">
+                      <a16:colId xmlns:a16="http://schemas.microsoft.com/office/drawing/2014/main" val="2410198136"/>
+                    </a:ext>
+                  </a:extLst>
+                </a:gridCol>
+              </a:tblGrid>
+              <a:tr h="0">
+                <a:tc>
+                  <a:txBody>
+                    <a:bodyPr/>
+                    <a:lstStyle/>
+                    <a:p>
+                      <a:endParaRPr lang="en-US" dirty="0"/>
+                    </a:p>
+                  </a:txBody>
+                  <a:tcPr>
+                    <a:lnL w="12700" cap="flat" cmpd="sng" algn="ctr">
+                      <a:solidFill>
+                        <a:schemeClr val="tx1"/>
+                      </a:solidFill>
+                      <a:prstDash val="solid"/>
+                      <a:round/>
+                      <a:headEnd type="none" w="med" len="med"/>
+                      <a:tailEnd type="none" w="med" len="med"/>
+                    </a:lnL>
+                    <a:lnR w="12700" cap="flat" cmpd="sng" algn="ctr">
+                      <a:solidFill>
+                        <a:schemeClr val="tx1"/>
+                      </a:solidFill>
+                      <a:prstDash val="solid"/>
+                      <a:round/>
+                      <a:headEnd type="none" w="med" len="med"/>
+                      <a:tailEnd type="none" w="med" len="med"/>
+                    </a:lnR>
+                    <a:lnT w="12700" cap="flat" cmpd="sng" algn="ctr">
+                      <a:solidFill>
+                        <a:schemeClr val="tx1"/>
+                      </a:solidFill>
+                      <a:prstDash val="solid"/>
+                      <a:round/>
+                      <a:headEnd type="none" w="med" len="med"/>
+                      <a:tailEnd type="none" w="med" len="med"/>
+                    </a:lnT>
+                    <a:lnB w="12700" cap="flat" cmpd="sng" algn="ctr">
+                      <a:solidFill>
+                        <a:schemeClr val="tx1"/>
+                      </a:solidFill>
+                      <a:prstDash val="solid"/>
+                      <a:round/>
+                      <a:headEnd type="none" w="med" len="med"/>
+                      <a:tailEnd type="none" w="med" len="med"/>
+                    </a:lnB>
+                  </a:tcPr>
+                </a:tc>
+                <a:tc>
+                  <a:txBody>
+                    <a:bodyPr/>
+                    <a:lstStyle/>
+                    <a:p>
+                      <a:endParaRPr lang="en-US" dirty="0"/>
+                    </a:p>
+                  </a:txBody>
+                  <a:tcPr>
+                    <a:lnL w="12700" cap="flat" cmpd="sng" algn="ctr">
+                      <a:solidFill>
+                        <a:schemeClr val="tx1"/>
+                      </a:solidFill>
+                      <a:prstDash val="solid"/>
+                      <a:round/>
+                      <a:headEnd type="none" w="med" len="med"/>
+                      <a:tailEnd type="none" w="med" len="med"/>
+                    </a:lnL>
+                    <a:lnR w="12700" cap="flat" cmpd="sng" algn="ctr">
+                      <a:solidFill>
+                        <a:schemeClr val="tx1"/>
+                      </a:solidFill>
+                      <a:prstDash val="solid"/>
+                      <a:round/>
+                      <a:headEnd type="none" w="med" len="med"/>
+                      <a:tailEnd type="none" w="med" len="med"/>
+                    </a:lnR>
+                    <a:lnT w="12700" cap="flat" cmpd="sng" algn="ctr">
+                      <a:solidFill>
+                        <a:schemeClr val="tx1"/>
+                      </a:solidFill>
+                      <a:prstDash val="solid"/>
+                      <a:round/>
+                      <a:headEnd type="none" w="med" len="med"/>
+                      <a:tailEnd type="none" w="med" len="med"/>
+                    </a:lnT>
+                    <a:lnB w="12700" cap="flat" cmpd="sng" algn="ctr">
+                      <a:solidFill>
+                        <a:schemeClr val="tx1"/>
+                      </a:solidFill>
+                      <a:prstDash val="solid"/>
+                      <a:round/>
+                      <a:headEnd type="none" w="med" len="med"/>
+                      <a:tailEnd type="none" w="med" len="med"/>
+                    </a:lnB>
+                    <a:noFill/>
+                  </a:tcPr>
+                </a:tc>
+                <a:tc>
+                  <a:txBody>
+                    <a:bodyPr/>
+                    <a:lstStyle/>
+                    <a:p>
+                      <a:endParaRPr lang="en-US"/>
+                    </a:p>
+                  </a:txBody>
+                  <a:tcPr>
+                    <a:lnL w="12700" cap="flat" cmpd="sng" algn="ctr">
+                      <a:solidFill>
+                        <a:schemeClr val="tx1"/>
+                      </a:solidFill>
+                      <a:prstDash val="solid"/>
+                      <a:round/>
+                      <a:headEnd type="none" w="med" len="med"/>
+                      <a:tailEnd type="none" w="med" len="med"/>
+                    </a:lnL>
+                    <a:lnR w="12700" cap="flat" cmpd="sng" algn="ctr">
+                      <a:solidFill>
+                        <a:schemeClr val="tx1"/>
+                      </a:solidFill>
+                      <a:prstDash val="solid"/>
+                      <a:round/>
+                      <a:headEnd type="none" w="med" len="med"/>
+                      <a:tailEnd type="none" w="med" len="med"/>
+                    </a:lnR>
+                    <a:lnT w="12700" cap="flat" cmpd="sng" algn="ctr">
+                      <a:solidFill>
+                        <a:schemeClr val="tx1"/>
+                      </a:solidFill>
+                      <a:prstDash val="solid"/>
+                      <a:round/>
+                      <a:headEnd type="none" w="med" len="med"/>
+                      <a:tailEnd type="none" w="med" len="med"/>
+                    </a:lnT>
+                    <a:lnB w="12700" cap="flat" cmpd="sng" algn="ctr">
+                      <a:solidFill>
+                        <a:schemeClr val="tx1"/>
+                      </a:solidFill>
+                      <a:prstDash val="solid"/>
+                      <a:round/>
+                      <a:headEnd type="none" w="med" len="med"/>
+                      <a:tailEnd type="none" w="med" len="med"/>
+                    </a:lnB>
+                  </a:tcPr>
+                </a:tc>
+                <a:tc>
+                  <a:txBody>
+                    <a:bodyPr/>
+                    <a:lstStyle/>
+                    <a:p>
+                      <a:endParaRPr lang="en-US"/>
+                    </a:p>
+                  </a:txBody>
+                  <a:tcPr>
+                    <a:lnL w="12700" cap="flat" cmpd="sng" algn="ctr">
+                      <a:solidFill>
+                        <a:schemeClr val="tx1"/>
+                      </a:solidFill>
+                      <a:prstDash val="solid"/>
+                      <a:round/>
+                      <a:headEnd type="none" w="med" len="med"/>
+                      <a:tailEnd type="none" w="med" len="med"/>
+                    </a:lnL>
+                    <a:lnR w="12700" cap="flat" cmpd="sng" algn="ctr">
+                      <a:solidFill>
+                        <a:schemeClr val="tx1"/>
+                      </a:solidFill>
+                      <a:prstDash val="solid"/>
+                      <a:round/>
+                      <a:headEnd type="none" w="med" len="med"/>
+                      <a:tailEnd type="none" w="med" len="med"/>
+                    </a:lnR>
+                    <a:lnT w="12700" cap="flat" cmpd="sng" algn="ctr">
+                      <a:solidFill>
+                        <a:schemeClr val="tx1"/>
+                      </a:solidFill>
+                      <a:prstDash val="solid"/>
+                      <a:round/>
+                      <a:headEnd type="none" w="med" len="med"/>
+                      <a:tailEnd type="none" w="med" len="med"/>
+                    </a:lnT>
+                    <a:lnB w="12700" cap="flat" cmpd="sng" algn="ctr">
+                      <a:solidFill>
+                        <a:schemeClr val="tx1"/>
+                      </a:solidFill>
+                      <a:prstDash val="solid"/>
+                      <a:round/>
+                      <a:headEnd type="none" w="med" len="med"/>
+                      <a:tailEnd type="none" w="med" len="med"/>
+                    </a:lnB>
+                  </a:tcPr>
+                </a:tc>
+                <a:tc>
+                  <a:txBody>
+                    <a:bodyPr/>
+                    <a:lstStyle/>
+                    <a:p>
+                      <a:endParaRPr lang="en-US"/>
+                    </a:p>
+                  </a:txBody>
+                  <a:tcPr>
+                    <a:lnL w="12700" cap="flat" cmpd="sng" algn="ctr">
+                      <a:solidFill>
+                        <a:schemeClr val="tx1"/>
+                      </a:solidFill>
+                      <a:prstDash val="solid"/>
+                      <a:round/>
+                      <a:headEnd type="none" w="med" len="med"/>
+                      <a:tailEnd type="none" w="med" len="med"/>
+                    </a:lnL>
+                    <a:lnR w="12700" cap="flat" cmpd="sng" algn="ctr">
+                      <a:solidFill>
+                        <a:schemeClr val="tx1"/>
+                      </a:solidFill>
+                      <a:prstDash val="solid"/>
+                      <a:round/>
+                      <a:headEnd type="none" w="med" len="med"/>
+                      <a:tailEnd type="none" w="med" len="med"/>
+                    </a:lnR>
+                    <a:lnT w="12700" cap="flat" cmpd="sng" algn="ctr">
+                      <a:solidFill>
+                        <a:schemeClr val="tx1"/>
+                      </a:solidFill>
+                      <a:prstDash val="solid"/>
+                      <a:round/>
+                      <a:headEnd type="none" w="med" len="med"/>
+                      <a:tailEnd type="none" w="med" len="med"/>
+                    </a:lnT>
+                    <a:lnB w="12700" cap="flat" cmpd="sng" algn="ctr">
+                      <a:solidFill>
+                        <a:schemeClr val="tx1"/>
+                      </a:solidFill>
+                      <a:prstDash val="solid"/>
+                      <a:round/>
+                      <a:headEnd type="none" w="med" len="med"/>
+                      <a:tailEnd type="none" w="med" len="med"/>
+                    </a:lnB>
+                  </a:tcPr>
+                </a:tc>
+                <a:extLst>
+                  <a:ext uri="{0D108BD9-81ED-4DB2-BD59-A6C34878D82A}">
+                    <a16:rowId xmlns:a16="http://schemas.microsoft.com/office/drawing/2014/main" val="302816663"/>
+                  </a:ext>
+                </a:extLst>
+              </a:tr>
+              <a:tr h="0">
+                <a:tc>
+                  <a:txBody>
+                    <a:bodyPr/>
+                    <a:lstStyle/>
+                    <a:p>
+                      <a:endParaRPr lang="en-US" dirty="0"/>
+                    </a:p>
+                  </a:txBody>
+                  <a:tcPr>
+                    <a:lnL w="12700" cap="flat" cmpd="sng" algn="ctr">
+                      <a:solidFill>
+                        <a:schemeClr val="tx1"/>
+                      </a:solidFill>
+                      <a:prstDash val="solid"/>
+                      <a:round/>
+                      <a:headEnd type="none" w="med" len="med"/>
+                      <a:tailEnd type="none" w="med" len="med"/>
+                    </a:lnL>
+                    <a:lnR w="12700" cap="flat" cmpd="sng" algn="ctr">
+                      <a:solidFill>
+                        <a:schemeClr val="tx1"/>
+                      </a:solidFill>
+                      <a:prstDash val="solid"/>
+                      <a:round/>
+                      <a:headEnd type="none" w="med" len="med"/>
+                      <a:tailEnd type="none" w="med" len="med"/>
+                    </a:lnR>
+                    <a:lnT w="12700" cap="flat" cmpd="sng" algn="ctr">
+                      <a:solidFill>
+                        <a:schemeClr val="tx1"/>
+                      </a:solidFill>
+                      <a:prstDash val="solid"/>
+                      <a:round/>
+                      <a:headEnd type="none" w="med" len="med"/>
+                      <a:tailEnd type="none" w="med" len="med"/>
+                    </a:lnT>
+                    <a:lnB w="12700" cap="flat" cmpd="sng" algn="ctr">
+                      <a:solidFill>
+                        <a:schemeClr val="tx1"/>
+                      </a:solidFill>
+                      <a:prstDash val="solid"/>
+                      <a:round/>
+                      <a:headEnd type="none" w="med" len="med"/>
+                      <a:tailEnd type="none" w="med" len="med"/>
+                    </a:lnB>
+                  </a:tcPr>
+                </a:tc>
+                <a:tc>
+                  <a:txBody>
+                    <a:bodyPr/>
+                    <a:lstStyle/>
+                    <a:p>
+                      <a:endParaRPr lang="en-US" dirty="0"/>
+                    </a:p>
+                  </a:txBody>
+                  <a:tcPr>
+                    <a:lnL w="12700" cap="flat" cmpd="sng" algn="ctr">
+                      <a:solidFill>
+                        <a:schemeClr val="tx1"/>
+                      </a:solidFill>
+                      <a:prstDash val="solid"/>
+                      <a:round/>
+                      <a:headEnd type="none" w="med" len="med"/>
+                      <a:tailEnd type="none" w="med" len="med"/>
+                    </a:lnL>
+                    <a:lnR w="12700" cap="flat" cmpd="sng" algn="ctr">
+                      <a:solidFill>
+                        <a:schemeClr val="tx1"/>
+                      </a:solidFill>
+                      <a:prstDash val="solid"/>
+                      <a:round/>
+                      <a:headEnd type="none" w="med" len="med"/>
+                      <a:tailEnd type="none" w="med" len="med"/>
+                    </a:lnR>
+                    <a:lnT w="12700" cap="flat" cmpd="sng" algn="ctr">
+                      <a:solidFill>
+                        <a:schemeClr val="tx1"/>
+                      </a:solidFill>
+                      <a:prstDash val="solid"/>
+                      <a:round/>
+                      <a:headEnd type="none" w="med" len="med"/>
+                      <a:tailEnd type="none" w="med" len="med"/>
+                    </a:lnT>
+                    <a:lnB w="12700" cap="flat" cmpd="sng" algn="ctr">
+                      <a:solidFill>
+                        <a:schemeClr val="tx1"/>
+                      </a:solidFill>
+                      <a:prstDash val="solid"/>
+                      <a:round/>
+                      <a:headEnd type="none" w="med" len="med"/>
+                      <a:tailEnd type="none" w="med" len="med"/>
+                    </a:lnB>
+                    <a:solidFill>
+                      <a:schemeClr val="accent1"/>
+                    </a:solidFill>
+                  </a:tcPr>
+                </a:tc>
+                <a:tc>
+                  <a:txBody>
+                    <a:bodyPr/>
+                    <a:lstStyle/>
+                    <a:p>
+                      <a:endParaRPr lang="en-US" dirty="0"/>
+                    </a:p>
+                  </a:txBody>
+                  <a:tcPr>
+                    <a:lnL w="12700" cap="flat" cmpd="sng" algn="ctr">
+                      <a:solidFill>
+                        <a:schemeClr val="tx1"/>
+                      </a:solidFill>
+                      <a:prstDash val="solid"/>
+                      <a:round/>
+                      <a:headEnd type="none" w="med" len="med"/>
+                      <a:tailEnd type="none" w="med" len="med"/>
+                    </a:lnL>
+                    <a:lnR w="12700" cap="flat" cmpd="sng" algn="ctr">
+                      <a:solidFill>
+                        <a:schemeClr val="tx1"/>
+                      </a:solidFill>
+                      <a:prstDash val="solid"/>
+                      <a:round/>
+                      <a:headEnd type="none" w="med" len="med"/>
+                      <a:tailEnd type="none" w="med" len="med"/>
+                    </a:lnR>
+                    <a:lnT w="12700" cap="flat" cmpd="sng" algn="ctr">
+                      <a:solidFill>
+                        <a:schemeClr val="tx1"/>
+                      </a:solidFill>
+                      <a:prstDash val="solid"/>
+                      <a:round/>
+                      <a:headEnd type="none" w="med" len="med"/>
+                      <a:tailEnd type="none" w="med" len="med"/>
+                    </a:lnT>
+                    <a:lnB w="12700" cap="flat" cmpd="sng" algn="ctr">
+                      <a:solidFill>
+                        <a:schemeClr val="tx1"/>
+                      </a:solidFill>
+                      <a:prstDash val="solid"/>
+                      <a:round/>
+                      <a:headEnd type="none" w="med" len="med"/>
+                      <a:tailEnd type="none" w="med" len="med"/>
+                    </a:lnB>
+                  </a:tcPr>
+                </a:tc>
+                <a:tc>
+                  <a:txBody>
+                    <a:bodyPr/>
+                    <a:lstStyle/>
+                    <a:p>
+                      <a:endParaRPr lang="en-US" dirty="0"/>
+                    </a:p>
+                  </a:txBody>
+                  <a:tcPr>
+                    <a:lnL w="12700" cap="flat" cmpd="sng" algn="ctr">
+                      <a:solidFill>
+                        <a:schemeClr val="tx1"/>
+                      </a:solidFill>
+                      <a:prstDash val="solid"/>
+                      <a:round/>
+                      <a:headEnd type="none" w="med" len="med"/>
+                      <a:tailEnd type="none" w="med" len="med"/>
+                    </a:lnL>
+                    <a:lnR w="12700" cap="flat" cmpd="sng" algn="ctr">
+                      <a:solidFill>
+                        <a:schemeClr val="tx1"/>
+                      </a:solidFill>
+                      <a:prstDash val="solid"/>
+                      <a:round/>
+                      <a:headEnd type="none" w="med" len="med"/>
+                      <a:tailEnd type="none" w="med" len="med"/>
+                    </a:lnR>
+                    <a:lnT w="12700" cap="flat" cmpd="sng" algn="ctr">
+                      <a:solidFill>
+                        <a:schemeClr val="tx1"/>
+                      </a:solidFill>
+                      <a:prstDash val="solid"/>
+                      <a:round/>
+                      <a:headEnd type="none" w="med" len="med"/>
+                      <a:tailEnd type="none" w="med" len="med"/>
+                    </a:lnT>
+                    <a:lnB w="12700" cap="flat" cmpd="sng" algn="ctr">
+                      <a:solidFill>
+                        <a:schemeClr val="tx1"/>
+                      </a:solidFill>
+                      <a:prstDash val="solid"/>
+                      <a:round/>
+                      <a:headEnd type="none" w="med" len="med"/>
+                      <a:tailEnd type="none" w="med" len="med"/>
+                    </a:lnB>
+                    <a:solidFill>
+                      <a:schemeClr val="accent1"/>
+                    </a:solidFill>
+                  </a:tcPr>
+                </a:tc>
+                <a:tc>
+                  <a:txBody>
+                    <a:bodyPr/>
+                    <a:lstStyle/>
+                    <a:p>
+                      <a:endParaRPr lang="en-US" dirty="0"/>
+                    </a:p>
+                  </a:txBody>
+                  <a:tcPr>
+                    <a:lnL w="12700" cap="flat" cmpd="sng" algn="ctr">
+                      <a:solidFill>
+                        <a:schemeClr val="tx1"/>
+                      </a:solidFill>
+                      <a:prstDash val="solid"/>
+                      <a:round/>
+                      <a:headEnd type="none" w="med" len="med"/>
+                      <a:tailEnd type="none" w="med" len="med"/>
+                    </a:lnL>
+                    <a:lnR w="12700" cap="flat" cmpd="sng" algn="ctr">
+                      <a:solidFill>
+                        <a:schemeClr val="tx1"/>
+                      </a:solidFill>
+                      <a:prstDash val="solid"/>
+                      <a:round/>
+                      <a:headEnd type="none" w="med" len="med"/>
+                      <a:tailEnd type="none" w="med" len="med"/>
+                    </a:lnR>
+                    <a:lnT w="12700" cap="flat" cmpd="sng" algn="ctr">
+                      <a:solidFill>
+                        <a:schemeClr val="tx1"/>
+                      </a:solidFill>
+                      <a:prstDash val="solid"/>
+                      <a:round/>
+                      <a:headEnd type="none" w="med" len="med"/>
+                      <a:tailEnd type="none" w="med" len="med"/>
+                    </a:lnT>
+                    <a:lnB w="12700" cap="flat" cmpd="sng" algn="ctr">
+                      <a:solidFill>
+                        <a:schemeClr val="tx1"/>
+                      </a:solidFill>
+                      <a:prstDash val="solid"/>
+                      <a:round/>
+                      <a:headEnd type="none" w="med" len="med"/>
+                      <a:tailEnd type="none" w="med" len="med"/>
+                    </a:lnB>
+                  </a:tcPr>
+                </a:tc>
+                <a:extLst>
+                  <a:ext uri="{0D108BD9-81ED-4DB2-BD59-A6C34878D82A}">
+                    <a16:rowId xmlns:a16="http://schemas.microsoft.com/office/drawing/2014/main" val="3736616166"/>
+                  </a:ext>
+                </a:extLst>
+              </a:tr>
+              <a:tr h="0">
+                <a:tc>
+                  <a:txBody>
+                    <a:bodyPr/>
+                    <a:lstStyle/>
+                    <a:p>
+                      <a:endParaRPr lang="en-US" dirty="0"/>
+                    </a:p>
+                  </a:txBody>
+                  <a:tcPr>
+                    <a:lnL w="12700" cap="flat" cmpd="sng" algn="ctr">
+                      <a:solidFill>
+                        <a:schemeClr val="tx1"/>
+                      </a:solidFill>
+                      <a:prstDash val="solid"/>
+                      <a:round/>
+                      <a:headEnd type="none" w="med" len="med"/>
+                      <a:tailEnd type="none" w="med" len="med"/>
+                    </a:lnL>
+                    <a:lnR w="12700" cap="flat" cmpd="sng" algn="ctr">
+                      <a:solidFill>
+                        <a:schemeClr val="tx1"/>
+                      </a:solidFill>
+                      <a:prstDash val="solid"/>
+                      <a:round/>
+                      <a:headEnd type="none" w="med" len="med"/>
+                      <a:tailEnd type="none" w="med" len="med"/>
+                    </a:lnR>
+                    <a:lnT w="12700" cap="flat" cmpd="sng" algn="ctr">
+                      <a:solidFill>
+                        <a:schemeClr val="tx1"/>
+                      </a:solidFill>
+                      <a:prstDash val="solid"/>
+                      <a:round/>
+                      <a:headEnd type="none" w="med" len="med"/>
+                      <a:tailEnd type="none" w="med" len="med"/>
+                    </a:lnT>
+                    <a:lnB w="12700" cap="flat" cmpd="sng" algn="ctr">
+                      <a:solidFill>
+                        <a:schemeClr val="tx1"/>
+                      </a:solidFill>
+                      <a:prstDash val="solid"/>
+                      <a:round/>
+                      <a:headEnd type="none" w="med" len="med"/>
+                      <a:tailEnd type="none" w="med" len="med"/>
+                    </a:lnB>
+                    <a:solidFill>
+                      <a:schemeClr val="accent1"/>
+                    </a:solidFill>
+                  </a:tcPr>
+                </a:tc>
+                <a:tc>
+                  <a:txBody>
+                    <a:bodyPr/>
+                    <a:lstStyle/>
+                    <a:p>
+                      <a:endParaRPr lang="en-US" dirty="0"/>
+                    </a:p>
+                  </a:txBody>
+                  <a:tcPr>
+                    <a:lnL w="12700" cap="flat" cmpd="sng" algn="ctr">
+                      <a:solidFill>
+                        <a:schemeClr val="tx1"/>
+                      </a:solidFill>
+                      <a:prstDash val="solid"/>
+                      <a:round/>
+                      <a:headEnd type="none" w="med" len="med"/>
+                      <a:tailEnd type="none" w="med" len="med"/>
+                    </a:lnL>
+                    <a:lnR w="12700" cap="flat" cmpd="sng" algn="ctr">
+                      <a:solidFill>
+                        <a:schemeClr val="tx1"/>
+                      </a:solidFill>
+                      <a:prstDash val="solid"/>
+                      <a:round/>
+                      <a:headEnd type="none" w="med" len="med"/>
+                      <a:tailEnd type="none" w="med" len="med"/>
+                    </a:lnR>
+                    <a:lnT w="12700" cap="flat" cmpd="sng" algn="ctr">
+                      <a:solidFill>
+                        <a:schemeClr val="tx1"/>
+                      </a:solidFill>
+                      <a:prstDash val="solid"/>
+                      <a:round/>
+                      <a:headEnd type="none" w="med" len="med"/>
+                      <a:tailEnd type="none" w="med" len="med"/>
+                    </a:lnT>
+                    <a:lnB w="12700" cap="flat" cmpd="sng" algn="ctr">
+                      <a:solidFill>
+                        <a:schemeClr val="tx1"/>
+                      </a:solidFill>
+                      <a:prstDash val="solid"/>
+                      <a:round/>
+                      <a:headEnd type="none" w="med" len="med"/>
+                      <a:tailEnd type="none" w="med" len="med"/>
+                    </a:lnB>
+                    <a:solidFill>
+                      <a:schemeClr val="accent1"/>
+                    </a:solidFill>
+                  </a:tcPr>
+                </a:tc>
+                <a:tc>
+                  <a:txBody>
+                    <a:bodyPr/>
+                    <a:lstStyle/>
+                    <a:p>
+                      <a:endParaRPr lang="en-US" dirty="0"/>
+                    </a:p>
+                  </a:txBody>
+                  <a:tcPr>
+                    <a:lnL w="12700" cap="flat" cmpd="sng" algn="ctr">
+                      <a:solidFill>
+                        <a:schemeClr val="tx1"/>
+                      </a:solidFill>
+                      <a:prstDash val="solid"/>
+                      <a:round/>
+                      <a:headEnd type="none" w="med" len="med"/>
+                      <a:tailEnd type="none" w="med" len="med"/>
+                    </a:lnL>
+                    <a:lnR w="12700" cap="flat" cmpd="sng" algn="ctr">
+                      <a:solidFill>
+                        <a:schemeClr val="tx1"/>
+                      </a:solidFill>
+                      <a:prstDash val="solid"/>
+                      <a:round/>
+                      <a:headEnd type="none" w="med" len="med"/>
+                      <a:tailEnd type="none" w="med" len="med"/>
+                    </a:lnR>
+                    <a:lnT w="12700" cap="flat" cmpd="sng" algn="ctr">
+                      <a:solidFill>
+                        <a:schemeClr val="tx1"/>
+                      </a:solidFill>
+                      <a:prstDash val="solid"/>
+                      <a:round/>
+                      <a:headEnd type="none" w="med" len="med"/>
+                      <a:tailEnd type="none" w="med" len="med"/>
+                    </a:lnT>
+                    <a:lnB w="12700" cap="flat" cmpd="sng" algn="ctr">
+                      <a:solidFill>
+                        <a:schemeClr val="tx1"/>
+                      </a:solidFill>
+                      <a:prstDash val="solid"/>
+                      <a:round/>
+                      <a:headEnd type="none" w="med" len="med"/>
+                      <a:tailEnd type="none" w="med" len="med"/>
+                    </a:lnB>
+                    <a:solidFill>
+                      <a:schemeClr val="accent1"/>
+                    </a:solidFill>
+                  </a:tcPr>
+                </a:tc>
+                <a:tc>
+                  <a:txBody>
+                    <a:bodyPr/>
+                    <a:lstStyle/>
+                    <a:p>
+                      <a:endParaRPr lang="en-US" dirty="0"/>
+                    </a:p>
+                  </a:txBody>
+                  <a:tcPr>
+                    <a:lnL w="12700" cap="flat" cmpd="sng" algn="ctr">
+                      <a:solidFill>
+                        <a:schemeClr val="tx1"/>
+                      </a:solidFill>
+                      <a:prstDash val="solid"/>
+                      <a:round/>
+                      <a:headEnd type="none" w="med" len="med"/>
+                      <a:tailEnd type="none" w="med" len="med"/>
+                    </a:lnL>
+                    <a:lnR w="12700" cap="flat" cmpd="sng" algn="ctr">
+                      <a:solidFill>
+                        <a:schemeClr val="tx1"/>
+                      </a:solidFill>
+                      <a:prstDash val="solid"/>
+                      <a:round/>
+                      <a:headEnd type="none" w="med" len="med"/>
+                      <a:tailEnd type="none" w="med" len="med"/>
+                    </a:lnR>
+                    <a:lnT w="12700" cap="flat" cmpd="sng" algn="ctr">
+                      <a:solidFill>
+                        <a:schemeClr val="tx1"/>
+                      </a:solidFill>
+                      <a:prstDash val="solid"/>
+                      <a:round/>
+                      <a:headEnd type="none" w="med" len="med"/>
+                      <a:tailEnd type="none" w="med" len="med"/>
+                    </a:lnT>
+                    <a:lnB w="12700" cap="flat" cmpd="sng" algn="ctr">
+                      <a:solidFill>
+                        <a:schemeClr val="tx1"/>
+                      </a:solidFill>
+                      <a:prstDash val="solid"/>
+                      <a:round/>
+                      <a:headEnd type="none" w="med" len="med"/>
+                      <a:tailEnd type="none" w="med" len="med"/>
+                    </a:lnB>
+                    <a:solidFill>
+                      <a:schemeClr val="accent1"/>
+                    </a:solidFill>
+                  </a:tcPr>
+                </a:tc>
+                <a:tc>
+                  <a:txBody>
+                    <a:bodyPr/>
+                    <a:lstStyle/>
+                    <a:p>
+                      <a:endParaRPr lang="en-US" dirty="0"/>
+                    </a:p>
+                  </a:txBody>
+                  <a:tcPr>
+                    <a:lnL w="12700" cap="flat" cmpd="sng" algn="ctr">
+                      <a:solidFill>
+                        <a:schemeClr val="tx1"/>
+                      </a:solidFill>
+                      <a:prstDash val="solid"/>
+                      <a:round/>
+                      <a:headEnd type="none" w="med" len="med"/>
+                      <a:tailEnd type="none" w="med" len="med"/>
+                    </a:lnL>
+                    <a:lnR w="12700" cap="flat" cmpd="sng" algn="ctr">
+                      <a:solidFill>
+                        <a:schemeClr val="tx1"/>
+                      </a:solidFill>
+                      <a:prstDash val="solid"/>
+                      <a:round/>
+                      <a:headEnd type="none" w="med" len="med"/>
+                      <a:tailEnd type="none" w="med" len="med"/>
+                    </a:lnR>
+                    <a:lnT w="12700" cap="flat" cmpd="sng" algn="ctr">
+                      <a:solidFill>
+                        <a:schemeClr val="tx1"/>
+                      </a:solidFill>
+                      <a:prstDash val="solid"/>
+                      <a:round/>
+                      <a:headEnd type="none" w="med" len="med"/>
+                      <a:tailEnd type="none" w="med" len="med"/>
+                    </a:lnT>
+                    <a:lnB w="12700" cap="flat" cmpd="sng" algn="ctr">
+                      <a:solidFill>
+                        <a:schemeClr val="tx1"/>
+                      </a:solidFill>
+                      <a:prstDash val="solid"/>
+                      <a:round/>
+                      <a:headEnd type="none" w="med" len="med"/>
+                      <a:tailEnd type="none" w="med" len="med"/>
+                    </a:lnB>
+                    <a:solidFill>
+                      <a:schemeClr val="accent1"/>
+                    </a:solidFill>
+                  </a:tcPr>
+                </a:tc>
+                <a:extLst>
+                  <a:ext uri="{0D108BD9-81ED-4DB2-BD59-A6C34878D82A}">
+                    <a16:rowId xmlns:a16="http://schemas.microsoft.com/office/drawing/2014/main" val="2825115143"/>
+                  </a:ext>
+                </a:extLst>
+              </a:tr>
+              <a:tr h="0">
+                <a:tc>
+                  <a:txBody>
+                    <a:bodyPr/>
+                    <a:lstStyle/>
+                    <a:p>
+                      <a:endParaRPr lang="en-US"/>
+                    </a:p>
+                  </a:txBody>
+                  <a:tcPr>
+                    <a:lnL w="12700" cap="flat" cmpd="sng" algn="ctr">
+                      <a:solidFill>
+                        <a:schemeClr val="tx1"/>
+                      </a:solidFill>
+                      <a:prstDash val="solid"/>
+                      <a:round/>
+                      <a:headEnd type="none" w="med" len="med"/>
+                      <a:tailEnd type="none" w="med" len="med"/>
+                    </a:lnL>
+                    <a:lnR w="12700" cap="flat" cmpd="sng" algn="ctr">
+                      <a:solidFill>
+                        <a:schemeClr val="tx1"/>
+                      </a:solidFill>
+                      <a:prstDash val="solid"/>
+                      <a:round/>
+                      <a:headEnd type="none" w="med" len="med"/>
+                      <a:tailEnd type="none" w="med" len="med"/>
+                    </a:lnR>
+                    <a:lnT w="12700" cap="flat" cmpd="sng" algn="ctr">
+                      <a:solidFill>
+                        <a:schemeClr val="tx1"/>
+                      </a:solidFill>
+                      <a:prstDash val="solid"/>
+                      <a:round/>
+                      <a:headEnd type="none" w="med" len="med"/>
+                      <a:tailEnd type="none" w="med" len="med"/>
+                    </a:lnT>
+                    <a:lnB w="12700" cap="flat" cmpd="sng" algn="ctr">
+                      <a:solidFill>
+                        <a:schemeClr val="tx1"/>
+                      </a:solidFill>
+                      <a:prstDash val="solid"/>
+                      <a:round/>
+                      <a:headEnd type="none" w="med" len="med"/>
+                      <a:tailEnd type="none" w="med" len="med"/>
+                    </a:lnB>
+                  </a:tcPr>
+                </a:tc>
+                <a:tc>
+                  <a:txBody>
+                    <a:bodyPr/>
+                    <a:lstStyle/>
+                    <a:p>
+                      <a:endParaRPr lang="en-US" dirty="0"/>
+                    </a:p>
+                  </a:txBody>
+                  <a:tcPr>
+                    <a:lnL w="12700" cap="flat" cmpd="sng" algn="ctr">
+                      <a:solidFill>
+                        <a:schemeClr val="tx1"/>
+                      </a:solidFill>
+                      <a:prstDash val="solid"/>
+                      <a:round/>
+                      <a:headEnd type="none" w="med" len="med"/>
+                      <a:tailEnd type="none" w="med" len="med"/>
+                    </a:lnL>
+                    <a:lnR w="12700" cap="flat" cmpd="sng" algn="ctr">
+                      <a:solidFill>
+                        <a:schemeClr val="tx1"/>
+                      </a:solidFill>
+                      <a:prstDash val="solid"/>
+                      <a:round/>
+                      <a:headEnd type="none" w="med" len="med"/>
+                      <a:tailEnd type="none" w="med" len="med"/>
+                    </a:lnR>
+                    <a:lnT w="12700" cap="flat" cmpd="sng" algn="ctr">
+                      <a:solidFill>
+                        <a:schemeClr val="tx1"/>
+                      </a:solidFill>
+                      <a:prstDash val="solid"/>
+                      <a:round/>
+                      <a:headEnd type="none" w="med" len="med"/>
+                      <a:tailEnd type="none" w="med" len="med"/>
+                    </a:lnT>
+                    <a:lnB w="12700" cap="flat" cmpd="sng" algn="ctr">
+                      <a:solidFill>
+                        <a:schemeClr val="tx1"/>
+                      </a:solidFill>
+                      <a:prstDash val="solid"/>
+                      <a:round/>
+                      <a:headEnd type="none" w="med" len="med"/>
+                      <a:tailEnd type="none" w="med" len="med"/>
+                    </a:lnB>
+                    <a:solidFill>
+                      <a:schemeClr val="accent1"/>
+                    </a:solidFill>
+                  </a:tcPr>
+                </a:tc>
+                <a:tc>
+                  <a:txBody>
+                    <a:bodyPr/>
+                    <a:lstStyle/>
+                    <a:p>
+                      <a:endParaRPr lang="en-US"/>
+                    </a:p>
+                  </a:txBody>
+                  <a:tcPr>
+                    <a:lnL w="12700" cap="flat" cmpd="sng" algn="ctr">
+                      <a:solidFill>
+                        <a:schemeClr val="tx1"/>
+                      </a:solidFill>
+                      <a:prstDash val="solid"/>
+                      <a:round/>
+                      <a:headEnd type="none" w="med" len="med"/>
+                      <a:tailEnd type="none" w="med" len="med"/>
+                    </a:lnL>
+                    <a:lnR w="12700" cap="flat" cmpd="sng" algn="ctr">
+                      <a:solidFill>
+                        <a:schemeClr val="tx1"/>
+                      </a:solidFill>
+                      <a:prstDash val="solid"/>
+                      <a:round/>
+                      <a:headEnd type="none" w="med" len="med"/>
+                      <a:tailEnd type="none" w="med" len="med"/>
+                    </a:lnR>
+                    <a:lnT w="12700" cap="flat" cmpd="sng" algn="ctr">
+                      <a:solidFill>
+                        <a:schemeClr val="tx1"/>
+                      </a:solidFill>
+                      <a:prstDash val="solid"/>
+                      <a:round/>
+                      <a:headEnd type="none" w="med" len="med"/>
+                      <a:tailEnd type="none" w="med" len="med"/>
+                    </a:lnT>
+                    <a:lnB w="12700" cap="flat" cmpd="sng" algn="ctr">
+                      <a:solidFill>
+                        <a:schemeClr val="tx1"/>
+                      </a:solidFill>
+                      <a:prstDash val="solid"/>
+                      <a:round/>
+                      <a:headEnd type="none" w="med" len="med"/>
+                      <a:tailEnd type="none" w="med" len="med"/>
+                    </a:lnB>
+                  </a:tcPr>
+                </a:tc>
+                <a:tc>
+                  <a:txBody>
+                    <a:bodyPr/>
+                    <a:lstStyle/>
+                    <a:p>
+                      <a:endParaRPr lang="en-US" dirty="0"/>
+                    </a:p>
+                  </a:txBody>
+                  <a:tcPr>
+                    <a:lnL w="12700" cap="flat" cmpd="sng" algn="ctr">
+                      <a:solidFill>
+                        <a:schemeClr val="tx1"/>
+                      </a:solidFill>
+                      <a:prstDash val="solid"/>
+                      <a:round/>
+                      <a:headEnd type="none" w="med" len="med"/>
+                      <a:tailEnd type="none" w="med" len="med"/>
+                    </a:lnL>
+                    <a:lnR w="12700" cap="flat" cmpd="sng" algn="ctr">
+                      <a:solidFill>
+                        <a:schemeClr val="tx1"/>
+                      </a:solidFill>
+                      <a:prstDash val="solid"/>
+                      <a:round/>
+                      <a:headEnd type="none" w="med" len="med"/>
+                      <a:tailEnd type="none" w="med" len="med"/>
+                    </a:lnR>
+                    <a:lnT w="12700" cap="flat" cmpd="sng" algn="ctr">
+                      <a:solidFill>
+                        <a:schemeClr val="tx1"/>
+                      </a:solidFill>
+                      <a:prstDash val="solid"/>
+                      <a:round/>
+                      <a:headEnd type="none" w="med" len="med"/>
+                      <a:tailEnd type="none" w="med" len="med"/>
+                    </a:lnT>
+                    <a:lnB w="12700" cap="flat" cmpd="sng" algn="ctr">
+                      <a:solidFill>
+                        <a:schemeClr val="tx1"/>
+                      </a:solidFill>
+                      <a:prstDash val="solid"/>
+                      <a:round/>
+                      <a:headEnd type="none" w="med" len="med"/>
+                      <a:tailEnd type="none" w="med" len="med"/>
+                    </a:lnB>
+                    <a:solidFill>
+                      <a:schemeClr val="accent1"/>
+                    </a:solidFill>
+                  </a:tcPr>
+                </a:tc>
+                <a:tc>
+                  <a:txBody>
+                    <a:bodyPr/>
+                    <a:lstStyle/>
+                    <a:p>
+                      <a:endParaRPr lang="en-US"/>
+                    </a:p>
+                  </a:txBody>
+                  <a:tcPr>
+                    <a:lnL w="12700" cap="flat" cmpd="sng" algn="ctr">
+                      <a:solidFill>
+                        <a:schemeClr val="tx1"/>
+                      </a:solidFill>
+                      <a:prstDash val="solid"/>
+                      <a:round/>
+                      <a:headEnd type="none" w="med" len="med"/>
+                      <a:tailEnd type="none" w="med" len="med"/>
+                    </a:lnL>
+                    <a:lnR w="12700" cap="flat" cmpd="sng" algn="ctr">
+                      <a:solidFill>
+                        <a:schemeClr val="tx1"/>
+                      </a:solidFill>
+                      <a:prstDash val="solid"/>
+                      <a:round/>
+                      <a:headEnd type="none" w="med" len="med"/>
+                      <a:tailEnd type="none" w="med" len="med"/>
+                    </a:lnR>
+                    <a:lnT w="12700" cap="flat" cmpd="sng" algn="ctr">
+                      <a:solidFill>
+                        <a:schemeClr val="tx1"/>
+                      </a:solidFill>
+                      <a:prstDash val="solid"/>
+                      <a:round/>
+                      <a:headEnd type="none" w="med" len="med"/>
+                      <a:tailEnd type="none" w="med" len="med"/>
+                    </a:lnT>
+                    <a:lnB w="12700" cap="flat" cmpd="sng" algn="ctr">
+                      <a:solidFill>
+                        <a:schemeClr val="tx1"/>
+                      </a:solidFill>
+                      <a:prstDash val="solid"/>
+                      <a:round/>
+                      <a:headEnd type="none" w="med" len="med"/>
+                      <a:tailEnd type="none" w="med" len="med"/>
+                    </a:lnB>
+                  </a:tcPr>
+                </a:tc>
+                <a:extLst>
+                  <a:ext uri="{0D108BD9-81ED-4DB2-BD59-A6C34878D82A}">
+                    <a16:rowId xmlns:a16="http://schemas.microsoft.com/office/drawing/2014/main" val="245428575"/>
+                  </a:ext>
+                </a:extLst>
+              </a:tr>
+              <a:tr h="0">
+                <a:tc>
+                  <a:txBody>
+                    <a:bodyPr/>
+                    <a:lstStyle/>
+                    <a:p>
+                      <a:endParaRPr lang="en-US"/>
+                    </a:p>
+                  </a:txBody>
+                  <a:tcPr>
+                    <a:lnL w="12700" cap="flat" cmpd="sng" algn="ctr">
+                      <a:solidFill>
+                        <a:schemeClr val="tx1"/>
+                      </a:solidFill>
+                      <a:prstDash val="solid"/>
+                      <a:round/>
+                      <a:headEnd type="none" w="med" len="med"/>
+                      <a:tailEnd type="none" w="med" len="med"/>
+                    </a:lnL>
+                    <a:lnR w="12700" cap="flat" cmpd="sng" algn="ctr">
+                      <a:solidFill>
+                        <a:schemeClr val="tx1"/>
+                      </a:solidFill>
+                      <a:prstDash val="solid"/>
+                      <a:round/>
+                      <a:headEnd type="none" w="med" len="med"/>
+                      <a:tailEnd type="none" w="med" len="med"/>
+                    </a:lnR>
+                    <a:lnT w="12700" cap="flat" cmpd="sng" algn="ctr">
+                      <a:solidFill>
+                        <a:schemeClr val="tx1"/>
+                      </a:solidFill>
+                      <a:prstDash val="solid"/>
+                      <a:round/>
+                      <a:headEnd type="none" w="med" len="med"/>
+                      <a:tailEnd type="none" w="med" len="med"/>
+                    </a:lnT>
+                    <a:lnB w="12700" cap="flat" cmpd="sng" algn="ctr">
+                      <a:solidFill>
+                        <a:schemeClr val="tx1"/>
+                      </a:solidFill>
+                      <a:prstDash val="solid"/>
+                      <a:round/>
+                      <a:headEnd type="none" w="med" len="med"/>
+                      <a:tailEnd type="none" w="med" len="med"/>
+                    </a:lnB>
+                  </a:tcPr>
+                </a:tc>
+                <a:tc>
+                  <a:txBody>
+                    <a:bodyPr/>
+                    <a:lstStyle/>
+                    <a:p>
+                      <a:endParaRPr lang="en-US" dirty="0"/>
+                    </a:p>
+                  </a:txBody>
+                  <a:tcPr>
+                    <a:lnL w="12700" cap="flat" cmpd="sng" algn="ctr">
+                      <a:solidFill>
+                        <a:schemeClr val="tx1"/>
+                      </a:solidFill>
+                      <a:prstDash val="solid"/>
+                      <a:round/>
+                      <a:headEnd type="none" w="med" len="med"/>
+                      <a:tailEnd type="none" w="med" len="med"/>
+                    </a:lnL>
+                    <a:lnR w="12700" cap="flat" cmpd="sng" algn="ctr">
+                      <a:solidFill>
+                        <a:schemeClr val="tx1"/>
+                      </a:solidFill>
+                      <a:prstDash val="solid"/>
+                      <a:round/>
+                      <a:headEnd type="none" w="med" len="med"/>
+                      <a:tailEnd type="none" w="med" len="med"/>
+                    </a:lnR>
+                    <a:lnT w="12700" cap="flat" cmpd="sng" algn="ctr">
+                      <a:solidFill>
+                        <a:schemeClr val="tx1"/>
+                      </a:solidFill>
+                      <a:prstDash val="solid"/>
+                      <a:round/>
+                      <a:headEnd type="none" w="med" len="med"/>
+                      <a:tailEnd type="none" w="med" len="med"/>
+                    </a:lnT>
+                    <a:lnB w="12700" cap="flat" cmpd="sng" algn="ctr">
+                      <a:solidFill>
+                        <a:schemeClr val="tx1"/>
+                      </a:solidFill>
+                      <a:prstDash val="solid"/>
+                      <a:round/>
+                      <a:headEnd type="none" w="med" len="med"/>
+                      <a:tailEnd type="none" w="med" len="med"/>
+                    </a:lnB>
+                    <a:solidFill>
+                      <a:schemeClr val="accent1"/>
+                    </a:solidFill>
+                  </a:tcPr>
+                </a:tc>
+                <a:tc>
+                  <a:txBody>
+                    <a:bodyPr/>
+                    <a:lstStyle/>
+                    <a:p>
+                      <a:endParaRPr lang="en-US"/>
+                    </a:p>
+                  </a:txBody>
+                  <a:tcPr>
+                    <a:lnL w="12700" cap="flat" cmpd="sng" algn="ctr">
+                      <a:solidFill>
+                        <a:schemeClr val="tx1"/>
+                      </a:solidFill>
+                      <a:prstDash val="solid"/>
+                      <a:round/>
+                      <a:headEnd type="none" w="med" len="med"/>
+                      <a:tailEnd type="none" w="med" len="med"/>
+                    </a:lnL>
+                    <a:lnR w="12700" cap="flat" cmpd="sng" algn="ctr">
+                      <a:solidFill>
+                        <a:schemeClr val="tx1"/>
+                      </a:solidFill>
+                      <a:prstDash val="solid"/>
+                      <a:round/>
+                      <a:headEnd type="none" w="med" len="med"/>
+                      <a:tailEnd type="none" w="med" len="med"/>
+                    </a:lnR>
+                    <a:lnT w="12700" cap="flat" cmpd="sng" algn="ctr">
+                      <a:solidFill>
+                        <a:schemeClr val="tx1"/>
+                      </a:solidFill>
+                      <a:prstDash val="solid"/>
+                      <a:round/>
+                      <a:headEnd type="none" w="med" len="med"/>
+                      <a:tailEnd type="none" w="med" len="med"/>
+                    </a:lnT>
+                    <a:lnB w="12700" cap="flat" cmpd="sng" algn="ctr">
+                      <a:solidFill>
+                        <a:schemeClr val="tx1"/>
+                      </a:solidFill>
+                      <a:prstDash val="solid"/>
+                      <a:round/>
+                      <a:headEnd type="none" w="med" len="med"/>
+                      <a:tailEnd type="none" w="med" len="med"/>
+                    </a:lnB>
+                  </a:tcPr>
+                </a:tc>
+                <a:tc>
+                  <a:txBody>
+                    <a:bodyPr/>
+                    <a:lstStyle/>
+                    <a:p>
+                      <a:endParaRPr lang="en-US" dirty="0"/>
+                    </a:p>
+                  </a:txBody>
+                  <a:tcPr>
+                    <a:lnL w="12700" cap="flat" cmpd="sng" algn="ctr">
+                      <a:solidFill>
+                        <a:schemeClr val="tx1"/>
+                      </a:solidFill>
+                      <a:prstDash val="solid"/>
+                      <a:round/>
+                      <a:headEnd type="none" w="med" len="med"/>
+                      <a:tailEnd type="none" w="med" len="med"/>
+                    </a:lnL>
+                    <a:lnR w="12700" cap="flat" cmpd="sng" algn="ctr">
+                      <a:solidFill>
+                        <a:schemeClr val="tx1"/>
+                      </a:solidFill>
+                      <a:prstDash val="solid"/>
+                      <a:round/>
+                      <a:headEnd type="none" w="med" len="med"/>
+                      <a:tailEnd type="none" w="med" len="med"/>
+                    </a:lnR>
+                    <a:lnT w="12700" cap="flat" cmpd="sng" algn="ctr">
+                      <a:solidFill>
+                        <a:schemeClr val="tx1"/>
+                      </a:solidFill>
+                      <a:prstDash val="solid"/>
+                      <a:round/>
+                      <a:headEnd type="none" w="med" len="med"/>
+                      <a:tailEnd type="none" w="med" len="med"/>
+                    </a:lnT>
+                    <a:lnB w="12700" cap="flat" cmpd="sng" algn="ctr">
+                      <a:solidFill>
+                        <a:schemeClr val="tx1"/>
+                      </a:solidFill>
+                      <a:prstDash val="solid"/>
+                      <a:round/>
+                      <a:headEnd type="none" w="med" len="med"/>
+                      <a:tailEnd type="none" w="med" len="med"/>
+                    </a:lnB>
+                    <a:solidFill>
+                      <a:schemeClr val="accent1"/>
+                    </a:solidFill>
+                  </a:tcPr>
+                </a:tc>
+                <a:tc>
+                  <a:txBody>
+                    <a:bodyPr/>
+                    <a:lstStyle/>
+                    <a:p>
+                      <a:endParaRPr lang="en-US"/>
+                    </a:p>
+                  </a:txBody>
+                  <a:tcPr>
+                    <a:lnL w="12700" cap="flat" cmpd="sng" algn="ctr">
+                      <a:solidFill>
+                        <a:schemeClr val="tx1"/>
+                      </a:solidFill>
+                      <a:prstDash val="solid"/>
+                      <a:round/>
+                      <a:headEnd type="none" w="med" len="med"/>
+                      <a:tailEnd type="none" w="med" len="med"/>
+                    </a:lnL>
+                    <a:lnR w="12700" cap="flat" cmpd="sng" algn="ctr">
+                      <a:solidFill>
+                        <a:schemeClr val="tx1"/>
+                      </a:solidFill>
+                      <a:prstDash val="solid"/>
+                      <a:round/>
+                      <a:headEnd type="none" w="med" len="med"/>
+                      <a:tailEnd type="none" w="med" len="med"/>
+                    </a:lnR>
+                    <a:lnT w="12700" cap="flat" cmpd="sng" algn="ctr">
+                      <a:solidFill>
+                        <a:schemeClr val="tx1"/>
+                      </a:solidFill>
+                      <a:prstDash val="solid"/>
+                      <a:round/>
+                      <a:headEnd type="none" w="med" len="med"/>
+                      <a:tailEnd type="none" w="med" len="med"/>
+                    </a:lnT>
+                    <a:lnB w="12700" cap="flat" cmpd="sng" algn="ctr">
+                      <a:solidFill>
+                        <a:schemeClr val="tx1"/>
+                      </a:solidFill>
+                      <a:prstDash val="solid"/>
+                      <a:round/>
+                      <a:headEnd type="none" w="med" len="med"/>
+                      <a:tailEnd type="none" w="med" len="med"/>
+                    </a:lnB>
+                  </a:tcPr>
+                </a:tc>
+                <a:extLst>
+                  <a:ext uri="{0D108BD9-81ED-4DB2-BD59-A6C34878D82A}">
+                    <a16:rowId xmlns:a16="http://schemas.microsoft.com/office/drawing/2014/main" val="1605131263"/>
+                  </a:ext>
+                </a:extLst>
+              </a:tr>
+              <a:tr h="0">
+                <a:tc>
+                  <a:txBody>
+                    <a:bodyPr/>
+                    <a:lstStyle/>
+                    <a:p>
+                      <a:endParaRPr lang="en-US" dirty="0"/>
+                    </a:p>
+                  </a:txBody>
+                  <a:tcPr>
+                    <a:lnL w="12700" cap="flat" cmpd="sng" algn="ctr">
+                      <a:solidFill>
+                        <a:schemeClr val="tx1"/>
+                      </a:solidFill>
+                      <a:prstDash val="solid"/>
+                      <a:round/>
+                      <a:headEnd type="none" w="med" len="med"/>
+                      <a:tailEnd type="none" w="med" len="med"/>
+                    </a:lnL>
+                    <a:lnR w="12700" cap="flat" cmpd="sng" algn="ctr">
+                      <a:solidFill>
+                        <a:schemeClr val="tx1"/>
+                      </a:solidFill>
+                      <a:prstDash val="solid"/>
+                      <a:round/>
+                      <a:headEnd type="none" w="med" len="med"/>
+                      <a:tailEnd type="none" w="med" len="med"/>
+                    </a:lnR>
+                    <a:lnT w="12700" cap="flat" cmpd="sng" algn="ctr">
+                      <a:solidFill>
+                        <a:schemeClr val="tx1"/>
+                      </a:solidFill>
+                      <a:prstDash val="solid"/>
+                      <a:round/>
+                      <a:headEnd type="none" w="med" len="med"/>
+                      <a:tailEnd type="none" w="med" len="med"/>
+                    </a:lnT>
+                    <a:lnB w="12700" cap="flat" cmpd="sng" algn="ctr">
+                      <a:solidFill>
+                        <a:schemeClr val="tx1"/>
+                      </a:solidFill>
+                      <a:prstDash val="solid"/>
+                      <a:round/>
+                      <a:headEnd type="none" w="med" len="med"/>
+                      <a:tailEnd type="none" w="med" len="med"/>
+                    </a:lnB>
+                    <a:solidFill>
+                      <a:schemeClr val="accent1"/>
+                    </a:solidFill>
+                  </a:tcPr>
+                </a:tc>
+                <a:tc>
+                  <a:txBody>
+                    <a:bodyPr/>
+                    <a:lstStyle/>
+                    <a:p>
+                      <a:endParaRPr lang="en-US" dirty="0"/>
+                    </a:p>
+                  </a:txBody>
+                  <a:tcPr>
+                    <a:lnL w="12700" cap="flat" cmpd="sng" algn="ctr">
+                      <a:solidFill>
+                        <a:schemeClr val="tx1"/>
+                      </a:solidFill>
+                      <a:prstDash val="solid"/>
+                      <a:round/>
+                      <a:headEnd type="none" w="med" len="med"/>
+                      <a:tailEnd type="none" w="med" len="med"/>
+                    </a:lnL>
+                    <a:lnR w="12700" cap="flat" cmpd="sng" algn="ctr">
+                      <a:solidFill>
+                        <a:schemeClr val="tx1"/>
+                      </a:solidFill>
+                      <a:prstDash val="solid"/>
+                      <a:round/>
+                      <a:headEnd type="none" w="med" len="med"/>
+                      <a:tailEnd type="none" w="med" len="med"/>
+                    </a:lnR>
+                    <a:lnT w="12700" cap="flat" cmpd="sng" algn="ctr">
+                      <a:solidFill>
+                        <a:schemeClr val="tx1"/>
+                      </a:solidFill>
+                      <a:prstDash val="solid"/>
+                      <a:round/>
+                      <a:headEnd type="none" w="med" len="med"/>
+                      <a:tailEnd type="none" w="med" len="med"/>
+                    </a:lnT>
+                    <a:lnB w="12700" cap="flat" cmpd="sng" algn="ctr">
+                      <a:solidFill>
+                        <a:schemeClr val="tx1"/>
+                      </a:solidFill>
+                      <a:prstDash val="solid"/>
+                      <a:round/>
+                      <a:headEnd type="none" w="med" len="med"/>
+                      <a:tailEnd type="none" w="med" len="med"/>
+                    </a:lnB>
+                    <a:solidFill>
+                      <a:schemeClr val="accent1"/>
+                    </a:solidFill>
+                  </a:tcPr>
+                </a:tc>
+                <a:tc>
+                  <a:txBody>
+                    <a:bodyPr/>
+                    <a:lstStyle/>
+                    <a:p>
+                      <a:endParaRPr lang="en-US" dirty="0"/>
+                    </a:p>
+                  </a:txBody>
+                  <a:tcPr>
+                    <a:lnL w="12700" cap="flat" cmpd="sng" algn="ctr">
+                      <a:solidFill>
+                        <a:schemeClr val="tx1"/>
+                      </a:solidFill>
+                      <a:prstDash val="solid"/>
+                      <a:round/>
+                      <a:headEnd type="none" w="med" len="med"/>
+                      <a:tailEnd type="none" w="med" len="med"/>
+                    </a:lnL>
+                    <a:lnR w="12700" cap="flat" cmpd="sng" algn="ctr">
+                      <a:solidFill>
+                        <a:schemeClr val="tx1"/>
+                      </a:solidFill>
+                      <a:prstDash val="solid"/>
+                      <a:round/>
+                      <a:headEnd type="none" w="med" len="med"/>
+                      <a:tailEnd type="none" w="med" len="med"/>
+                    </a:lnR>
+                    <a:lnT w="12700" cap="flat" cmpd="sng" algn="ctr">
+                      <a:solidFill>
+                        <a:schemeClr val="tx1"/>
+                      </a:solidFill>
+                      <a:prstDash val="solid"/>
+                      <a:round/>
+                      <a:headEnd type="none" w="med" len="med"/>
+                      <a:tailEnd type="none" w="med" len="med"/>
+                    </a:lnT>
+                    <a:lnB w="12700" cap="flat" cmpd="sng" algn="ctr">
+                      <a:solidFill>
+                        <a:schemeClr val="tx1"/>
+                      </a:solidFill>
+                      <a:prstDash val="solid"/>
+                      <a:round/>
+                      <a:headEnd type="none" w="med" len="med"/>
+                      <a:tailEnd type="none" w="med" len="med"/>
+                    </a:lnB>
+                    <a:solidFill>
+                      <a:schemeClr val="accent1"/>
+                    </a:solidFill>
+                  </a:tcPr>
+                </a:tc>
+                <a:tc>
+                  <a:txBody>
+                    <a:bodyPr/>
+                    <a:lstStyle/>
+                    <a:p>
+                      <a:endParaRPr lang="en-US" dirty="0"/>
+                    </a:p>
+                  </a:txBody>
+                  <a:tcPr>
+                    <a:lnL w="12700" cap="flat" cmpd="sng" algn="ctr">
+                      <a:solidFill>
+                        <a:schemeClr val="tx1"/>
+                      </a:solidFill>
+                      <a:prstDash val="solid"/>
+                      <a:round/>
+                      <a:headEnd type="none" w="med" len="med"/>
+                      <a:tailEnd type="none" w="med" len="med"/>
+                    </a:lnL>
+                    <a:lnR w="12700" cap="flat" cmpd="sng" algn="ctr">
+                      <a:solidFill>
+                        <a:schemeClr val="tx1"/>
+                      </a:solidFill>
+                      <a:prstDash val="solid"/>
+                      <a:round/>
+                      <a:headEnd type="none" w="med" len="med"/>
+                      <a:tailEnd type="none" w="med" len="med"/>
+                    </a:lnR>
+                    <a:lnT w="12700" cap="flat" cmpd="sng" algn="ctr">
+                      <a:solidFill>
+                        <a:schemeClr val="tx1"/>
+                      </a:solidFill>
+                      <a:prstDash val="solid"/>
+                      <a:round/>
+                      <a:headEnd type="none" w="med" len="med"/>
+                      <a:tailEnd type="none" w="med" len="med"/>
+                    </a:lnT>
+                    <a:lnB w="12700" cap="flat" cmpd="sng" algn="ctr">
+                      <a:solidFill>
+                        <a:schemeClr val="tx1"/>
+                      </a:solidFill>
+                      <a:prstDash val="solid"/>
+                      <a:round/>
+                      <a:headEnd type="none" w="med" len="med"/>
+                      <a:tailEnd type="none" w="med" len="med"/>
+                    </a:lnB>
+                    <a:solidFill>
+                      <a:schemeClr val="accent1"/>
+                    </a:solidFill>
+                  </a:tcPr>
+                </a:tc>
+                <a:tc>
+                  <a:txBody>
+                    <a:bodyPr/>
+                    <a:lstStyle/>
+                    <a:p>
+                      <a:endParaRPr lang="en-US" dirty="0"/>
+                    </a:p>
+                  </a:txBody>
+                  <a:tcPr>
+                    <a:lnL w="12700" cap="flat" cmpd="sng" algn="ctr">
+                      <a:solidFill>
+                        <a:schemeClr val="tx1"/>
+                      </a:solidFill>
+                      <a:prstDash val="solid"/>
+                      <a:round/>
+                      <a:headEnd type="none" w="med" len="med"/>
+                      <a:tailEnd type="none" w="med" len="med"/>
+                    </a:lnL>
+                    <a:lnR w="12700" cap="flat" cmpd="sng" algn="ctr">
+                      <a:solidFill>
+                        <a:schemeClr val="tx1"/>
+                      </a:solidFill>
+                      <a:prstDash val="solid"/>
+                      <a:round/>
+                      <a:headEnd type="none" w="med" len="med"/>
+                      <a:tailEnd type="none" w="med" len="med"/>
+                    </a:lnR>
+                    <a:lnT w="12700" cap="flat" cmpd="sng" algn="ctr">
+                      <a:solidFill>
+                        <a:schemeClr val="tx1"/>
+                      </a:solidFill>
+                      <a:prstDash val="solid"/>
+                      <a:round/>
+                      <a:headEnd type="none" w="med" len="med"/>
+                      <a:tailEnd type="none" w="med" len="med"/>
+                    </a:lnT>
+                    <a:lnB w="12700" cap="flat" cmpd="sng" algn="ctr">
+                      <a:solidFill>
+                        <a:schemeClr val="tx1"/>
+                      </a:solidFill>
+                      <a:prstDash val="solid"/>
+                      <a:round/>
+                      <a:headEnd type="none" w="med" len="med"/>
+                      <a:tailEnd type="none" w="med" len="med"/>
+                    </a:lnB>
+                    <a:solidFill>
+                      <a:schemeClr val="accent1"/>
+                    </a:solidFill>
+                  </a:tcPr>
+                </a:tc>
+                <a:extLst>
+                  <a:ext uri="{0D108BD9-81ED-4DB2-BD59-A6C34878D82A}">
+                    <a16:rowId xmlns:a16="http://schemas.microsoft.com/office/drawing/2014/main" val="4065377610"/>
+                  </a:ext>
+                </a:extLst>
+              </a:tr>
+              <a:tr h="0">
+                <a:tc>
+                  <a:txBody>
+                    <a:bodyPr/>
+                    <a:lstStyle/>
+                    <a:p>
+                      <a:endParaRPr lang="en-US"/>
+                    </a:p>
+                  </a:txBody>
+                  <a:tcPr>
+                    <a:lnL w="12700" cap="flat" cmpd="sng" algn="ctr">
+                      <a:solidFill>
+                        <a:schemeClr val="tx1"/>
+                      </a:solidFill>
+                      <a:prstDash val="solid"/>
+                      <a:round/>
+                      <a:headEnd type="none" w="med" len="med"/>
+                      <a:tailEnd type="none" w="med" len="med"/>
+                    </a:lnL>
+                    <a:lnR w="12700" cap="flat" cmpd="sng" algn="ctr">
+                      <a:solidFill>
+                        <a:schemeClr val="tx1"/>
+                      </a:solidFill>
+                      <a:prstDash val="solid"/>
+                      <a:round/>
+                      <a:headEnd type="none" w="med" len="med"/>
+                      <a:tailEnd type="none" w="med" len="med"/>
+                    </a:lnR>
+                    <a:lnT w="12700" cap="flat" cmpd="sng" algn="ctr">
+                      <a:solidFill>
+                        <a:schemeClr val="tx1"/>
+                      </a:solidFill>
+                      <a:prstDash val="solid"/>
+                      <a:round/>
+                      <a:headEnd type="none" w="med" len="med"/>
+                      <a:tailEnd type="none" w="med" len="med"/>
+                    </a:lnT>
+                    <a:lnB w="12700" cap="flat" cmpd="sng" algn="ctr">
+                      <a:solidFill>
+                        <a:schemeClr val="tx1"/>
+                      </a:solidFill>
+                      <a:prstDash val="solid"/>
+                      <a:round/>
+                      <a:headEnd type="none" w="med" len="med"/>
+                      <a:tailEnd type="none" w="med" len="med"/>
+                    </a:lnB>
+                  </a:tcPr>
+                </a:tc>
+                <a:tc>
+                  <a:txBody>
+                    <a:bodyPr/>
+                    <a:lstStyle/>
+                    <a:p>
+                      <a:endParaRPr lang="en-US" dirty="0"/>
+                    </a:p>
+                  </a:txBody>
+                  <a:tcPr>
+                    <a:lnL w="12700" cap="flat" cmpd="sng" algn="ctr">
+                      <a:solidFill>
+                        <a:schemeClr val="tx1"/>
+                      </a:solidFill>
+                      <a:prstDash val="solid"/>
+                      <a:round/>
+                      <a:headEnd type="none" w="med" len="med"/>
+                      <a:tailEnd type="none" w="med" len="med"/>
+                    </a:lnL>
+                    <a:lnR w="12700" cap="flat" cmpd="sng" algn="ctr">
+                      <a:solidFill>
+                        <a:schemeClr val="tx1"/>
+                      </a:solidFill>
+                      <a:prstDash val="solid"/>
+                      <a:round/>
+                      <a:headEnd type="none" w="med" len="med"/>
+                      <a:tailEnd type="none" w="med" len="med"/>
+                    </a:lnR>
+                    <a:lnT w="12700" cap="flat" cmpd="sng" algn="ctr">
+                      <a:solidFill>
+                        <a:schemeClr val="tx1"/>
+                      </a:solidFill>
+                      <a:prstDash val="solid"/>
+                      <a:round/>
+                      <a:headEnd type="none" w="med" len="med"/>
+                      <a:tailEnd type="none" w="med" len="med"/>
+                    </a:lnT>
+                    <a:lnB w="12700" cap="flat" cmpd="sng" algn="ctr">
+                      <a:solidFill>
+                        <a:schemeClr val="tx1"/>
+                      </a:solidFill>
+                      <a:prstDash val="solid"/>
+                      <a:round/>
+                      <a:headEnd type="none" w="med" len="med"/>
+                      <a:tailEnd type="none" w="med" len="med"/>
+                    </a:lnB>
+                    <a:solidFill>
+                      <a:schemeClr val="accent1"/>
+                    </a:solidFill>
+                  </a:tcPr>
+                </a:tc>
+                <a:tc>
+                  <a:txBody>
+                    <a:bodyPr/>
+                    <a:lstStyle/>
+                    <a:p>
+                      <a:endParaRPr lang="en-US"/>
+                    </a:p>
+                  </a:txBody>
+                  <a:tcPr>
+                    <a:lnL w="12700" cap="flat" cmpd="sng" algn="ctr">
+                      <a:solidFill>
+                        <a:schemeClr val="tx1"/>
+                      </a:solidFill>
+                      <a:prstDash val="solid"/>
+                      <a:round/>
+                      <a:headEnd type="none" w="med" len="med"/>
+                      <a:tailEnd type="none" w="med" len="med"/>
+                    </a:lnL>
+                    <a:lnR w="12700" cap="flat" cmpd="sng" algn="ctr">
+                      <a:solidFill>
+                        <a:schemeClr val="tx1"/>
+                      </a:solidFill>
+                      <a:prstDash val="solid"/>
+                      <a:round/>
+                      <a:headEnd type="none" w="med" len="med"/>
+                      <a:tailEnd type="none" w="med" len="med"/>
+                    </a:lnR>
+                    <a:lnT w="12700" cap="flat" cmpd="sng" algn="ctr">
+                      <a:solidFill>
+                        <a:schemeClr val="tx1"/>
+                      </a:solidFill>
+                      <a:prstDash val="solid"/>
+                      <a:round/>
+                      <a:headEnd type="none" w="med" len="med"/>
+                      <a:tailEnd type="none" w="med" len="med"/>
+                    </a:lnT>
+                    <a:lnB w="12700" cap="flat" cmpd="sng" algn="ctr">
+                      <a:solidFill>
+                        <a:schemeClr val="tx1"/>
+                      </a:solidFill>
+                      <a:prstDash val="solid"/>
+                      <a:round/>
+                      <a:headEnd type="none" w="med" len="med"/>
+                      <a:tailEnd type="none" w="med" len="med"/>
+                    </a:lnB>
+                  </a:tcPr>
+                </a:tc>
+                <a:tc>
+                  <a:txBody>
+                    <a:bodyPr/>
+                    <a:lstStyle/>
+                    <a:p>
+                      <a:endParaRPr lang="en-US" dirty="0"/>
+                    </a:p>
+                  </a:txBody>
+                  <a:tcPr>
+                    <a:lnL w="12700" cap="flat" cmpd="sng" algn="ctr">
+                      <a:solidFill>
+                        <a:schemeClr val="tx1"/>
+                      </a:solidFill>
+                      <a:prstDash val="solid"/>
+                      <a:round/>
+                      <a:headEnd type="none" w="med" len="med"/>
+                      <a:tailEnd type="none" w="med" len="med"/>
+                    </a:lnL>
+                    <a:lnR w="12700" cap="flat" cmpd="sng" algn="ctr">
+                      <a:solidFill>
+                        <a:schemeClr val="tx1"/>
+                      </a:solidFill>
+                      <a:prstDash val="solid"/>
+                      <a:round/>
+                      <a:headEnd type="none" w="med" len="med"/>
+                      <a:tailEnd type="none" w="med" len="med"/>
+                    </a:lnR>
+                    <a:lnT w="12700" cap="flat" cmpd="sng" algn="ctr">
+                      <a:solidFill>
+                        <a:schemeClr val="tx1"/>
+                      </a:solidFill>
+                      <a:prstDash val="solid"/>
+                      <a:round/>
+                      <a:headEnd type="none" w="med" len="med"/>
+                      <a:tailEnd type="none" w="med" len="med"/>
+                    </a:lnT>
+                    <a:lnB w="12700" cap="flat" cmpd="sng" algn="ctr">
+                      <a:solidFill>
+                        <a:schemeClr val="tx1"/>
+                      </a:solidFill>
+                      <a:prstDash val="solid"/>
+                      <a:round/>
+                      <a:headEnd type="none" w="med" len="med"/>
+                      <a:tailEnd type="none" w="med" len="med"/>
+                    </a:lnB>
+                    <a:solidFill>
+                      <a:schemeClr val="accent1"/>
+                    </a:solidFill>
+                  </a:tcPr>
+                </a:tc>
+                <a:tc>
+                  <a:txBody>
+                    <a:bodyPr/>
+                    <a:lstStyle/>
+                    <a:p>
+                      <a:endParaRPr lang="en-US"/>
+                    </a:p>
+                  </a:txBody>
+                  <a:tcPr>
+                    <a:lnL w="12700" cap="flat" cmpd="sng" algn="ctr">
+                      <a:solidFill>
+                        <a:schemeClr val="tx1"/>
+                      </a:solidFill>
+                      <a:prstDash val="solid"/>
+                      <a:round/>
+                      <a:headEnd type="none" w="med" len="med"/>
+                      <a:tailEnd type="none" w="med" len="med"/>
+                    </a:lnL>
+                    <a:lnR w="12700" cap="flat" cmpd="sng" algn="ctr">
+                      <a:solidFill>
+                        <a:schemeClr val="tx1"/>
+                      </a:solidFill>
+                      <a:prstDash val="solid"/>
+                      <a:round/>
+                      <a:headEnd type="none" w="med" len="med"/>
+                      <a:tailEnd type="none" w="med" len="med"/>
+                    </a:lnR>
+                    <a:lnT w="12700" cap="flat" cmpd="sng" algn="ctr">
+                      <a:solidFill>
+                        <a:schemeClr val="tx1"/>
+                      </a:solidFill>
+                      <a:prstDash val="solid"/>
+                      <a:round/>
+                      <a:headEnd type="none" w="med" len="med"/>
+                      <a:tailEnd type="none" w="med" len="med"/>
+                    </a:lnT>
+                    <a:lnB w="12700" cap="flat" cmpd="sng" algn="ctr">
+                      <a:solidFill>
+                        <a:schemeClr val="tx1"/>
+                      </a:solidFill>
+                      <a:prstDash val="solid"/>
+                      <a:round/>
+                      <a:headEnd type="none" w="med" len="med"/>
+                      <a:tailEnd type="none" w="med" len="med"/>
+                    </a:lnB>
+                  </a:tcPr>
+                </a:tc>
+                <a:extLst>
+                  <a:ext uri="{0D108BD9-81ED-4DB2-BD59-A6C34878D82A}">
+                    <a16:rowId xmlns:a16="http://schemas.microsoft.com/office/drawing/2014/main" val="49973019"/>
+                  </a:ext>
+                </a:extLst>
+              </a:tr>
+              <a:tr h="0">
+                <a:tc>
+                  <a:txBody>
+                    <a:bodyPr/>
+                    <a:lstStyle/>
+                    <a:p>
+                      <a:endParaRPr lang="en-US"/>
+                    </a:p>
+                  </a:txBody>
+                  <a:tcPr>
+                    <a:lnL w="12700" cap="flat" cmpd="sng" algn="ctr">
+                      <a:solidFill>
+                        <a:schemeClr val="tx1"/>
+                      </a:solidFill>
+                      <a:prstDash val="solid"/>
+                      <a:round/>
+                      <a:headEnd type="none" w="med" len="med"/>
+                      <a:tailEnd type="none" w="med" len="med"/>
+                    </a:lnL>
+                    <a:lnR w="12700" cap="flat" cmpd="sng" algn="ctr">
+                      <a:solidFill>
+                        <a:schemeClr val="tx1"/>
+                      </a:solidFill>
+                      <a:prstDash val="solid"/>
+                      <a:round/>
+                      <a:headEnd type="none" w="med" len="med"/>
+                      <a:tailEnd type="none" w="med" len="med"/>
+                    </a:lnR>
+                    <a:lnT w="12700" cap="flat" cmpd="sng" algn="ctr">
+                      <a:solidFill>
+                        <a:schemeClr val="tx1"/>
+                      </a:solidFill>
+                      <a:prstDash val="solid"/>
+                      <a:round/>
+                      <a:headEnd type="none" w="med" len="med"/>
+                      <a:tailEnd type="none" w="med" len="med"/>
+                    </a:lnT>
+                    <a:lnB w="12700" cap="flat" cmpd="sng" algn="ctr">
+                      <a:solidFill>
+                        <a:schemeClr val="tx1"/>
+                      </a:solidFill>
+                      <a:prstDash val="solid"/>
+                      <a:round/>
+                      <a:headEnd type="none" w="med" len="med"/>
+                      <a:tailEnd type="none" w="med" len="med"/>
+                    </a:lnB>
+                  </a:tcPr>
+                </a:tc>
+                <a:tc>
+                  <a:txBody>
+                    <a:bodyPr/>
+                    <a:lstStyle/>
+                    <a:p>
+                      <a:endParaRPr lang="en-US"/>
+                    </a:p>
+                  </a:txBody>
+                  <a:tcPr>
+                    <a:lnL w="12700" cap="flat" cmpd="sng" algn="ctr">
+                      <a:solidFill>
+                        <a:schemeClr val="tx1"/>
+                      </a:solidFill>
+                      <a:prstDash val="solid"/>
+                      <a:round/>
+                      <a:headEnd type="none" w="med" len="med"/>
+                      <a:tailEnd type="none" w="med" len="med"/>
+                    </a:lnL>
+                    <a:lnR w="12700" cap="flat" cmpd="sng" algn="ctr">
+                      <a:solidFill>
+                        <a:schemeClr val="tx1"/>
+                      </a:solidFill>
+                      <a:prstDash val="solid"/>
+                      <a:round/>
+                      <a:headEnd type="none" w="med" len="med"/>
+                      <a:tailEnd type="none" w="med" len="med"/>
+                    </a:lnR>
+                    <a:lnT w="12700" cap="flat" cmpd="sng" algn="ctr">
+                      <a:solidFill>
+                        <a:schemeClr val="tx1"/>
+                      </a:solidFill>
+                      <a:prstDash val="solid"/>
+                      <a:round/>
+                      <a:headEnd type="none" w="med" len="med"/>
+                      <a:tailEnd type="none" w="med" len="med"/>
+                    </a:lnT>
+                    <a:lnB w="12700" cap="flat" cmpd="sng" algn="ctr">
+                      <a:solidFill>
+                        <a:schemeClr val="tx1"/>
+                      </a:solidFill>
+                      <a:prstDash val="solid"/>
+                      <a:round/>
+                      <a:headEnd type="none" w="med" len="med"/>
+                      <a:tailEnd type="none" w="med" len="med"/>
+                    </a:lnB>
+                  </a:tcPr>
+                </a:tc>
+                <a:tc>
+                  <a:txBody>
+                    <a:bodyPr/>
+                    <a:lstStyle/>
+                    <a:p>
+                      <a:endParaRPr lang="en-US"/>
+                    </a:p>
+                  </a:txBody>
+                  <a:tcPr>
+                    <a:lnL w="12700" cap="flat" cmpd="sng" algn="ctr">
+                      <a:solidFill>
+                        <a:schemeClr val="tx1"/>
+                      </a:solidFill>
+                      <a:prstDash val="solid"/>
+                      <a:round/>
+                      <a:headEnd type="none" w="med" len="med"/>
+                      <a:tailEnd type="none" w="med" len="med"/>
+                    </a:lnL>
+                    <a:lnR w="12700" cap="flat" cmpd="sng" algn="ctr">
+                      <a:solidFill>
+                        <a:schemeClr val="tx1"/>
+                      </a:solidFill>
+                      <a:prstDash val="solid"/>
+                      <a:round/>
+                      <a:headEnd type="none" w="med" len="med"/>
+                      <a:tailEnd type="none" w="med" len="med"/>
+                    </a:lnR>
+                    <a:lnT w="12700" cap="flat" cmpd="sng" algn="ctr">
+                      <a:solidFill>
+                        <a:schemeClr val="tx1"/>
+                      </a:solidFill>
+                      <a:prstDash val="solid"/>
+                      <a:round/>
+                      <a:headEnd type="none" w="med" len="med"/>
+                      <a:tailEnd type="none" w="med" len="med"/>
+                    </a:lnT>
+                    <a:lnB w="12700" cap="flat" cmpd="sng" algn="ctr">
+                      <a:solidFill>
+                        <a:schemeClr val="tx1"/>
+                      </a:solidFill>
+                      <a:prstDash val="solid"/>
+                      <a:round/>
+                      <a:headEnd type="none" w="med" len="med"/>
+                      <a:tailEnd type="none" w="med" len="med"/>
+                    </a:lnB>
+                  </a:tcPr>
+                </a:tc>
+                <a:tc>
+                  <a:txBody>
+                    <a:bodyPr/>
+                    <a:lstStyle/>
+                    <a:p>
+                      <a:endParaRPr lang="en-US"/>
+                    </a:p>
+                  </a:txBody>
+                  <a:tcPr>
+                    <a:lnL w="12700" cap="flat" cmpd="sng" algn="ctr">
+                      <a:solidFill>
+                        <a:schemeClr val="tx1"/>
+                      </a:solidFill>
+                      <a:prstDash val="solid"/>
+                      <a:round/>
+                      <a:headEnd type="none" w="med" len="med"/>
+                      <a:tailEnd type="none" w="med" len="med"/>
+                    </a:lnL>
+                    <a:lnR w="12700" cap="flat" cmpd="sng" algn="ctr">
+                      <a:solidFill>
+                        <a:schemeClr val="tx1"/>
+                      </a:solidFill>
+                      <a:prstDash val="solid"/>
+                      <a:round/>
+                      <a:headEnd type="none" w="med" len="med"/>
+                      <a:tailEnd type="none" w="med" len="med"/>
+                    </a:lnR>
+                    <a:lnT w="12700" cap="flat" cmpd="sng" algn="ctr">
+                      <a:solidFill>
+                        <a:schemeClr val="tx1"/>
+                      </a:solidFill>
+                      <a:prstDash val="solid"/>
+                      <a:round/>
+                      <a:headEnd type="none" w="med" len="med"/>
+                      <a:tailEnd type="none" w="med" len="med"/>
+                    </a:lnT>
+                    <a:lnB w="12700" cap="flat" cmpd="sng" algn="ctr">
+                      <a:solidFill>
+                        <a:schemeClr val="tx1"/>
+                      </a:solidFill>
+                      <a:prstDash val="solid"/>
+                      <a:round/>
+                      <a:headEnd type="none" w="med" len="med"/>
+                      <a:tailEnd type="none" w="med" len="med"/>
+                    </a:lnB>
+                  </a:tcPr>
+                </a:tc>
+                <a:tc>
+                  <a:txBody>
+                    <a:bodyPr/>
+                    <a:lstStyle/>
+                    <a:p>
+                      <a:endParaRPr lang="en-US" dirty="0"/>
+                    </a:p>
+                  </a:txBody>
+                  <a:tcPr>
+                    <a:lnL w="12700" cap="flat" cmpd="sng" algn="ctr">
+                      <a:solidFill>
+                        <a:schemeClr val="tx1"/>
+                      </a:solidFill>
+                      <a:prstDash val="solid"/>
+                      <a:round/>
+                      <a:headEnd type="none" w="med" len="med"/>
+                      <a:tailEnd type="none" w="med" len="med"/>
+                    </a:lnL>
+                    <a:lnR w="12700" cap="flat" cmpd="sng" algn="ctr">
+                      <a:solidFill>
+                        <a:schemeClr val="tx1"/>
+                      </a:solidFill>
+                      <a:prstDash val="solid"/>
+                      <a:round/>
+                      <a:headEnd type="none" w="med" len="med"/>
+                      <a:tailEnd type="none" w="med" len="med"/>
+                    </a:lnR>
+                    <a:lnT w="12700" cap="flat" cmpd="sng" algn="ctr">
+                      <a:solidFill>
+                        <a:schemeClr val="tx1"/>
+                      </a:solidFill>
+                      <a:prstDash val="solid"/>
+                      <a:round/>
+                      <a:headEnd type="none" w="med" len="med"/>
+                      <a:tailEnd type="none" w="med" len="med"/>
+                    </a:lnT>
+                    <a:lnB w="12700" cap="flat" cmpd="sng" algn="ctr">
+                      <a:solidFill>
+                        <a:schemeClr val="tx1"/>
+                      </a:solidFill>
+                      <a:prstDash val="solid"/>
+                      <a:round/>
+                      <a:headEnd type="none" w="med" len="med"/>
+                      <a:tailEnd type="none" w="med" len="med"/>
+                    </a:lnB>
+                  </a:tcPr>
+                </a:tc>
+                <a:extLst>
+                  <a:ext uri="{0D108BD9-81ED-4DB2-BD59-A6C34878D82A}">
+                    <a16:rowId xmlns:a16="http://schemas.microsoft.com/office/drawing/2014/main" val="4136122332"/>
+                  </a:ext>
+                </a:extLst>
+              </a:tr>
+            </a:tbl>
+          </a:graphicData>
+        </a:graphic>
+      </p:graphicFrame>
+      <p:cxnSp>
+        <p:nvCxnSpPr>
+          <p:cNvPr id="40" name="Straight Arrow Connector 39"/>
+          <p:cNvCxnSpPr>
+            <a:stCxn id="32" idx="2"/>
+            <a:endCxn id="37" idx="1"/>
+          </p:cNvCxnSpPr>
+          <p:nvPr/>
+        </p:nvCxnSpPr>
+        <p:spPr>
+          <a:xfrm>
+            <a:off x="2388867" y="4218127"/>
+            <a:ext cx="2217311" cy="1159145"/>
+          </a:xfrm>
+          <a:prstGeom prst="straightConnector1">
+            <a:avLst/>
+          </a:prstGeom>
+          <a:ln>
+            <a:tailEnd type="triangle"/>
+          </a:ln>
+        </p:spPr>
+        <p:style>
+          <a:lnRef idx="1">
+            <a:schemeClr val="accent1"/>
+          </a:lnRef>
+          <a:fillRef idx="0">
+            <a:schemeClr val="accent1"/>
+          </a:fillRef>
+          <a:effectRef idx="0">
+            <a:schemeClr val="accent1"/>
+          </a:effectRef>
+          <a:fontRef idx="minor">
+            <a:schemeClr val="tx1"/>
+          </a:fontRef>
+        </p:style>
+      </p:cxnSp>
+    </p:spTree>
+    <p:extLst>
+      <p:ext uri="{BB962C8B-B14F-4D97-AF65-F5344CB8AC3E}">
+        <p14:creationId xmlns:p14="http://schemas.microsoft.com/office/powerpoint/2010/main" val="4009559076"/>
+      </p:ext>
+    </p:extLst>
+  </p:cSld>
+  <p:clrMapOvr>
+    <a:masterClrMapping/>
+  </p:clrMapOvr>
+</p:sld>
+</file>
+
+<file path=ppt/slides/slide14.xml><?xml version="1.0" encoding="utf-8"?>
+<p:sld xmlns:a="http://schemas.openxmlformats.org/drawingml/2006/main" xmlns:r="http://schemas.openxmlformats.org/officeDocument/2006/relationships" xmlns:p="http://schemas.openxmlformats.org/presentationml/2006/main">
+  <p:cSld>
+    <p:spTree>
+      <p:nvGrpSpPr>
+        <p:cNvPr id="1" name=""/>
+        <p:cNvGrpSpPr/>
+        <p:nvPr/>
+      </p:nvGrpSpPr>
+      <p:grpSpPr>
+        <a:xfrm>
+          <a:off x="0" y="0"/>
+          <a:ext cx="0" cy="0"/>
+          <a:chOff x="0" y="0"/>
+          <a:chExt cx="0" cy="0"/>
+        </a:xfrm>
+      </p:grpSpPr>
+      <p:sp>
+        <p:nvSpPr>
+          <p:cNvPr id="2" name="Title 1"/>
+          <p:cNvSpPr>
+            <a:spLocks noGrp="1"/>
+          </p:cNvSpPr>
+          <p:nvPr>
+            <p:ph type="title"/>
+          </p:nvPr>
+        </p:nvSpPr>
+        <p:spPr/>
+        <p:txBody>
+          <a:bodyPr/>
+          <a:lstStyle/>
+          <a:p>
+            <a:r>
+              <a:rPr lang="en-US" sz="2400" dirty="0"/>
+              <a:t>Debag and useful tools for accomplish project.</a:t>
+            </a:r>
+          </a:p>
+        </p:txBody>
+      </p:sp>
+      <p:sp>
+        <p:nvSpPr>
+          <p:cNvPr id="3" name="Content Placeholder 2"/>
+          <p:cNvSpPr>
+            <a:spLocks noGrp="1"/>
+          </p:cNvSpPr>
+          <p:nvPr>
+            <p:ph idx="1"/>
+          </p:nvPr>
+        </p:nvSpPr>
+        <p:spPr/>
+        <p:txBody>
+          <a:bodyPr/>
+          <a:lstStyle/>
+          <a:p>
+            <a:r>
+              <a:rPr lang="en-US" dirty="0" smtClean="0"/>
+              <a:t>For converting photo to RGB565 format I </a:t>
+            </a:r>
+            <a:r>
+              <a:rPr lang="en-US" dirty="0"/>
+              <a:t>used website: </a:t>
+            </a:r>
+            <a:r>
+              <a:rPr lang="en-US" sz="1200" dirty="0" smtClean="0"/>
+              <a:t>“</a:t>
+            </a:r>
+            <a:r>
+              <a:rPr lang="en-US" sz="1200" dirty="0" smtClean="0">
+                <a:hlinkClick r:id="rId2"/>
+              </a:rPr>
+              <a:t>This web site</a:t>
+            </a:r>
+            <a:r>
+              <a:rPr lang="en-US" sz="1200" dirty="0" smtClean="0"/>
+              <a:t>”</a:t>
+            </a:r>
+            <a:endParaRPr lang="en-US" sz="1200" dirty="0"/>
+          </a:p>
+          <a:p>
+            <a:r>
+              <a:rPr lang="en-US" dirty="0" smtClean="0"/>
+              <a:t>For implementing OV7670 capture driver I program a C program that convert RGB565 array of pixels to TEXTIO file and using test Bench  to manipulating I/O to simulate camera module.</a:t>
+            </a:r>
+          </a:p>
+          <a:p>
+            <a:pPr lvl="1"/>
+            <a:r>
+              <a:rPr lang="en-US" dirty="0" smtClean="0"/>
+              <a:t>Using the same test bench I write file with the same RGB565 format and with file compering I test for good result.</a:t>
+            </a:r>
+          </a:p>
+          <a:p>
+            <a:r>
+              <a:rPr lang="en-US" dirty="0" smtClean="0"/>
+              <a:t>Since I used most of the BRAM I didn't have room for micro Blaze so I used STM32 micro controller to test camera configured registers.</a:t>
+            </a:r>
+          </a:p>
+          <a:p>
+            <a:r>
+              <a:rPr lang="en-US" dirty="0" smtClean="0"/>
+              <a:t>A lot of simulation and simulation </a:t>
+            </a:r>
+            <a:r>
+              <a:rPr lang="en-US" smtClean="0"/>
+              <a:t>and simulation.</a:t>
+            </a:r>
+            <a:endParaRPr lang="en-US" dirty="0" smtClean="0"/>
+          </a:p>
+        </p:txBody>
+      </p:sp>
+    </p:spTree>
+    <p:extLst>
+      <p:ext uri="{BB962C8B-B14F-4D97-AF65-F5344CB8AC3E}">
+        <p14:creationId xmlns:p14="http://schemas.microsoft.com/office/powerpoint/2010/main" val="373086848"/>
+      </p:ext>
+    </p:extLst>
+  </p:cSld>
+  <p:clrMapOvr>
+    <a:masterClrMapping/>
+  </p:clrMapOvr>
+</p:sld>
+</file>
+
 <file path=ppt/slides/slide2.xml><?xml version="1.0" encoding="utf-8"?>
 <p:sld xmlns:a="http://schemas.openxmlformats.org/drawingml/2006/main" xmlns:r="http://schemas.openxmlformats.org/officeDocument/2006/relationships" xmlns:p="http://schemas.openxmlformats.org/presentationml/2006/main">
   <p:cSld>
@@ -13598,9 +19339,16 @@
             <p:ph idx="1"/>
           </p:nvPr>
         </p:nvSpPr>
-        <p:spPr/>
+        <p:spPr>
+          <a:xfrm>
+            <a:off x="1122830" y="2366108"/>
+            <a:ext cx="8825659" cy="4254500"/>
+          </a:xfrm>
+        </p:spPr>
         <p:txBody>
-          <a:bodyPr/>
+          <a:bodyPr>
+            <a:normAutofit fontScale="62500" lnSpcReduction="20000"/>
+          </a:bodyPr>
           <a:lstStyle/>
           <a:p>
             <a:r>
@@ -13634,6 +19382,101 @@
               <a:rPr lang="en-US" dirty="0" smtClean="0"/>
               <a:t>Block design.</a:t>
             </a:r>
+          </a:p>
+          <a:p>
+            <a:r>
+              <a:rPr lang="en-US" dirty="0" smtClean="0"/>
+              <a:t>FPGA.</a:t>
+            </a:r>
+          </a:p>
+          <a:p>
+            <a:pPr lvl="1"/>
+            <a:r>
+              <a:rPr lang="en-US" dirty="0" smtClean="0"/>
+              <a:t>Main block diagram.</a:t>
+            </a:r>
+          </a:p>
+          <a:p>
+            <a:pPr lvl="1"/>
+            <a:r>
+              <a:rPr lang="en-US" dirty="0" err="1" smtClean="0"/>
+              <a:t>Vivado</a:t>
+            </a:r>
+            <a:r>
+              <a:rPr lang="en-US" dirty="0" smtClean="0"/>
+              <a:t> block diagram.</a:t>
+            </a:r>
+          </a:p>
+          <a:p>
+            <a:pPr lvl="1"/>
+            <a:r>
+              <a:rPr lang="en-US" dirty="0" smtClean="0"/>
+              <a:t>Clock domains.</a:t>
+            </a:r>
+          </a:p>
+          <a:p>
+            <a:pPr lvl="1"/>
+            <a:r>
+              <a:rPr lang="en-US" dirty="0" smtClean="0"/>
+              <a:t>Main components:</a:t>
+            </a:r>
+          </a:p>
+          <a:p>
+            <a:pPr lvl="2"/>
+            <a:r>
+              <a:rPr lang="en-US" dirty="0" smtClean="0"/>
+              <a:t>Camera.</a:t>
+            </a:r>
+          </a:p>
+          <a:p>
+            <a:pPr lvl="3"/>
+            <a:r>
+              <a:rPr lang="en-US" dirty="0" smtClean="0"/>
+              <a:t>I2C </a:t>
+            </a:r>
+            <a:r>
+              <a:rPr lang="en-US" dirty="0" smtClean="0"/>
+              <a:t>configuration.</a:t>
+            </a:r>
+            <a:endParaRPr lang="en-US" dirty="0" smtClean="0"/>
+          </a:p>
+          <a:p>
+            <a:pPr lvl="2"/>
+            <a:r>
+              <a:rPr lang="en-US" dirty="0" smtClean="0"/>
+              <a:t>BRAM.</a:t>
+            </a:r>
+          </a:p>
+          <a:p>
+            <a:pPr lvl="2"/>
+            <a:r>
+              <a:rPr lang="en-US" dirty="0" smtClean="0"/>
+              <a:t>VGA driver.</a:t>
+            </a:r>
+          </a:p>
+          <a:p>
+            <a:pPr lvl="2"/>
+            <a:r>
+              <a:rPr lang="en-US" dirty="0" smtClean="0"/>
+              <a:t>ASCII filter.</a:t>
+            </a:r>
+          </a:p>
+          <a:p>
+            <a:r>
+              <a:rPr lang="en-US" dirty="0"/>
+              <a:t>Debag and useful tools for accomplish project</a:t>
+            </a:r>
+            <a:r>
+              <a:rPr lang="en-US" dirty="0" smtClean="0"/>
+              <a:t>.</a:t>
+            </a:r>
+          </a:p>
+          <a:p>
+            <a:r>
+              <a:rPr lang="en-US" dirty="0" smtClean="0"/>
+              <a:t>Example video.</a:t>
+            </a:r>
+            <a:endParaRPr lang="en-US" dirty="0" smtClean="0"/>
           </a:p>
           <a:p>
             <a:pPr lvl="1"/>
@@ -13795,12 +19638,8 @@
           <a:lstStyle/>
           <a:p>
             <a:r>
-              <a:rPr lang="en-US" dirty="0" smtClean="0"/>
-              <a:t>Block diagram </a:t>
-            </a:r>
-            <a:r>
               <a:rPr lang="en-US" dirty="0"/>
-              <a:t>and component</a:t>
+              <a:t>Design flow</a:t>
             </a:r>
           </a:p>
         </p:txBody>
@@ -14114,7 +19953,7 @@
         </p:nvSpPr>
         <p:spPr>
           <a:xfrm>
-            <a:off x="9321146" y="3135273"/>
+            <a:off x="8869457" y="2981325"/>
             <a:ext cx="1636987" cy="369332"/>
           </a:xfrm>
           <a:prstGeom prst="rect">
@@ -14357,6 +20196,2956 @@
     <p:extLst>
       <p:ext uri="{BB962C8B-B14F-4D97-AF65-F5344CB8AC3E}">
         <p14:creationId xmlns:p14="http://schemas.microsoft.com/office/powerpoint/2010/main" val="193168933"/>
+      </p:ext>
+    </p:extLst>
+  </p:cSld>
+  <p:clrMapOvr>
+    <a:masterClrMapping/>
+  </p:clrMapOvr>
+</p:sld>
+</file>
+
+<file path=ppt/slides/slide5.xml><?xml version="1.0" encoding="utf-8"?>
+<p:sld xmlns:a="http://schemas.openxmlformats.org/drawingml/2006/main" xmlns:r="http://schemas.openxmlformats.org/officeDocument/2006/relationships" xmlns:p="http://schemas.openxmlformats.org/presentationml/2006/main">
+  <p:cSld>
+    <p:spTree>
+      <p:nvGrpSpPr>
+        <p:cNvPr id="1" name=""/>
+        <p:cNvGrpSpPr/>
+        <p:nvPr/>
+      </p:nvGrpSpPr>
+      <p:grpSpPr>
+        <a:xfrm>
+          <a:off x="0" y="0"/>
+          <a:ext cx="0" cy="0"/>
+          <a:chOff x="0" y="0"/>
+          <a:chExt cx="0" cy="0"/>
+        </a:xfrm>
+      </p:grpSpPr>
+      <p:sp>
+        <p:nvSpPr>
+          <p:cNvPr id="2" name="Title 1"/>
+          <p:cNvSpPr>
+            <a:spLocks noGrp="1"/>
+          </p:cNvSpPr>
+          <p:nvPr>
+            <p:ph type="title"/>
+          </p:nvPr>
+        </p:nvSpPr>
+        <p:spPr/>
+        <p:txBody>
+          <a:bodyPr/>
+          <a:lstStyle/>
+          <a:p>
+            <a:r>
+              <a:rPr lang="en-US" dirty="0" smtClean="0"/>
+              <a:t>FPGA -&gt; Main block diagram</a:t>
+            </a:r>
+            <a:endParaRPr lang="en-US" dirty="0"/>
+          </a:p>
+        </p:txBody>
+      </p:sp>
+      <p:sp>
+        <p:nvSpPr>
+          <p:cNvPr id="4" name="Rectangle 3"/>
+          <p:cNvSpPr/>
+          <p:nvPr/>
+        </p:nvSpPr>
+        <p:spPr>
+          <a:xfrm>
+            <a:off x="60997" y="2514600"/>
+            <a:ext cx="1274884" cy="1840100"/>
+          </a:xfrm>
+          <a:prstGeom prst="rect">
+            <a:avLst/>
+          </a:prstGeom>
+        </p:spPr>
+        <p:style>
+          <a:lnRef idx="2">
+            <a:schemeClr val="accent1">
+              <a:shade val="50000"/>
+            </a:schemeClr>
+          </a:lnRef>
+          <a:fillRef idx="1">
+            <a:schemeClr val="accent1"/>
+          </a:fillRef>
+          <a:effectRef idx="0">
+            <a:schemeClr val="accent1"/>
+          </a:effectRef>
+          <a:fontRef idx="minor">
+            <a:schemeClr val="lt1"/>
+          </a:fontRef>
+        </p:style>
+        <p:txBody>
+          <a:bodyPr rtlCol="0" anchor="b"/>
+          <a:lstStyle/>
+          <a:p>
+            <a:pPr algn="ctr"/>
+            <a:r>
+              <a:rPr lang="en-US" dirty="0" smtClean="0"/>
+              <a:t>OV</a:t>
+            </a:r>
+            <a:r>
+              <a:rPr lang="he-IL" dirty="0" smtClean="0"/>
+              <a:t>7670</a:t>
+            </a:r>
+            <a:r>
+              <a:rPr lang="en-US" dirty="0" smtClean="0"/>
+              <a:t> camera module</a:t>
+            </a:r>
+            <a:endParaRPr lang="en-US" dirty="0"/>
+          </a:p>
+        </p:txBody>
+      </p:sp>
+      <p:pic>
+        <p:nvPicPr>
+          <p:cNvPr id="5" name="Picture 4" descr="OV7670 640x480 VGA CMOS Camera Module - Online Shopping with FTronix"/>
+          <p:cNvPicPr>
+            <a:picLocks noChangeAspect="1" noChangeArrowheads="1"/>
+          </p:cNvPicPr>
+          <p:nvPr/>
+        </p:nvPicPr>
+        <p:blipFill>
+          <a:blip r:embed="rId2" cstate="print">
+            <a:extLst>
+              <a:ext uri="{28A0092B-C50C-407E-A947-70E740481C1C}">
+                <a14:useLocalDpi xmlns:a14="http://schemas.microsoft.com/office/drawing/2010/main" val="0"/>
+              </a:ext>
+            </a:extLst>
+          </a:blip>
+          <a:srcRect/>
+          <a:stretch>
+            <a:fillRect/>
+          </a:stretch>
+        </p:blipFill>
+        <p:spPr bwMode="auto">
+          <a:xfrm>
+            <a:off x="207959" y="2514600"/>
+            <a:ext cx="980959" cy="980959"/>
+          </a:xfrm>
+          <a:prstGeom prst="rect">
+            <a:avLst/>
+          </a:prstGeom>
+          <a:noFill/>
+          <a:extLst>
+            <a:ext uri="{909E8E84-426E-40DD-AFC4-6F175D3DCCD1}">
+              <a14:hiddenFill xmlns:a14="http://schemas.microsoft.com/office/drawing/2010/main">
+                <a:solidFill>
+                  <a:srgbClr val="FFFFFF"/>
+                </a:solidFill>
+              </a14:hiddenFill>
+            </a:ext>
+          </a:extLst>
+        </p:spPr>
+      </p:pic>
+      <p:sp>
+        <p:nvSpPr>
+          <p:cNvPr id="6" name="Rectangle 5"/>
+          <p:cNvSpPr/>
+          <p:nvPr/>
+        </p:nvSpPr>
+        <p:spPr>
+          <a:xfrm>
+            <a:off x="3910630" y="2514600"/>
+            <a:ext cx="5391632" cy="3974123"/>
+          </a:xfrm>
+          <a:prstGeom prst="rect">
+            <a:avLst/>
+          </a:prstGeom>
+        </p:spPr>
+        <p:style>
+          <a:lnRef idx="2">
+            <a:schemeClr val="accent1">
+              <a:shade val="50000"/>
+            </a:schemeClr>
+          </a:lnRef>
+          <a:fillRef idx="1">
+            <a:schemeClr val="accent1"/>
+          </a:fillRef>
+          <a:effectRef idx="0">
+            <a:schemeClr val="accent1"/>
+          </a:effectRef>
+          <a:fontRef idx="minor">
+            <a:schemeClr val="lt1"/>
+          </a:fontRef>
+        </p:style>
+        <p:txBody>
+          <a:bodyPr rtlCol="0" anchor="t"/>
+          <a:lstStyle/>
+          <a:p>
+            <a:pPr algn="ctr"/>
+            <a:r>
+              <a:rPr lang="en-US" dirty="0" smtClean="0"/>
+              <a:t>FPGA</a:t>
+            </a:r>
+            <a:endParaRPr lang="en-US" dirty="0"/>
+          </a:p>
+        </p:txBody>
+      </p:sp>
+      <p:pic>
+        <p:nvPicPr>
+          <p:cNvPr id="7" name="Picture 2" descr="Screens PNG, Screens Transparent Background - FreeIconsPNG"/>
+          <p:cNvPicPr>
+            <a:picLocks noChangeAspect="1" noChangeArrowheads="1"/>
+          </p:cNvPicPr>
+          <p:nvPr/>
+        </p:nvPicPr>
+        <p:blipFill>
+          <a:blip r:embed="rId3">
+            <a:extLst>
+              <a:ext uri="{28A0092B-C50C-407E-A947-70E740481C1C}">
+                <a14:useLocalDpi xmlns:a14="http://schemas.microsoft.com/office/drawing/2010/main" val="0"/>
+              </a:ext>
+            </a:extLst>
+          </a:blip>
+          <a:srcRect/>
+          <a:stretch>
+            <a:fillRect/>
+          </a:stretch>
+        </p:blipFill>
+        <p:spPr bwMode="auto">
+          <a:xfrm>
+            <a:off x="9658643" y="2908353"/>
+            <a:ext cx="2342857" cy="1925536"/>
+          </a:xfrm>
+          <a:prstGeom prst="rect">
+            <a:avLst/>
+          </a:prstGeom>
+          <a:noFill/>
+          <a:extLst>
+            <a:ext uri="{909E8E84-426E-40DD-AFC4-6F175D3DCCD1}">
+              <a14:hiddenFill xmlns:a14="http://schemas.microsoft.com/office/drawing/2010/main">
+                <a:solidFill>
+                  <a:srgbClr val="FFFFFF"/>
+                </a:solidFill>
+              </a14:hiddenFill>
+            </a:ext>
+          </a:extLst>
+        </p:spPr>
+      </p:pic>
+      <p:sp>
+        <p:nvSpPr>
+          <p:cNvPr id="8" name="TextBox 7"/>
+          <p:cNvSpPr txBox="1"/>
+          <p:nvPr/>
+        </p:nvSpPr>
+        <p:spPr>
+          <a:xfrm>
+            <a:off x="10011396" y="3380641"/>
+            <a:ext cx="1637350" cy="369332"/>
+          </a:xfrm>
+          <a:prstGeom prst="rect">
+            <a:avLst/>
+          </a:prstGeom>
+          <a:noFill/>
+        </p:spPr>
+        <p:txBody>
+          <a:bodyPr wrap="square" rtlCol="0">
+            <a:spAutoFit/>
+          </a:bodyPr>
+          <a:lstStyle/>
+          <a:p>
+            <a:r>
+              <a:rPr lang="en-US" dirty="0" smtClean="0"/>
+              <a:t>VGA Monitor</a:t>
+            </a:r>
+            <a:endParaRPr lang="en-US" dirty="0"/>
+          </a:p>
+        </p:txBody>
+      </p:sp>
+      <p:sp>
+        <p:nvSpPr>
+          <p:cNvPr id="9" name="Rectangle 8"/>
+          <p:cNvSpPr/>
+          <p:nvPr/>
+        </p:nvSpPr>
+        <p:spPr>
+          <a:xfrm>
+            <a:off x="7587000" y="3069247"/>
+            <a:ext cx="1292469" cy="1169377"/>
+          </a:xfrm>
+          <a:prstGeom prst="rect">
+            <a:avLst/>
+          </a:prstGeom>
+          <a:solidFill>
+            <a:schemeClr val="tx1">
+              <a:lumMod val="50000"/>
+              <a:lumOff val="50000"/>
+            </a:schemeClr>
+          </a:solidFill>
+        </p:spPr>
+        <p:style>
+          <a:lnRef idx="2">
+            <a:schemeClr val="accent1">
+              <a:shade val="50000"/>
+            </a:schemeClr>
+          </a:lnRef>
+          <a:fillRef idx="1">
+            <a:schemeClr val="accent1"/>
+          </a:fillRef>
+          <a:effectRef idx="0">
+            <a:schemeClr val="accent1"/>
+          </a:effectRef>
+          <a:fontRef idx="minor">
+            <a:schemeClr val="lt1"/>
+          </a:fontRef>
+        </p:style>
+        <p:txBody>
+          <a:bodyPr rtlCol="0" anchor="ctr"/>
+          <a:lstStyle/>
+          <a:p>
+            <a:pPr algn="ctr"/>
+            <a:r>
+              <a:rPr lang="en-US" dirty="0" smtClean="0"/>
+              <a:t>VGA signal driver</a:t>
+            </a:r>
+            <a:endParaRPr lang="en-US" dirty="0"/>
+          </a:p>
+        </p:txBody>
+      </p:sp>
+      <p:cxnSp>
+        <p:nvCxnSpPr>
+          <p:cNvPr id="13" name="Straight Arrow Connector 12"/>
+          <p:cNvCxnSpPr/>
+          <p:nvPr/>
+        </p:nvCxnSpPr>
+        <p:spPr>
+          <a:xfrm>
+            <a:off x="8879469" y="3233722"/>
+            <a:ext cx="794693" cy="6223"/>
+          </a:xfrm>
+          <a:prstGeom prst="straightConnector1">
+            <a:avLst/>
+          </a:prstGeom>
+          <a:ln>
+            <a:solidFill>
+              <a:schemeClr val="tx1"/>
+            </a:solidFill>
+            <a:tailEnd type="triangle"/>
+          </a:ln>
+        </p:spPr>
+        <p:style>
+          <a:lnRef idx="1">
+            <a:schemeClr val="accent1"/>
+          </a:lnRef>
+          <a:fillRef idx="0">
+            <a:schemeClr val="accent1"/>
+          </a:fillRef>
+          <a:effectRef idx="0">
+            <a:schemeClr val="accent1"/>
+          </a:effectRef>
+          <a:fontRef idx="minor">
+            <a:schemeClr val="tx1"/>
+          </a:fontRef>
+        </p:style>
+      </p:cxnSp>
+      <p:sp>
+        <p:nvSpPr>
+          <p:cNvPr id="14" name="TextBox 13"/>
+          <p:cNvSpPr txBox="1"/>
+          <p:nvPr/>
+        </p:nvSpPr>
+        <p:spPr>
+          <a:xfrm>
+            <a:off x="9000136" y="3015098"/>
+            <a:ext cx="553357" cy="246221"/>
+          </a:xfrm>
+          <a:prstGeom prst="rect">
+            <a:avLst/>
+          </a:prstGeom>
+          <a:noFill/>
+        </p:spPr>
+        <p:txBody>
+          <a:bodyPr wrap="none" rtlCol="0">
+            <a:spAutoFit/>
+          </a:bodyPr>
+          <a:lstStyle/>
+          <a:p>
+            <a:r>
+              <a:rPr lang="en-US" sz="1000" dirty="0" err="1" smtClean="0"/>
+              <a:t>Hsync</a:t>
+            </a:r>
+            <a:endParaRPr lang="en-US" sz="1000" dirty="0"/>
+          </a:p>
+        </p:txBody>
+      </p:sp>
+      <p:cxnSp>
+        <p:nvCxnSpPr>
+          <p:cNvPr id="18" name="Straight Arrow Connector 17"/>
+          <p:cNvCxnSpPr/>
+          <p:nvPr/>
+        </p:nvCxnSpPr>
+        <p:spPr>
+          <a:xfrm>
+            <a:off x="8879469" y="3448437"/>
+            <a:ext cx="794693" cy="6223"/>
+          </a:xfrm>
+          <a:prstGeom prst="straightConnector1">
+            <a:avLst/>
+          </a:prstGeom>
+          <a:ln>
+            <a:solidFill>
+              <a:schemeClr val="tx1"/>
+            </a:solidFill>
+            <a:tailEnd type="triangle"/>
+          </a:ln>
+        </p:spPr>
+        <p:style>
+          <a:lnRef idx="1">
+            <a:schemeClr val="accent1"/>
+          </a:lnRef>
+          <a:fillRef idx="0">
+            <a:schemeClr val="accent1"/>
+          </a:fillRef>
+          <a:effectRef idx="0">
+            <a:schemeClr val="accent1"/>
+          </a:effectRef>
+          <a:fontRef idx="minor">
+            <a:schemeClr val="tx1"/>
+          </a:fontRef>
+        </p:style>
+      </p:cxnSp>
+      <p:sp>
+        <p:nvSpPr>
+          <p:cNvPr id="19" name="TextBox 18"/>
+          <p:cNvSpPr txBox="1"/>
+          <p:nvPr/>
+        </p:nvSpPr>
+        <p:spPr>
+          <a:xfrm>
+            <a:off x="9000136" y="3229813"/>
+            <a:ext cx="554960" cy="246221"/>
+          </a:xfrm>
+          <a:prstGeom prst="rect">
+            <a:avLst/>
+          </a:prstGeom>
+          <a:noFill/>
+        </p:spPr>
+        <p:txBody>
+          <a:bodyPr wrap="none" rtlCol="0">
+            <a:spAutoFit/>
+          </a:bodyPr>
+          <a:lstStyle/>
+          <a:p>
+            <a:r>
+              <a:rPr lang="en-US" sz="1000" dirty="0" err="1" smtClean="0"/>
+              <a:t>Vsync</a:t>
+            </a:r>
+            <a:endParaRPr lang="en-US" sz="1000" dirty="0"/>
+          </a:p>
+        </p:txBody>
+      </p:sp>
+      <p:cxnSp>
+        <p:nvCxnSpPr>
+          <p:cNvPr id="20" name="Straight Arrow Connector 19"/>
+          <p:cNvCxnSpPr/>
+          <p:nvPr/>
+        </p:nvCxnSpPr>
+        <p:spPr>
+          <a:xfrm>
+            <a:off x="8879469" y="3696171"/>
+            <a:ext cx="794693" cy="6223"/>
+          </a:xfrm>
+          <a:prstGeom prst="straightConnector1">
+            <a:avLst/>
+          </a:prstGeom>
+          <a:ln>
+            <a:solidFill>
+              <a:schemeClr val="tx1"/>
+            </a:solidFill>
+            <a:tailEnd type="triangle"/>
+          </a:ln>
+        </p:spPr>
+        <p:style>
+          <a:lnRef idx="1">
+            <a:schemeClr val="accent1"/>
+          </a:lnRef>
+          <a:fillRef idx="0">
+            <a:schemeClr val="accent1"/>
+          </a:fillRef>
+          <a:effectRef idx="0">
+            <a:schemeClr val="accent1"/>
+          </a:effectRef>
+          <a:fontRef idx="minor">
+            <a:schemeClr val="tx1"/>
+          </a:fontRef>
+        </p:style>
+      </p:cxnSp>
+      <p:sp>
+        <p:nvSpPr>
+          <p:cNvPr id="21" name="TextBox 20"/>
+          <p:cNvSpPr txBox="1"/>
+          <p:nvPr/>
+        </p:nvSpPr>
+        <p:spPr>
+          <a:xfrm>
+            <a:off x="8866286" y="3479943"/>
+            <a:ext cx="700833" cy="246221"/>
+          </a:xfrm>
+          <a:prstGeom prst="rect">
+            <a:avLst/>
+          </a:prstGeom>
+          <a:noFill/>
+        </p:spPr>
+        <p:txBody>
+          <a:bodyPr wrap="none" rtlCol="0">
+            <a:spAutoFit/>
+          </a:bodyPr>
+          <a:lstStyle/>
+          <a:p>
+            <a:r>
+              <a:rPr lang="en-US" sz="1000" dirty="0" smtClean="0"/>
+              <a:t>Red[3:0]</a:t>
+            </a:r>
+            <a:endParaRPr lang="en-US" sz="1000" dirty="0"/>
+          </a:p>
+        </p:txBody>
+      </p:sp>
+      <p:cxnSp>
+        <p:nvCxnSpPr>
+          <p:cNvPr id="25" name="Straight Arrow Connector 24"/>
+          <p:cNvCxnSpPr/>
+          <p:nvPr/>
+        </p:nvCxnSpPr>
+        <p:spPr>
+          <a:xfrm>
+            <a:off x="8879469" y="3903150"/>
+            <a:ext cx="794693" cy="6223"/>
+          </a:xfrm>
+          <a:prstGeom prst="straightConnector1">
+            <a:avLst/>
+          </a:prstGeom>
+          <a:ln>
+            <a:solidFill>
+              <a:schemeClr val="tx1"/>
+            </a:solidFill>
+            <a:tailEnd type="triangle"/>
+          </a:ln>
+        </p:spPr>
+        <p:style>
+          <a:lnRef idx="1">
+            <a:schemeClr val="accent1"/>
+          </a:lnRef>
+          <a:fillRef idx="0">
+            <a:schemeClr val="accent1"/>
+          </a:fillRef>
+          <a:effectRef idx="0">
+            <a:schemeClr val="accent1"/>
+          </a:effectRef>
+          <a:fontRef idx="minor">
+            <a:schemeClr val="tx1"/>
+          </a:fontRef>
+        </p:style>
+      </p:cxnSp>
+      <p:sp>
+        <p:nvSpPr>
+          <p:cNvPr id="26" name="TextBox 25"/>
+          <p:cNvSpPr txBox="1"/>
+          <p:nvPr/>
+        </p:nvSpPr>
+        <p:spPr>
+          <a:xfrm>
+            <a:off x="8853460" y="3684526"/>
+            <a:ext cx="846707" cy="246221"/>
+          </a:xfrm>
+          <a:prstGeom prst="rect">
+            <a:avLst/>
+          </a:prstGeom>
+          <a:noFill/>
+        </p:spPr>
+        <p:txBody>
+          <a:bodyPr wrap="none" rtlCol="0">
+            <a:spAutoFit/>
+          </a:bodyPr>
+          <a:lstStyle/>
+          <a:p>
+            <a:r>
+              <a:rPr lang="en-US" sz="1000" dirty="0" smtClean="0"/>
+              <a:t>Green[3:0]</a:t>
+            </a:r>
+            <a:endParaRPr lang="en-US" sz="1000" dirty="0"/>
+          </a:p>
+        </p:txBody>
+      </p:sp>
+      <p:cxnSp>
+        <p:nvCxnSpPr>
+          <p:cNvPr id="27" name="Straight Arrow Connector 26"/>
+          <p:cNvCxnSpPr/>
+          <p:nvPr/>
+        </p:nvCxnSpPr>
+        <p:spPr>
+          <a:xfrm>
+            <a:off x="8879469" y="4158428"/>
+            <a:ext cx="794693" cy="6223"/>
+          </a:xfrm>
+          <a:prstGeom prst="straightConnector1">
+            <a:avLst/>
+          </a:prstGeom>
+          <a:ln>
+            <a:solidFill>
+              <a:schemeClr val="tx1"/>
+            </a:solidFill>
+            <a:tailEnd type="triangle"/>
+          </a:ln>
+        </p:spPr>
+        <p:style>
+          <a:lnRef idx="1">
+            <a:schemeClr val="accent1"/>
+          </a:lnRef>
+          <a:fillRef idx="0">
+            <a:schemeClr val="accent1"/>
+          </a:fillRef>
+          <a:effectRef idx="0">
+            <a:schemeClr val="accent1"/>
+          </a:effectRef>
+          <a:fontRef idx="minor">
+            <a:schemeClr val="tx1"/>
+          </a:fontRef>
+        </p:style>
+      </p:cxnSp>
+      <p:sp>
+        <p:nvSpPr>
+          <p:cNvPr id="28" name="TextBox 27"/>
+          <p:cNvSpPr txBox="1"/>
+          <p:nvPr/>
+        </p:nvSpPr>
+        <p:spPr>
+          <a:xfrm>
+            <a:off x="8856164" y="3938205"/>
+            <a:ext cx="712054" cy="246221"/>
+          </a:xfrm>
+          <a:prstGeom prst="rect">
+            <a:avLst/>
+          </a:prstGeom>
+          <a:noFill/>
+        </p:spPr>
+        <p:txBody>
+          <a:bodyPr wrap="none" rtlCol="0">
+            <a:spAutoFit/>
+          </a:bodyPr>
+          <a:lstStyle/>
+          <a:p>
+            <a:r>
+              <a:rPr lang="en-US" sz="1000" dirty="0" smtClean="0"/>
+              <a:t>Blue[3:0]</a:t>
+            </a:r>
+            <a:endParaRPr lang="en-US" sz="1000" dirty="0"/>
+          </a:p>
+        </p:txBody>
+      </p:sp>
+      <p:sp>
+        <p:nvSpPr>
+          <p:cNvPr id="29" name="Rectangle 28"/>
+          <p:cNvSpPr/>
+          <p:nvPr/>
+        </p:nvSpPr>
+        <p:spPr>
+          <a:xfrm>
+            <a:off x="7603129" y="4793035"/>
+            <a:ext cx="1292469" cy="1169377"/>
+          </a:xfrm>
+          <a:prstGeom prst="rect">
+            <a:avLst/>
+          </a:prstGeom>
+          <a:solidFill>
+            <a:schemeClr val="tx1">
+              <a:lumMod val="50000"/>
+              <a:lumOff val="50000"/>
+            </a:schemeClr>
+          </a:solidFill>
+        </p:spPr>
+        <p:style>
+          <a:lnRef idx="2">
+            <a:schemeClr val="accent1">
+              <a:shade val="50000"/>
+            </a:schemeClr>
+          </a:lnRef>
+          <a:fillRef idx="1">
+            <a:schemeClr val="accent1"/>
+          </a:fillRef>
+          <a:effectRef idx="0">
+            <a:schemeClr val="accent1"/>
+          </a:effectRef>
+          <a:fontRef idx="minor">
+            <a:schemeClr val="lt1"/>
+          </a:fontRef>
+        </p:style>
+        <p:txBody>
+          <a:bodyPr rtlCol="0" anchor="ctr"/>
+          <a:lstStyle/>
+          <a:p>
+            <a:pPr algn="ctr"/>
+            <a:r>
+              <a:rPr lang="en-US" sz="1400" dirty="0" smtClean="0"/>
+              <a:t>Dual port </a:t>
+            </a:r>
+            <a:r>
+              <a:rPr lang="en-US" sz="1400" dirty="0" smtClean="0"/>
+              <a:t>RAM</a:t>
+            </a:r>
+            <a:br>
+              <a:rPr lang="en-US" sz="1400" dirty="0" smtClean="0"/>
+            </a:br>
+            <a:r>
+              <a:rPr lang="en-US" sz="1400" dirty="0" smtClean="0"/>
+              <a:t>Full frame buffer</a:t>
+            </a:r>
+            <a:br>
+              <a:rPr lang="en-US" sz="1400" dirty="0" smtClean="0"/>
+            </a:br>
+            <a:r>
+              <a:rPr lang="en-US" sz="1400" dirty="0" smtClean="0"/>
+              <a:t>12x307200</a:t>
+            </a:r>
+            <a:endParaRPr lang="en-US" sz="1400" dirty="0"/>
+          </a:p>
+        </p:txBody>
+      </p:sp>
+      <p:cxnSp>
+        <p:nvCxnSpPr>
+          <p:cNvPr id="22" name="Straight Arrow Connector 21"/>
+          <p:cNvCxnSpPr/>
+          <p:nvPr/>
+        </p:nvCxnSpPr>
+        <p:spPr>
+          <a:xfrm>
+            <a:off x="7820221" y="4238624"/>
+            <a:ext cx="1" cy="554411"/>
+          </a:xfrm>
+          <a:prstGeom prst="straightConnector1">
+            <a:avLst/>
+          </a:prstGeom>
+          <a:ln>
+            <a:solidFill>
+              <a:schemeClr val="tx1"/>
+            </a:solidFill>
+            <a:tailEnd type="triangle"/>
+          </a:ln>
+        </p:spPr>
+        <p:style>
+          <a:lnRef idx="1">
+            <a:schemeClr val="accent1"/>
+          </a:lnRef>
+          <a:fillRef idx="0">
+            <a:schemeClr val="accent1"/>
+          </a:fillRef>
+          <a:effectRef idx="0">
+            <a:schemeClr val="accent1"/>
+          </a:effectRef>
+          <a:fontRef idx="minor">
+            <a:schemeClr val="tx1"/>
+          </a:fontRef>
+        </p:style>
+      </p:cxnSp>
+      <p:sp>
+        <p:nvSpPr>
+          <p:cNvPr id="23" name="TextBox 22"/>
+          <p:cNvSpPr txBox="1"/>
+          <p:nvPr/>
+        </p:nvSpPr>
+        <p:spPr>
+          <a:xfrm rot="5400000">
+            <a:off x="7518965" y="4388703"/>
+            <a:ext cx="792205" cy="200055"/>
+          </a:xfrm>
+          <a:prstGeom prst="rect">
+            <a:avLst/>
+          </a:prstGeom>
+          <a:noFill/>
+        </p:spPr>
+        <p:txBody>
+          <a:bodyPr wrap="none" rtlCol="0">
+            <a:spAutoFit/>
+          </a:bodyPr>
+          <a:lstStyle/>
+          <a:p>
+            <a:r>
+              <a:rPr lang="en-US" sz="700" dirty="0" smtClean="0"/>
+              <a:t>Address [18:0]</a:t>
+            </a:r>
+            <a:endParaRPr lang="en-US" sz="1100" dirty="0"/>
+          </a:p>
+        </p:txBody>
+      </p:sp>
+      <p:cxnSp>
+        <p:nvCxnSpPr>
+          <p:cNvPr id="30" name="Straight Arrow Connector 29"/>
+          <p:cNvCxnSpPr/>
+          <p:nvPr/>
+        </p:nvCxnSpPr>
+        <p:spPr>
+          <a:xfrm>
+            <a:off x="8089747" y="4238624"/>
+            <a:ext cx="1" cy="554411"/>
+          </a:xfrm>
+          <a:prstGeom prst="straightConnector1">
+            <a:avLst/>
+          </a:prstGeom>
+          <a:ln>
+            <a:solidFill>
+              <a:schemeClr val="tx1"/>
+            </a:solidFill>
+            <a:tailEnd type="triangle"/>
+          </a:ln>
+        </p:spPr>
+        <p:style>
+          <a:lnRef idx="1">
+            <a:schemeClr val="accent1"/>
+          </a:lnRef>
+          <a:fillRef idx="0">
+            <a:schemeClr val="accent1"/>
+          </a:fillRef>
+          <a:effectRef idx="0">
+            <a:schemeClr val="accent1"/>
+          </a:effectRef>
+          <a:fontRef idx="minor">
+            <a:schemeClr val="tx1"/>
+          </a:fontRef>
+        </p:style>
+      </p:cxnSp>
+      <p:sp>
+        <p:nvSpPr>
+          <p:cNvPr id="31" name="TextBox 30"/>
+          <p:cNvSpPr txBox="1"/>
+          <p:nvPr/>
+        </p:nvSpPr>
+        <p:spPr>
+          <a:xfrm rot="5400000">
+            <a:off x="7863031" y="4388703"/>
+            <a:ext cx="643125" cy="200055"/>
+          </a:xfrm>
+          <a:prstGeom prst="rect">
+            <a:avLst/>
+          </a:prstGeom>
+          <a:noFill/>
+        </p:spPr>
+        <p:txBody>
+          <a:bodyPr wrap="none" rtlCol="0">
+            <a:spAutoFit/>
+          </a:bodyPr>
+          <a:lstStyle/>
+          <a:p>
+            <a:r>
+              <a:rPr lang="en-US" sz="700" dirty="0" smtClean="0"/>
+              <a:t>Data[11:0]</a:t>
+            </a:r>
+            <a:endParaRPr lang="en-US" sz="700" dirty="0"/>
+          </a:p>
+        </p:txBody>
+      </p:sp>
+      <p:sp>
+        <p:nvSpPr>
+          <p:cNvPr id="34" name="Rectangle 33"/>
+          <p:cNvSpPr/>
+          <p:nvPr/>
+        </p:nvSpPr>
+        <p:spPr>
+          <a:xfrm>
+            <a:off x="1344141" y="2514600"/>
+            <a:ext cx="1274884" cy="3248026"/>
+          </a:xfrm>
+          <a:prstGeom prst="rect">
+            <a:avLst/>
+          </a:prstGeom>
+        </p:spPr>
+        <p:style>
+          <a:lnRef idx="2">
+            <a:schemeClr val="accent1">
+              <a:shade val="50000"/>
+            </a:schemeClr>
+          </a:lnRef>
+          <a:fillRef idx="1">
+            <a:schemeClr val="accent1"/>
+          </a:fillRef>
+          <a:effectRef idx="0">
+            <a:schemeClr val="accent1"/>
+          </a:effectRef>
+          <a:fontRef idx="minor">
+            <a:schemeClr val="lt1"/>
+          </a:fontRef>
+        </p:style>
+        <p:txBody>
+          <a:bodyPr rtlCol="0" anchor="b"/>
+          <a:lstStyle/>
+          <a:p>
+            <a:pPr algn="ctr"/>
+            <a:r>
+              <a:rPr lang="en-US" dirty="0" smtClean="0"/>
+              <a:t>OV7670 to 2x PMOD con</a:t>
+            </a:r>
+            <a:endParaRPr lang="en-US" dirty="0"/>
+          </a:p>
+        </p:txBody>
+      </p:sp>
+      <p:pic>
+        <p:nvPicPr>
+          <p:cNvPr id="33" name="Picture 32"/>
+          <p:cNvPicPr>
+            <a:picLocks noChangeAspect="1"/>
+          </p:cNvPicPr>
+          <p:nvPr/>
+        </p:nvPicPr>
+        <p:blipFill>
+          <a:blip r:embed="rId4" cstate="print">
+            <a:extLst>
+              <a:ext uri="{28A0092B-C50C-407E-A947-70E740481C1C}">
+                <a14:useLocalDpi xmlns:a14="http://schemas.microsoft.com/office/drawing/2010/main" val="0"/>
+              </a:ext>
+            </a:extLst>
+          </a:blip>
+          <a:stretch>
+            <a:fillRect/>
+          </a:stretch>
+        </p:blipFill>
+        <p:spPr>
+          <a:xfrm>
+            <a:off x="1441431" y="2514600"/>
+            <a:ext cx="1088497" cy="933837"/>
+          </a:xfrm>
+          <a:prstGeom prst="rect">
+            <a:avLst/>
+          </a:prstGeom>
+          <a:ln>
+            <a:solidFill>
+              <a:schemeClr val="tx1"/>
+            </a:solidFill>
+          </a:ln>
+        </p:spPr>
+      </p:pic>
+      <p:sp>
+        <p:nvSpPr>
+          <p:cNvPr id="35" name="Rectangle 34"/>
+          <p:cNvSpPr/>
+          <p:nvPr/>
+        </p:nvSpPr>
+        <p:spPr>
+          <a:xfrm>
+            <a:off x="4225392" y="2652144"/>
+            <a:ext cx="1292469" cy="1169377"/>
+          </a:xfrm>
+          <a:prstGeom prst="rect">
+            <a:avLst/>
+          </a:prstGeom>
+          <a:solidFill>
+            <a:schemeClr val="tx1">
+              <a:lumMod val="50000"/>
+              <a:lumOff val="50000"/>
+            </a:schemeClr>
+          </a:solidFill>
+        </p:spPr>
+        <p:style>
+          <a:lnRef idx="2">
+            <a:schemeClr val="accent1">
+              <a:shade val="50000"/>
+            </a:schemeClr>
+          </a:lnRef>
+          <a:fillRef idx="1">
+            <a:schemeClr val="accent1"/>
+          </a:fillRef>
+          <a:effectRef idx="0">
+            <a:schemeClr val="accent1"/>
+          </a:effectRef>
+          <a:fontRef idx="minor">
+            <a:schemeClr val="lt1"/>
+          </a:fontRef>
+        </p:style>
+        <p:txBody>
+          <a:bodyPr rtlCol="0" anchor="ctr"/>
+          <a:lstStyle/>
+          <a:p>
+            <a:pPr algn="ctr"/>
+            <a:r>
+              <a:rPr lang="en-US" sz="1400" dirty="0" smtClean="0"/>
+              <a:t>I2C Sender </a:t>
+            </a:r>
+            <a:br>
+              <a:rPr lang="en-US" sz="1400" dirty="0" smtClean="0"/>
+            </a:br>
+            <a:r>
+              <a:rPr lang="en-US" sz="1400" dirty="0" smtClean="0"/>
+              <a:t>+</a:t>
+            </a:r>
+            <a:br>
+              <a:rPr lang="en-US" sz="1400" dirty="0" smtClean="0"/>
+            </a:br>
+            <a:r>
+              <a:rPr lang="en-US" sz="1400" dirty="0" smtClean="0"/>
+              <a:t>Registers</a:t>
+            </a:r>
+            <a:br>
+              <a:rPr lang="en-US" sz="1400" dirty="0" smtClean="0"/>
+            </a:br>
+            <a:r>
+              <a:rPr lang="en-US" sz="1400" dirty="0" smtClean="0"/>
+              <a:t>buffer</a:t>
+            </a:r>
+            <a:endParaRPr lang="en-US" sz="1400" dirty="0"/>
+          </a:p>
+        </p:txBody>
+      </p:sp>
+      <p:cxnSp>
+        <p:nvCxnSpPr>
+          <p:cNvPr id="15" name="Straight Arrow Connector 14"/>
+          <p:cNvCxnSpPr/>
+          <p:nvPr/>
+        </p:nvCxnSpPr>
+        <p:spPr>
+          <a:xfrm flipH="1">
+            <a:off x="2615167" y="2781300"/>
+            <a:ext cx="1623408" cy="0"/>
+          </a:xfrm>
+          <a:prstGeom prst="straightConnector1">
+            <a:avLst/>
+          </a:prstGeom>
+          <a:ln>
+            <a:solidFill>
+              <a:schemeClr val="tx1"/>
+            </a:solidFill>
+            <a:tailEnd type="triangle"/>
+          </a:ln>
+        </p:spPr>
+        <p:style>
+          <a:lnRef idx="1">
+            <a:schemeClr val="accent1"/>
+          </a:lnRef>
+          <a:fillRef idx="0">
+            <a:schemeClr val="accent1"/>
+          </a:fillRef>
+          <a:effectRef idx="0">
+            <a:schemeClr val="accent1"/>
+          </a:effectRef>
+          <a:fontRef idx="minor">
+            <a:schemeClr val="tx1"/>
+          </a:fontRef>
+        </p:style>
+      </p:cxnSp>
+      <p:sp>
+        <p:nvSpPr>
+          <p:cNvPr id="36" name="TextBox 35"/>
+          <p:cNvSpPr txBox="1"/>
+          <p:nvPr/>
+        </p:nvSpPr>
+        <p:spPr>
+          <a:xfrm>
+            <a:off x="2676365" y="2524838"/>
+            <a:ext cx="1176925" cy="246221"/>
+          </a:xfrm>
+          <a:prstGeom prst="rect">
+            <a:avLst/>
+          </a:prstGeom>
+          <a:noFill/>
+        </p:spPr>
+        <p:txBody>
+          <a:bodyPr wrap="none" rtlCol="0">
+            <a:spAutoFit/>
+          </a:bodyPr>
+          <a:lstStyle/>
+          <a:p>
+            <a:r>
+              <a:rPr lang="en-US" sz="1000" dirty="0" smtClean="0"/>
+              <a:t>SDA (Write only)</a:t>
+            </a:r>
+            <a:endParaRPr lang="en-US" sz="1000" dirty="0"/>
+          </a:p>
+        </p:txBody>
+      </p:sp>
+      <p:cxnSp>
+        <p:nvCxnSpPr>
+          <p:cNvPr id="37" name="Straight Arrow Connector 36"/>
+          <p:cNvCxnSpPr/>
+          <p:nvPr/>
+        </p:nvCxnSpPr>
+        <p:spPr>
+          <a:xfrm flipH="1">
+            <a:off x="2615167" y="3048001"/>
+            <a:ext cx="1623408" cy="0"/>
+          </a:xfrm>
+          <a:prstGeom prst="straightConnector1">
+            <a:avLst/>
+          </a:prstGeom>
+          <a:ln>
+            <a:solidFill>
+              <a:schemeClr val="tx1"/>
+            </a:solidFill>
+            <a:tailEnd type="triangle"/>
+          </a:ln>
+        </p:spPr>
+        <p:style>
+          <a:lnRef idx="1">
+            <a:schemeClr val="accent1"/>
+          </a:lnRef>
+          <a:fillRef idx="0">
+            <a:schemeClr val="accent1"/>
+          </a:fillRef>
+          <a:effectRef idx="0">
+            <a:schemeClr val="accent1"/>
+          </a:effectRef>
+          <a:fontRef idx="minor">
+            <a:schemeClr val="tx1"/>
+          </a:fontRef>
+        </p:style>
+      </p:cxnSp>
+      <p:sp>
+        <p:nvSpPr>
+          <p:cNvPr id="38" name="TextBox 37"/>
+          <p:cNvSpPr txBox="1"/>
+          <p:nvPr/>
+        </p:nvSpPr>
+        <p:spPr>
+          <a:xfrm>
+            <a:off x="2676365" y="2791539"/>
+            <a:ext cx="412292" cy="246221"/>
+          </a:xfrm>
+          <a:prstGeom prst="rect">
+            <a:avLst/>
+          </a:prstGeom>
+          <a:noFill/>
+        </p:spPr>
+        <p:txBody>
+          <a:bodyPr wrap="none" rtlCol="0">
+            <a:spAutoFit/>
+          </a:bodyPr>
+          <a:lstStyle/>
+          <a:p>
+            <a:r>
+              <a:rPr lang="en-US" sz="1000" dirty="0" smtClean="0"/>
+              <a:t>SCL</a:t>
+            </a:r>
+            <a:endParaRPr lang="en-US" sz="1000" dirty="0"/>
+          </a:p>
+        </p:txBody>
+      </p:sp>
+      <p:sp>
+        <p:nvSpPr>
+          <p:cNvPr id="39" name="Rectangle 38"/>
+          <p:cNvSpPr/>
+          <p:nvPr/>
+        </p:nvSpPr>
+        <p:spPr>
+          <a:xfrm>
+            <a:off x="4225392" y="4183673"/>
+            <a:ext cx="1292469" cy="1578952"/>
+          </a:xfrm>
+          <a:prstGeom prst="rect">
+            <a:avLst/>
+          </a:prstGeom>
+          <a:solidFill>
+            <a:schemeClr val="tx1">
+              <a:lumMod val="50000"/>
+              <a:lumOff val="50000"/>
+            </a:schemeClr>
+          </a:solidFill>
+        </p:spPr>
+        <p:style>
+          <a:lnRef idx="2">
+            <a:schemeClr val="accent1">
+              <a:shade val="50000"/>
+            </a:schemeClr>
+          </a:lnRef>
+          <a:fillRef idx="1">
+            <a:schemeClr val="accent1"/>
+          </a:fillRef>
+          <a:effectRef idx="0">
+            <a:schemeClr val="accent1"/>
+          </a:effectRef>
+          <a:fontRef idx="minor">
+            <a:schemeClr val="lt1"/>
+          </a:fontRef>
+        </p:style>
+        <p:txBody>
+          <a:bodyPr rtlCol="0" anchor="ctr"/>
+          <a:lstStyle/>
+          <a:p>
+            <a:pPr algn="ctr"/>
+            <a:r>
+              <a:rPr lang="en-US" sz="1400" dirty="0" smtClean="0"/>
+              <a:t>OV7670 Capture and filter</a:t>
+            </a:r>
+            <a:endParaRPr lang="en-US" sz="1400" dirty="0"/>
+          </a:p>
+        </p:txBody>
+      </p:sp>
+      <p:cxnSp>
+        <p:nvCxnSpPr>
+          <p:cNvPr id="40" name="Straight Arrow Connector 39"/>
+          <p:cNvCxnSpPr/>
+          <p:nvPr/>
+        </p:nvCxnSpPr>
+        <p:spPr>
+          <a:xfrm flipH="1">
+            <a:off x="2596072" y="4368978"/>
+            <a:ext cx="1623408" cy="0"/>
+          </a:xfrm>
+          <a:prstGeom prst="straightConnector1">
+            <a:avLst/>
+          </a:prstGeom>
+          <a:ln>
+            <a:solidFill>
+              <a:schemeClr val="tx1"/>
+            </a:solidFill>
+            <a:tailEnd type="triangle"/>
+          </a:ln>
+        </p:spPr>
+        <p:style>
+          <a:lnRef idx="1">
+            <a:schemeClr val="accent1"/>
+          </a:lnRef>
+          <a:fillRef idx="0">
+            <a:schemeClr val="accent1"/>
+          </a:fillRef>
+          <a:effectRef idx="0">
+            <a:schemeClr val="accent1"/>
+          </a:effectRef>
+          <a:fontRef idx="minor">
+            <a:schemeClr val="tx1"/>
+          </a:fontRef>
+        </p:style>
+      </p:cxnSp>
+      <p:sp>
+        <p:nvSpPr>
+          <p:cNvPr id="41" name="TextBox 40"/>
+          <p:cNvSpPr txBox="1"/>
+          <p:nvPr/>
+        </p:nvSpPr>
+        <p:spPr>
+          <a:xfrm>
+            <a:off x="2657270" y="4112516"/>
+            <a:ext cx="974947" cy="246221"/>
+          </a:xfrm>
+          <a:prstGeom prst="rect">
+            <a:avLst/>
+          </a:prstGeom>
+          <a:noFill/>
+        </p:spPr>
+        <p:txBody>
+          <a:bodyPr wrap="none" rtlCol="0">
+            <a:spAutoFit/>
+          </a:bodyPr>
+          <a:lstStyle/>
+          <a:p>
+            <a:r>
+              <a:rPr lang="en-US" sz="1000" dirty="0" smtClean="0"/>
+              <a:t>XCLK 24 MHz</a:t>
+            </a:r>
+            <a:endParaRPr lang="en-US" sz="1000" dirty="0"/>
+          </a:p>
+        </p:txBody>
+      </p:sp>
+      <p:sp>
+        <p:nvSpPr>
+          <p:cNvPr id="43" name="TextBox 42"/>
+          <p:cNvSpPr txBox="1"/>
+          <p:nvPr/>
+        </p:nvSpPr>
+        <p:spPr>
+          <a:xfrm>
+            <a:off x="2671513" y="4400806"/>
+            <a:ext cx="498855" cy="246221"/>
+          </a:xfrm>
+          <a:prstGeom prst="rect">
+            <a:avLst/>
+          </a:prstGeom>
+          <a:noFill/>
+        </p:spPr>
+        <p:txBody>
+          <a:bodyPr wrap="none" rtlCol="0">
+            <a:spAutoFit/>
+          </a:bodyPr>
+          <a:lstStyle/>
+          <a:p>
+            <a:r>
+              <a:rPr lang="en-US" sz="1000" dirty="0" smtClean="0"/>
+              <a:t>PCLK</a:t>
+            </a:r>
+            <a:endParaRPr lang="en-US" sz="1000" dirty="0"/>
+          </a:p>
+        </p:txBody>
+      </p:sp>
+      <p:sp>
+        <p:nvSpPr>
+          <p:cNvPr id="45" name="TextBox 44"/>
+          <p:cNvSpPr txBox="1"/>
+          <p:nvPr/>
+        </p:nvSpPr>
+        <p:spPr>
+          <a:xfrm>
+            <a:off x="2671513" y="4699597"/>
+            <a:ext cx="336952" cy="246221"/>
+          </a:xfrm>
+          <a:prstGeom prst="rect">
+            <a:avLst/>
+          </a:prstGeom>
+          <a:noFill/>
+        </p:spPr>
+        <p:txBody>
+          <a:bodyPr wrap="none" rtlCol="0">
+            <a:spAutoFit/>
+          </a:bodyPr>
+          <a:lstStyle/>
+          <a:p>
+            <a:r>
+              <a:rPr lang="en-US" sz="1000" dirty="0" smtClean="0"/>
+              <a:t>HS</a:t>
+            </a:r>
+            <a:endParaRPr lang="en-US" sz="1000" dirty="0"/>
+          </a:p>
+        </p:txBody>
+      </p:sp>
+      <p:sp>
+        <p:nvSpPr>
+          <p:cNvPr id="47" name="TextBox 46"/>
+          <p:cNvSpPr txBox="1"/>
+          <p:nvPr/>
+        </p:nvSpPr>
+        <p:spPr>
+          <a:xfrm>
+            <a:off x="2657270" y="5033785"/>
+            <a:ext cx="612668" cy="246221"/>
+          </a:xfrm>
+          <a:prstGeom prst="rect">
+            <a:avLst/>
+          </a:prstGeom>
+          <a:noFill/>
+        </p:spPr>
+        <p:txBody>
+          <a:bodyPr wrap="none" rtlCol="0">
+            <a:spAutoFit/>
+          </a:bodyPr>
+          <a:lstStyle/>
+          <a:p>
+            <a:r>
+              <a:rPr lang="en-US" sz="1000" dirty="0" smtClean="0"/>
+              <a:t>VSYNC</a:t>
+            </a:r>
+            <a:endParaRPr lang="en-US" sz="1000" dirty="0"/>
+          </a:p>
+        </p:txBody>
+      </p:sp>
+      <p:cxnSp>
+        <p:nvCxnSpPr>
+          <p:cNvPr id="17" name="Straight Arrow Connector 16"/>
+          <p:cNvCxnSpPr/>
+          <p:nvPr/>
+        </p:nvCxnSpPr>
+        <p:spPr>
+          <a:xfrm>
+            <a:off x="2615167" y="4647027"/>
+            <a:ext cx="1623408" cy="0"/>
+          </a:xfrm>
+          <a:prstGeom prst="straightConnector1">
+            <a:avLst/>
+          </a:prstGeom>
+          <a:ln>
+            <a:solidFill>
+              <a:schemeClr val="tx1"/>
+            </a:solidFill>
+            <a:tailEnd type="triangle"/>
+          </a:ln>
+        </p:spPr>
+        <p:style>
+          <a:lnRef idx="1">
+            <a:schemeClr val="accent1"/>
+          </a:lnRef>
+          <a:fillRef idx="0">
+            <a:schemeClr val="accent1"/>
+          </a:fillRef>
+          <a:effectRef idx="0">
+            <a:schemeClr val="accent1"/>
+          </a:effectRef>
+          <a:fontRef idx="minor">
+            <a:schemeClr val="tx1"/>
+          </a:fontRef>
+        </p:style>
+      </p:cxnSp>
+      <p:cxnSp>
+        <p:nvCxnSpPr>
+          <p:cNvPr id="48" name="Straight Arrow Connector 47"/>
+          <p:cNvCxnSpPr/>
+          <p:nvPr/>
+        </p:nvCxnSpPr>
+        <p:spPr>
+          <a:xfrm>
+            <a:off x="2615167" y="4944645"/>
+            <a:ext cx="1623408" cy="0"/>
+          </a:xfrm>
+          <a:prstGeom prst="straightConnector1">
+            <a:avLst/>
+          </a:prstGeom>
+          <a:ln>
+            <a:solidFill>
+              <a:schemeClr val="tx1"/>
+            </a:solidFill>
+            <a:tailEnd type="triangle"/>
+          </a:ln>
+        </p:spPr>
+        <p:style>
+          <a:lnRef idx="1">
+            <a:schemeClr val="accent1"/>
+          </a:lnRef>
+          <a:fillRef idx="0">
+            <a:schemeClr val="accent1"/>
+          </a:fillRef>
+          <a:effectRef idx="0">
+            <a:schemeClr val="accent1"/>
+          </a:effectRef>
+          <a:fontRef idx="minor">
+            <a:schemeClr val="tx1"/>
+          </a:fontRef>
+        </p:style>
+      </p:cxnSp>
+      <p:cxnSp>
+        <p:nvCxnSpPr>
+          <p:cNvPr id="49" name="Straight Arrow Connector 48"/>
+          <p:cNvCxnSpPr/>
+          <p:nvPr/>
+        </p:nvCxnSpPr>
+        <p:spPr>
+          <a:xfrm>
+            <a:off x="2615167" y="5280006"/>
+            <a:ext cx="1623408" cy="0"/>
+          </a:xfrm>
+          <a:prstGeom prst="straightConnector1">
+            <a:avLst/>
+          </a:prstGeom>
+          <a:ln>
+            <a:solidFill>
+              <a:schemeClr val="tx1"/>
+            </a:solidFill>
+            <a:tailEnd type="triangle"/>
+          </a:ln>
+        </p:spPr>
+        <p:style>
+          <a:lnRef idx="1">
+            <a:schemeClr val="accent1"/>
+          </a:lnRef>
+          <a:fillRef idx="0">
+            <a:schemeClr val="accent1"/>
+          </a:fillRef>
+          <a:effectRef idx="0">
+            <a:schemeClr val="accent1"/>
+          </a:effectRef>
+          <a:fontRef idx="minor">
+            <a:schemeClr val="tx1"/>
+          </a:fontRef>
+        </p:style>
+      </p:cxnSp>
+      <p:sp>
+        <p:nvSpPr>
+          <p:cNvPr id="50" name="TextBox 49"/>
+          <p:cNvSpPr txBox="1"/>
+          <p:nvPr/>
+        </p:nvSpPr>
+        <p:spPr>
+          <a:xfrm>
+            <a:off x="2657270" y="5369145"/>
+            <a:ext cx="766557" cy="246221"/>
+          </a:xfrm>
+          <a:prstGeom prst="rect">
+            <a:avLst/>
+          </a:prstGeom>
+          <a:noFill/>
+        </p:spPr>
+        <p:txBody>
+          <a:bodyPr wrap="none" rtlCol="0">
+            <a:spAutoFit/>
+          </a:bodyPr>
+          <a:lstStyle/>
+          <a:p>
+            <a:r>
+              <a:rPr lang="en-US" sz="1000" dirty="0" smtClean="0"/>
+              <a:t>Data[7:0]</a:t>
+            </a:r>
+            <a:endParaRPr lang="en-US" sz="1000" dirty="0"/>
+          </a:p>
+        </p:txBody>
+      </p:sp>
+      <p:cxnSp>
+        <p:nvCxnSpPr>
+          <p:cNvPr id="51" name="Straight Arrow Connector 50"/>
+          <p:cNvCxnSpPr/>
+          <p:nvPr/>
+        </p:nvCxnSpPr>
+        <p:spPr>
+          <a:xfrm>
+            <a:off x="2615167" y="5615366"/>
+            <a:ext cx="1623408" cy="0"/>
+          </a:xfrm>
+          <a:prstGeom prst="straightConnector1">
+            <a:avLst/>
+          </a:prstGeom>
+          <a:ln>
+            <a:solidFill>
+              <a:schemeClr val="tx1"/>
+            </a:solidFill>
+            <a:tailEnd type="triangle"/>
+          </a:ln>
+        </p:spPr>
+        <p:style>
+          <a:lnRef idx="1">
+            <a:schemeClr val="accent1"/>
+          </a:lnRef>
+          <a:fillRef idx="0">
+            <a:schemeClr val="accent1"/>
+          </a:fillRef>
+          <a:effectRef idx="0">
+            <a:schemeClr val="accent1"/>
+          </a:effectRef>
+          <a:fontRef idx="minor">
+            <a:schemeClr val="tx1"/>
+          </a:fontRef>
+        </p:style>
+      </p:cxnSp>
+      <p:cxnSp>
+        <p:nvCxnSpPr>
+          <p:cNvPr id="52" name="Elbow Connector 51"/>
+          <p:cNvCxnSpPr>
+            <a:stCxn id="35" idx="3"/>
+            <a:endCxn id="39" idx="0"/>
+          </p:cNvCxnSpPr>
+          <p:nvPr/>
+        </p:nvCxnSpPr>
+        <p:spPr>
+          <a:xfrm flipH="1">
+            <a:off x="4871627" y="3236833"/>
+            <a:ext cx="646234" cy="946840"/>
+          </a:xfrm>
+          <a:prstGeom prst="bentConnector4">
+            <a:avLst>
+              <a:gd name="adj1" fmla="val -35374"/>
+              <a:gd name="adj2" fmla="val 80876"/>
+            </a:avLst>
+          </a:prstGeom>
+          <a:ln>
+            <a:solidFill>
+              <a:schemeClr val="tx1"/>
+            </a:solidFill>
+            <a:tailEnd type="triangle"/>
+          </a:ln>
+        </p:spPr>
+        <p:style>
+          <a:lnRef idx="1">
+            <a:schemeClr val="accent1"/>
+          </a:lnRef>
+          <a:fillRef idx="0">
+            <a:schemeClr val="accent1"/>
+          </a:fillRef>
+          <a:effectRef idx="0">
+            <a:schemeClr val="accent1"/>
+          </a:effectRef>
+          <a:fontRef idx="minor">
+            <a:schemeClr val="tx1"/>
+          </a:fontRef>
+        </p:style>
+      </p:cxnSp>
+      <p:sp>
+        <p:nvSpPr>
+          <p:cNvPr id="54" name="Rectangle 53"/>
+          <p:cNvSpPr/>
+          <p:nvPr/>
+        </p:nvSpPr>
+        <p:spPr>
+          <a:xfrm>
+            <a:off x="2849399" y="5946414"/>
+            <a:ext cx="704850" cy="295073"/>
+          </a:xfrm>
+          <a:prstGeom prst="rect">
+            <a:avLst/>
+          </a:prstGeom>
+        </p:spPr>
+        <p:style>
+          <a:lnRef idx="2">
+            <a:schemeClr val="accent1">
+              <a:shade val="50000"/>
+            </a:schemeClr>
+          </a:lnRef>
+          <a:fillRef idx="1">
+            <a:schemeClr val="accent1"/>
+          </a:fillRef>
+          <a:effectRef idx="0">
+            <a:schemeClr val="accent1"/>
+          </a:effectRef>
+          <a:fontRef idx="minor">
+            <a:schemeClr val="lt1"/>
+          </a:fontRef>
+        </p:style>
+        <p:txBody>
+          <a:bodyPr rtlCol="0" anchor="ctr"/>
+          <a:lstStyle/>
+          <a:p>
+            <a:pPr algn="ctr"/>
+            <a:r>
+              <a:rPr lang="en-US" sz="1100" dirty="0" smtClean="0"/>
+              <a:t>100MHz</a:t>
+            </a:r>
+            <a:endParaRPr lang="en-US" sz="1100" dirty="0"/>
+          </a:p>
+        </p:txBody>
+      </p:sp>
+      <p:cxnSp>
+        <p:nvCxnSpPr>
+          <p:cNvPr id="58" name="Straight Arrow Connector 57"/>
+          <p:cNvCxnSpPr>
+            <a:stCxn id="54" idx="3"/>
+            <a:endCxn id="61" idx="1"/>
+          </p:cNvCxnSpPr>
+          <p:nvPr/>
+        </p:nvCxnSpPr>
+        <p:spPr>
+          <a:xfrm>
+            <a:off x="3554249" y="6093951"/>
+            <a:ext cx="684326" cy="5346"/>
+          </a:xfrm>
+          <a:prstGeom prst="straightConnector1">
+            <a:avLst/>
+          </a:prstGeom>
+          <a:ln>
+            <a:solidFill>
+              <a:schemeClr val="tx1"/>
+            </a:solidFill>
+            <a:tailEnd type="triangle"/>
+          </a:ln>
+        </p:spPr>
+        <p:style>
+          <a:lnRef idx="1">
+            <a:schemeClr val="accent1"/>
+          </a:lnRef>
+          <a:fillRef idx="0">
+            <a:schemeClr val="accent1"/>
+          </a:fillRef>
+          <a:effectRef idx="0">
+            <a:schemeClr val="accent1"/>
+          </a:effectRef>
+          <a:fontRef idx="minor">
+            <a:schemeClr val="tx1"/>
+          </a:fontRef>
+        </p:style>
+      </p:cxnSp>
+      <p:sp>
+        <p:nvSpPr>
+          <p:cNvPr id="61" name="Rectangle 60"/>
+          <p:cNvSpPr/>
+          <p:nvPr/>
+        </p:nvSpPr>
+        <p:spPr>
+          <a:xfrm>
+            <a:off x="4238575" y="5931773"/>
+            <a:ext cx="1292469" cy="335047"/>
+          </a:xfrm>
+          <a:prstGeom prst="rect">
+            <a:avLst/>
+          </a:prstGeom>
+          <a:solidFill>
+            <a:schemeClr val="tx1">
+              <a:lumMod val="50000"/>
+              <a:lumOff val="50000"/>
+            </a:schemeClr>
+          </a:solidFill>
+        </p:spPr>
+        <p:style>
+          <a:lnRef idx="2">
+            <a:schemeClr val="accent1">
+              <a:shade val="50000"/>
+            </a:schemeClr>
+          </a:lnRef>
+          <a:fillRef idx="1">
+            <a:schemeClr val="accent1"/>
+          </a:fillRef>
+          <a:effectRef idx="0">
+            <a:schemeClr val="accent1"/>
+          </a:effectRef>
+          <a:fontRef idx="minor">
+            <a:schemeClr val="lt1"/>
+          </a:fontRef>
+        </p:style>
+        <p:txBody>
+          <a:bodyPr rtlCol="0" anchor="ctr"/>
+          <a:lstStyle/>
+          <a:p>
+            <a:pPr algn="ctr"/>
+            <a:r>
+              <a:rPr lang="en-US" sz="1400" dirty="0" smtClean="0"/>
+              <a:t>PLL</a:t>
+            </a:r>
+            <a:endParaRPr lang="en-US" sz="1400" dirty="0"/>
+          </a:p>
+        </p:txBody>
+      </p:sp>
+      <p:sp>
+        <p:nvSpPr>
+          <p:cNvPr id="66" name="Rectangle 65"/>
+          <p:cNvSpPr/>
+          <p:nvPr/>
+        </p:nvSpPr>
+        <p:spPr>
+          <a:xfrm>
+            <a:off x="5834090" y="5862652"/>
+            <a:ext cx="696118" cy="167524"/>
+          </a:xfrm>
+          <a:prstGeom prst="rect">
+            <a:avLst/>
+          </a:prstGeom>
+          <a:solidFill>
+            <a:schemeClr val="tx1">
+              <a:lumMod val="50000"/>
+              <a:lumOff val="50000"/>
+            </a:schemeClr>
+          </a:solidFill>
+        </p:spPr>
+        <p:style>
+          <a:lnRef idx="2">
+            <a:schemeClr val="accent1">
+              <a:shade val="50000"/>
+            </a:schemeClr>
+          </a:lnRef>
+          <a:fillRef idx="1">
+            <a:schemeClr val="accent1"/>
+          </a:fillRef>
+          <a:effectRef idx="0">
+            <a:schemeClr val="accent1"/>
+          </a:effectRef>
+          <a:fontRef idx="minor">
+            <a:schemeClr val="lt1"/>
+          </a:fontRef>
+        </p:style>
+        <p:txBody>
+          <a:bodyPr rtlCol="0" anchor="ctr"/>
+          <a:lstStyle/>
+          <a:p>
+            <a:pPr algn="ctr"/>
+            <a:r>
+              <a:rPr lang="en-US" sz="1000" dirty="0" smtClean="0"/>
+              <a:t>100MHz</a:t>
+            </a:r>
+            <a:endParaRPr lang="en-US" sz="1000" dirty="0"/>
+          </a:p>
+        </p:txBody>
+      </p:sp>
+      <p:sp>
+        <p:nvSpPr>
+          <p:cNvPr id="67" name="Rectangle 66"/>
+          <p:cNvSpPr/>
+          <p:nvPr/>
+        </p:nvSpPr>
+        <p:spPr>
+          <a:xfrm>
+            <a:off x="5830256" y="6183058"/>
+            <a:ext cx="696118" cy="167524"/>
+          </a:xfrm>
+          <a:prstGeom prst="rect">
+            <a:avLst/>
+          </a:prstGeom>
+          <a:solidFill>
+            <a:schemeClr val="tx1">
+              <a:lumMod val="50000"/>
+              <a:lumOff val="50000"/>
+            </a:schemeClr>
+          </a:solidFill>
+        </p:spPr>
+        <p:style>
+          <a:lnRef idx="2">
+            <a:schemeClr val="accent1">
+              <a:shade val="50000"/>
+            </a:schemeClr>
+          </a:lnRef>
+          <a:fillRef idx="1">
+            <a:schemeClr val="accent1"/>
+          </a:fillRef>
+          <a:effectRef idx="0">
+            <a:schemeClr val="accent1"/>
+          </a:effectRef>
+          <a:fontRef idx="minor">
+            <a:schemeClr val="lt1"/>
+          </a:fontRef>
+        </p:style>
+        <p:txBody>
+          <a:bodyPr rtlCol="0" anchor="ctr"/>
+          <a:lstStyle/>
+          <a:p>
+            <a:pPr algn="ctr"/>
+            <a:r>
+              <a:rPr lang="en-US" sz="1000" dirty="0" smtClean="0"/>
+              <a:t>25MHZ</a:t>
+            </a:r>
+            <a:endParaRPr lang="en-US" sz="1000" dirty="0"/>
+          </a:p>
+        </p:txBody>
+      </p:sp>
+      <p:cxnSp>
+        <p:nvCxnSpPr>
+          <p:cNvPr id="69" name="Elbow Connector 68"/>
+          <p:cNvCxnSpPr>
+            <a:stCxn id="61" idx="3"/>
+            <a:endCxn id="66" idx="1"/>
+          </p:cNvCxnSpPr>
+          <p:nvPr/>
+        </p:nvCxnSpPr>
+        <p:spPr>
+          <a:xfrm flipV="1">
+            <a:off x="5531044" y="5946414"/>
+            <a:ext cx="303046" cy="152883"/>
+          </a:xfrm>
+          <a:prstGeom prst="bentConnector3">
+            <a:avLst/>
+          </a:prstGeom>
+          <a:ln>
+            <a:solidFill>
+              <a:schemeClr val="tx1"/>
+            </a:solidFill>
+            <a:tailEnd type="triangle"/>
+          </a:ln>
+        </p:spPr>
+        <p:style>
+          <a:lnRef idx="1">
+            <a:schemeClr val="accent1"/>
+          </a:lnRef>
+          <a:fillRef idx="0">
+            <a:schemeClr val="accent1"/>
+          </a:fillRef>
+          <a:effectRef idx="0">
+            <a:schemeClr val="accent1"/>
+          </a:effectRef>
+          <a:fontRef idx="minor">
+            <a:schemeClr val="tx1"/>
+          </a:fontRef>
+        </p:style>
+      </p:cxnSp>
+      <p:cxnSp>
+        <p:nvCxnSpPr>
+          <p:cNvPr id="71" name="Elbow Connector 70"/>
+          <p:cNvCxnSpPr>
+            <a:stCxn id="61" idx="3"/>
+            <a:endCxn id="67" idx="1"/>
+          </p:cNvCxnSpPr>
+          <p:nvPr/>
+        </p:nvCxnSpPr>
+        <p:spPr>
+          <a:xfrm>
+            <a:off x="5531044" y="6099297"/>
+            <a:ext cx="299212" cy="167523"/>
+          </a:xfrm>
+          <a:prstGeom prst="bentConnector3">
+            <a:avLst/>
+          </a:prstGeom>
+          <a:ln>
+            <a:solidFill>
+              <a:schemeClr val="tx1"/>
+            </a:solidFill>
+            <a:tailEnd type="triangle"/>
+          </a:ln>
+        </p:spPr>
+        <p:style>
+          <a:lnRef idx="1">
+            <a:schemeClr val="accent1"/>
+          </a:lnRef>
+          <a:fillRef idx="0">
+            <a:schemeClr val="accent1"/>
+          </a:fillRef>
+          <a:effectRef idx="0">
+            <a:schemeClr val="accent1"/>
+          </a:effectRef>
+          <a:fontRef idx="minor">
+            <a:schemeClr val="tx1"/>
+          </a:fontRef>
+        </p:style>
+      </p:cxnSp>
+      <p:sp>
+        <p:nvSpPr>
+          <p:cNvPr id="75" name="Rectangle 74"/>
+          <p:cNvSpPr/>
+          <p:nvPr/>
+        </p:nvSpPr>
+        <p:spPr>
+          <a:xfrm>
+            <a:off x="5834090" y="5566981"/>
+            <a:ext cx="696118" cy="167524"/>
+          </a:xfrm>
+          <a:prstGeom prst="rect">
+            <a:avLst/>
+          </a:prstGeom>
+          <a:solidFill>
+            <a:schemeClr val="tx1">
+              <a:lumMod val="50000"/>
+              <a:lumOff val="50000"/>
+            </a:schemeClr>
+          </a:solidFill>
+        </p:spPr>
+        <p:style>
+          <a:lnRef idx="2">
+            <a:schemeClr val="accent1">
+              <a:shade val="50000"/>
+            </a:schemeClr>
+          </a:lnRef>
+          <a:fillRef idx="1">
+            <a:schemeClr val="accent1"/>
+          </a:fillRef>
+          <a:effectRef idx="0">
+            <a:schemeClr val="accent1"/>
+          </a:effectRef>
+          <a:fontRef idx="minor">
+            <a:schemeClr val="lt1"/>
+          </a:fontRef>
+        </p:style>
+        <p:txBody>
+          <a:bodyPr rtlCol="0" anchor="ctr"/>
+          <a:lstStyle/>
+          <a:p>
+            <a:pPr algn="ctr"/>
+            <a:r>
+              <a:rPr lang="en-US" sz="1000" dirty="0" smtClean="0"/>
+              <a:t>24MHz</a:t>
+            </a:r>
+            <a:endParaRPr lang="en-US" sz="1000" dirty="0"/>
+          </a:p>
+        </p:txBody>
+      </p:sp>
+      <p:cxnSp>
+        <p:nvCxnSpPr>
+          <p:cNvPr id="78" name="Elbow Connector 77"/>
+          <p:cNvCxnSpPr>
+            <a:stCxn id="66" idx="3"/>
+            <a:endCxn id="35" idx="3"/>
+          </p:cNvCxnSpPr>
+          <p:nvPr/>
+        </p:nvCxnSpPr>
+        <p:spPr>
+          <a:xfrm flipH="1" flipV="1">
+            <a:off x="5517861" y="3236833"/>
+            <a:ext cx="1012347" cy="2709581"/>
+          </a:xfrm>
+          <a:prstGeom prst="bentConnector3">
+            <a:avLst>
+              <a:gd name="adj1" fmla="val -70349"/>
+            </a:avLst>
+          </a:prstGeom>
+          <a:ln>
+            <a:solidFill>
+              <a:schemeClr val="tx1"/>
+            </a:solidFill>
+            <a:tailEnd type="triangle"/>
+          </a:ln>
+        </p:spPr>
+        <p:style>
+          <a:lnRef idx="1">
+            <a:schemeClr val="accent1"/>
+          </a:lnRef>
+          <a:fillRef idx="0">
+            <a:schemeClr val="accent1"/>
+          </a:fillRef>
+          <a:effectRef idx="0">
+            <a:schemeClr val="accent1"/>
+          </a:effectRef>
+          <a:fontRef idx="minor">
+            <a:schemeClr val="tx1"/>
+          </a:fontRef>
+        </p:style>
+      </p:cxnSp>
+      <p:cxnSp>
+        <p:nvCxnSpPr>
+          <p:cNvPr id="80" name="Elbow Connector 79"/>
+          <p:cNvCxnSpPr>
+            <a:stCxn id="67" idx="3"/>
+            <a:endCxn id="9" idx="1"/>
+          </p:cNvCxnSpPr>
+          <p:nvPr/>
+        </p:nvCxnSpPr>
+        <p:spPr>
+          <a:xfrm flipV="1">
+            <a:off x="6526374" y="3653936"/>
+            <a:ext cx="1060626" cy="2612884"/>
+          </a:xfrm>
+          <a:prstGeom prst="bentConnector3">
+            <a:avLst>
+              <a:gd name="adj1" fmla="val 83988"/>
+            </a:avLst>
+          </a:prstGeom>
+          <a:ln>
+            <a:solidFill>
+              <a:schemeClr val="tx1"/>
+            </a:solidFill>
+            <a:tailEnd type="triangle"/>
+          </a:ln>
+        </p:spPr>
+        <p:style>
+          <a:lnRef idx="1">
+            <a:schemeClr val="accent1"/>
+          </a:lnRef>
+          <a:fillRef idx="0">
+            <a:schemeClr val="accent1"/>
+          </a:fillRef>
+          <a:effectRef idx="0">
+            <a:schemeClr val="accent1"/>
+          </a:effectRef>
+          <a:fontRef idx="minor">
+            <a:schemeClr val="tx1"/>
+          </a:fontRef>
+        </p:style>
+      </p:cxnSp>
+      <p:cxnSp>
+        <p:nvCxnSpPr>
+          <p:cNvPr id="88" name="Straight Arrow Connector 87"/>
+          <p:cNvCxnSpPr>
+            <a:stCxn id="75" idx="1"/>
+          </p:cNvCxnSpPr>
+          <p:nvPr/>
+        </p:nvCxnSpPr>
+        <p:spPr>
+          <a:xfrm flipH="1">
+            <a:off x="5509601" y="5650743"/>
+            <a:ext cx="324489" cy="0"/>
+          </a:xfrm>
+          <a:prstGeom prst="straightConnector1">
+            <a:avLst/>
+          </a:prstGeom>
+          <a:ln>
+            <a:solidFill>
+              <a:schemeClr val="tx1"/>
+            </a:solidFill>
+            <a:tailEnd type="triangle"/>
+          </a:ln>
+        </p:spPr>
+        <p:style>
+          <a:lnRef idx="1">
+            <a:schemeClr val="accent1"/>
+          </a:lnRef>
+          <a:fillRef idx="0">
+            <a:schemeClr val="accent1"/>
+          </a:fillRef>
+          <a:effectRef idx="0">
+            <a:schemeClr val="accent1"/>
+          </a:effectRef>
+          <a:fontRef idx="minor">
+            <a:schemeClr val="tx1"/>
+          </a:fontRef>
+        </p:style>
+      </p:cxnSp>
+      <p:cxnSp>
+        <p:nvCxnSpPr>
+          <p:cNvPr id="91" name="Straight Arrow Connector 90"/>
+          <p:cNvCxnSpPr/>
+          <p:nvPr/>
+        </p:nvCxnSpPr>
+        <p:spPr>
+          <a:xfrm>
+            <a:off x="5531044" y="5280006"/>
+            <a:ext cx="2072085" cy="0"/>
+          </a:xfrm>
+          <a:prstGeom prst="straightConnector1">
+            <a:avLst/>
+          </a:prstGeom>
+          <a:ln>
+            <a:solidFill>
+              <a:schemeClr val="tx1"/>
+            </a:solidFill>
+            <a:tailEnd type="triangle"/>
+          </a:ln>
+        </p:spPr>
+        <p:style>
+          <a:lnRef idx="1">
+            <a:schemeClr val="accent1"/>
+          </a:lnRef>
+          <a:fillRef idx="0">
+            <a:schemeClr val="accent1"/>
+          </a:fillRef>
+          <a:effectRef idx="0">
+            <a:schemeClr val="accent1"/>
+          </a:effectRef>
+          <a:fontRef idx="minor">
+            <a:schemeClr val="tx1"/>
+          </a:fontRef>
+        </p:style>
+      </p:cxnSp>
+      <p:cxnSp>
+        <p:nvCxnSpPr>
+          <p:cNvPr id="92" name="Straight Arrow Connector 91"/>
+          <p:cNvCxnSpPr/>
+          <p:nvPr/>
+        </p:nvCxnSpPr>
+        <p:spPr>
+          <a:xfrm>
+            <a:off x="5531044" y="5068691"/>
+            <a:ext cx="2072085" cy="0"/>
+          </a:xfrm>
+          <a:prstGeom prst="straightConnector1">
+            <a:avLst/>
+          </a:prstGeom>
+          <a:ln>
+            <a:solidFill>
+              <a:schemeClr val="tx1"/>
+            </a:solidFill>
+            <a:tailEnd type="triangle"/>
+          </a:ln>
+        </p:spPr>
+        <p:style>
+          <a:lnRef idx="1">
+            <a:schemeClr val="accent1"/>
+          </a:lnRef>
+          <a:fillRef idx="0">
+            <a:schemeClr val="accent1"/>
+          </a:fillRef>
+          <a:effectRef idx="0">
+            <a:schemeClr val="accent1"/>
+          </a:effectRef>
+          <a:fontRef idx="minor">
+            <a:schemeClr val="tx1"/>
+          </a:fontRef>
+        </p:style>
+      </p:cxnSp>
+      <p:cxnSp>
+        <p:nvCxnSpPr>
+          <p:cNvPr id="93" name="Straight Arrow Connector 92"/>
+          <p:cNvCxnSpPr/>
+          <p:nvPr/>
+        </p:nvCxnSpPr>
+        <p:spPr>
+          <a:xfrm>
+            <a:off x="5531044" y="4879730"/>
+            <a:ext cx="2072085" cy="0"/>
+          </a:xfrm>
+          <a:prstGeom prst="straightConnector1">
+            <a:avLst/>
+          </a:prstGeom>
+          <a:ln>
+            <a:solidFill>
+              <a:schemeClr val="tx1"/>
+            </a:solidFill>
+            <a:tailEnd type="triangle"/>
+          </a:ln>
+        </p:spPr>
+        <p:style>
+          <a:lnRef idx="1">
+            <a:schemeClr val="accent1"/>
+          </a:lnRef>
+          <a:fillRef idx="0">
+            <a:schemeClr val="accent1"/>
+          </a:fillRef>
+          <a:effectRef idx="0">
+            <a:schemeClr val="accent1"/>
+          </a:effectRef>
+          <a:fontRef idx="minor">
+            <a:schemeClr val="tx1"/>
+          </a:fontRef>
+        </p:style>
+      </p:cxnSp>
+      <p:sp>
+        <p:nvSpPr>
+          <p:cNvPr id="94" name="TextBox 93"/>
+          <p:cNvSpPr txBox="1"/>
+          <p:nvPr/>
+        </p:nvSpPr>
+        <p:spPr>
+          <a:xfrm>
+            <a:off x="5499818" y="4668704"/>
+            <a:ext cx="442750" cy="230832"/>
+          </a:xfrm>
+          <a:prstGeom prst="rect">
+            <a:avLst/>
+          </a:prstGeom>
+          <a:noFill/>
+        </p:spPr>
+        <p:txBody>
+          <a:bodyPr wrap="none" rtlCol="0">
+            <a:spAutoFit/>
+          </a:bodyPr>
+          <a:lstStyle/>
+          <a:p>
+            <a:r>
+              <a:rPr lang="en-US" sz="900" dirty="0" smtClean="0"/>
+              <a:t>WEA</a:t>
+            </a:r>
+            <a:endParaRPr lang="en-US" sz="900" dirty="0"/>
+          </a:p>
+        </p:txBody>
+      </p:sp>
+      <p:sp>
+        <p:nvSpPr>
+          <p:cNvPr id="95" name="TextBox 94"/>
+          <p:cNvSpPr txBox="1"/>
+          <p:nvPr/>
+        </p:nvSpPr>
+        <p:spPr>
+          <a:xfrm>
+            <a:off x="5499818" y="4877616"/>
+            <a:ext cx="963725" cy="230832"/>
+          </a:xfrm>
+          <a:prstGeom prst="rect">
+            <a:avLst/>
+          </a:prstGeom>
+          <a:noFill/>
+        </p:spPr>
+        <p:txBody>
+          <a:bodyPr wrap="none" rtlCol="0">
+            <a:spAutoFit/>
+          </a:bodyPr>
+          <a:lstStyle/>
+          <a:p>
+            <a:r>
+              <a:rPr lang="en-US" sz="900" dirty="0" smtClean="0"/>
+              <a:t>Address [18:0]</a:t>
+            </a:r>
+            <a:endParaRPr lang="en-US" sz="900" dirty="0"/>
+          </a:p>
+        </p:txBody>
+      </p:sp>
+      <p:sp>
+        <p:nvSpPr>
+          <p:cNvPr id="96" name="TextBox 95"/>
+          <p:cNvSpPr txBox="1"/>
+          <p:nvPr/>
+        </p:nvSpPr>
+        <p:spPr>
+          <a:xfrm>
+            <a:off x="5499818" y="5062103"/>
+            <a:ext cx="803425" cy="230832"/>
+          </a:xfrm>
+          <a:prstGeom prst="rect">
+            <a:avLst/>
+          </a:prstGeom>
+          <a:noFill/>
+        </p:spPr>
+        <p:txBody>
+          <a:bodyPr wrap="none" rtlCol="0">
+            <a:spAutoFit/>
+          </a:bodyPr>
+          <a:lstStyle/>
+          <a:p>
+            <a:r>
+              <a:rPr lang="en-US" sz="900" dirty="0" smtClean="0"/>
+              <a:t>Data [11:0]</a:t>
+            </a:r>
+            <a:endParaRPr lang="en-US" sz="900" dirty="0"/>
+          </a:p>
+        </p:txBody>
+      </p:sp>
+      <p:sp>
+        <p:nvSpPr>
+          <p:cNvPr id="99" name="Rectangle 98"/>
+          <p:cNvSpPr/>
+          <p:nvPr/>
+        </p:nvSpPr>
+        <p:spPr>
+          <a:xfrm>
+            <a:off x="6201881" y="3987372"/>
+            <a:ext cx="813350" cy="686991"/>
+          </a:xfrm>
+          <a:prstGeom prst="rect">
+            <a:avLst/>
+          </a:prstGeom>
+          <a:solidFill>
+            <a:schemeClr val="tx1">
+              <a:lumMod val="50000"/>
+              <a:lumOff val="50000"/>
+            </a:schemeClr>
+          </a:solidFill>
+        </p:spPr>
+        <p:style>
+          <a:lnRef idx="2">
+            <a:schemeClr val="accent1">
+              <a:shade val="50000"/>
+            </a:schemeClr>
+          </a:lnRef>
+          <a:fillRef idx="1">
+            <a:schemeClr val="accent1"/>
+          </a:fillRef>
+          <a:effectRef idx="0">
+            <a:schemeClr val="accent1"/>
+          </a:effectRef>
+          <a:fontRef idx="minor">
+            <a:schemeClr val="lt1"/>
+          </a:fontRef>
+        </p:style>
+        <p:txBody>
+          <a:bodyPr rtlCol="0" anchor="ctr"/>
+          <a:lstStyle/>
+          <a:p>
+            <a:pPr algn="ctr"/>
+            <a:r>
+              <a:rPr lang="en-US" sz="1400" dirty="0" smtClean="0"/>
+              <a:t>DSP</a:t>
+            </a:r>
+            <a:endParaRPr lang="en-US" sz="1400" dirty="0"/>
+          </a:p>
+        </p:txBody>
+      </p:sp>
+      <p:cxnSp>
+        <p:nvCxnSpPr>
+          <p:cNvPr id="103" name="Straight Arrow Connector 102"/>
+          <p:cNvCxnSpPr/>
+          <p:nvPr/>
+        </p:nvCxnSpPr>
+        <p:spPr>
+          <a:xfrm flipV="1">
+            <a:off x="5526121" y="4235626"/>
+            <a:ext cx="675760" cy="5687"/>
+          </a:xfrm>
+          <a:prstGeom prst="straightConnector1">
+            <a:avLst/>
+          </a:prstGeom>
+          <a:ln>
+            <a:solidFill>
+              <a:schemeClr val="tx1"/>
+            </a:solidFill>
+            <a:tailEnd type="triangle"/>
+          </a:ln>
+        </p:spPr>
+        <p:style>
+          <a:lnRef idx="1">
+            <a:schemeClr val="accent1"/>
+          </a:lnRef>
+          <a:fillRef idx="0">
+            <a:schemeClr val="accent1"/>
+          </a:fillRef>
+          <a:effectRef idx="0">
+            <a:schemeClr val="accent1"/>
+          </a:effectRef>
+          <a:fontRef idx="minor">
+            <a:schemeClr val="tx1"/>
+          </a:fontRef>
+        </p:style>
+      </p:cxnSp>
+      <p:cxnSp>
+        <p:nvCxnSpPr>
+          <p:cNvPr id="106" name="Straight Arrow Connector 105"/>
+          <p:cNvCxnSpPr/>
+          <p:nvPr/>
+        </p:nvCxnSpPr>
+        <p:spPr>
+          <a:xfrm flipV="1">
+            <a:off x="5526121" y="4400806"/>
+            <a:ext cx="675760" cy="5687"/>
+          </a:xfrm>
+          <a:prstGeom prst="straightConnector1">
+            <a:avLst/>
+          </a:prstGeom>
+          <a:ln>
+            <a:solidFill>
+              <a:schemeClr val="tx1"/>
+            </a:solidFill>
+            <a:tailEnd type="triangle"/>
+          </a:ln>
+        </p:spPr>
+        <p:style>
+          <a:lnRef idx="1">
+            <a:schemeClr val="accent1"/>
+          </a:lnRef>
+          <a:fillRef idx="0">
+            <a:schemeClr val="accent1"/>
+          </a:fillRef>
+          <a:effectRef idx="0">
+            <a:schemeClr val="accent1"/>
+          </a:effectRef>
+          <a:fontRef idx="minor">
+            <a:schemeClr val="tx1"/>
+          </a:fontRef>
+        </p:style>
+      </p:cxnSp>
+      <p:cxnSp>
+        <p:nvCxnSpPr>
+          <p:cNvPr id="108" name="Straight Arrow Connector 107"/>
+          <p:cNvCxnSpPr/>
+          <p:nvPr/>
+        </p:nvCxnSpPr>
+        <p:spPr>
+          <a:xfrm flipH="1">
+            <a:off x="5526121" y="4571381"/>
+            <a:ext cx="674272" cy="0"/>
+          </a:xfrm>
+          <a:prstGeom prst="straightConnector1">
+            <a:avLst/>
+          </a:prstGeom>
+          <a:ln>
+            <a:solidFill>
+              <a:schemeClr val="tx1"/>
+            </a:solidFill>
+            <a:tailEnd type="triangle"/>
+          </a:ln>
+        </p:spPr>
+        <p:style>
+          <a:lnRef idx="1">
+            <a:schemeClr val="accent1"/>
+          </a:lnRef>
+          <a:fillRef idx="0">
+            <a:schemeClr val="accent1"/>
+          </a:fillRef>
+          <a:effectRef idx="0">
+            <a:schemeClr val="accent1"/>
+          </a:effectRef>
+          <a:fontRef idx="minor">
+            <a:schemeClr val="tx1"/>
+          </a:fontRef>
+        </p:style>
+      </p:cxnSp>
+      <p:sp>
+        <p:nvSpPr>
+          <p:cNvPr id="109" name="TextBox 108"/>
+          <p:cNvSpPr txBox="1"/>
+          <p:nvPr/>
+        </p:nvSpPr>
+        <p:spPr>
+          <a:xfrm>
+            <a:off x="5501750" y="4057886"/>
+            <a:ext cx="269626" cy="230832"/>
+          </a:xfrm>
+          <a:prstGeom prst="rect">
+            <a:avLst/>
+          </a:prstGeom>
+          <a:noFill/>
+        </p:spPr>
+        <p:txBody>
+          <a:bodyPr wrap="none" rtlCol="0">
+            <a:spAutoFit/>
+          </a:bodyPr>
+          <a:lstStyle/>
+          <a:p>
+            <a:r>
+              <a:rPr lang="en-US" sz="900" dirty="0" smtClean="0"/>
+              <a:t>A</a:t>
+            </a:r>
+            <a:endParaRPr lang="en-US" sz="900" dirty="0"/>
+          </a:p>
+        </p:txBody>
+      </p:sp>
+      <p:sp>
+        <p:nvSpPr>
+          <p:cNvPr id="110" name="TextBox 109"/>
+          <p:cNvSpPr txBox="1"/>
+          <p:nvPr/>
+        </p:nvSpPr>
+        <p:spPr>
+          <a:xfrm>
+            <a:off x="5492553" y="4216995"/>
+            <a:ext cx="282450" cy="230832"/>
+          </a:xfrm>
+          <a:prstGeom prst="rect">
+            <a:avLst/>
+          </a:prstGeom>
+          <a:noFill/>
+        </p:spPr>
+        <p:txBody>
+          <a:bodyPr wrap="none" rtlCol="0">
+            <a:spAutoFit/>
+          </a:bodyPr>
+          <a:lstStyle/>
+          <a:p>
+            <a:r>
+              <a:rPr lang="en-US" sz="900" dirty="0" smtClean="0"/>
+              <a:t>B </a:t>
+            </a:r>
+            <a:endParaRPr lang="en-US" sz="900" dirty="0"/>
+          </a:p>
+        </p:txBody>
+      </p:sp>
+      <p:sp>
+        <p:nvSpPr>
+          <p:cNvPr id="111" name="TextBox 110"/>
+          <p:cNvSpPr txBox="1"/>
+          <p:nvPr/>
+        </p:nvSpPr>
+        <p:spPr>
+          <a:xfrm>
+            <a:off x="5931000" y="4387979"/>
+            <a:ext cx="285656" cy="230832"/>
+          </a:xfrm>
+          <a:prstGeom prst="rect">
+            <a:avLst/>
+          </a:prstGeom>
+          <a:noFill/>
+        </p:spPr>
+        <p:txBody>
+          <a:bodyPr wrap="none" rtlCol="0">
+            <a:spAutoFit/>
+          </a:bodyPr>
+          <a:lstStyle/>
+          <a:p>
+            <a:r>
+              <a:rPr lang="en-US" sz="900" dirty="0" smtClean="0"/>
+              <a:t>P </a:t>
+            </a:r>
+            <a:endParaRPr lang="en-US" sz="900" dirty="0"/>
+          </a:p>
+        </p:txBody>
+      </p:sp>
+    </p:spTree>
+    <p:extLst>
+      <p:ext uri="{BB962C8B-B14F-4D97-AF65-F5344CB8AC3E}">
+        <p14:creationId xmlns:p14="http://schemas.microsoft.com/office/powerpoint/2010/main" val="975085570"/>
+      </p:ext>
+    </p:extLst>
+  </p:cSld>
+  <p:clrMapOvr>
+    <a:masterClrMapping/>
+  </p:clrMapOvr>
+</p:sld>
+</file>
+
+<file path=ppt/slides/slide6.xml><?xml version="1.0" encoding="utf-8"?>
+<p:sld xmlns:a="http://schemas.openxmlformats.org/drawingml/2006/main" xmlns:r="http://schemas.openxmlformats.org/officeDocument/2006/relationships" xmlns:p="http://schemas.openxmlformats.org/presentationml/2006/main">
+  <p:cSld>
+    <p:spTree>
+      <p:nvGrpSpPr>
+        <p:cNvPr id="1" name=""/>
+        <p:cNvGrpSpPr/>
+        <p:nvPr/>
+      </p:nvGrpSpPr>
+      <p:grpSpPr>
+        <a:xfrm>
+          <a:off x="0" y="0"/>
+          <a:ext cx="0" cy="0"/>
+          <a:chOff x="0" y="0"/>
+          <a:chExt cx="0" cy="0"/>
+        </a:xfrm>
+      </p:grpSpPr>
+      <p:sp>
+        <p:nvSpPr>
+          <p:cNvPr id="2" name="Title 1"/>
+          <p:cNvSpPr>
+            <a:spLocks noGrp="1"/>
+          </p:cNvSpPr>
+          <p:nvPr>
+            <p:ph type="title"/>
+          </p:nvPr>
+        </p:nvSpPr>
+        <p:spPr/>
+        <p:txBody>
+          <a:bodyPr/>
+          <a:lstStyle/>
+          <a:p>
+            <a:endParaRPr lang="en-US" dirty="0"/>
+          </a:p>
+        </p:txBody>
+      </p:sp>
+      <p:pic>
+        <p:nvPicPr>
+          <p:cNvPr id="4" name="Picture 3"/>
+          <p:cNvPicPr>
+            <a:picLocks noChangeAspect="1"/>
+          </p:cNvPicPr>
+          <p:nvPr/>
+        </p:nvPicPr>
+        <p:blipFill rotWithShape="1">
+          <a:blip r:embed="rId2"/>
+          <a:srcRect l="41356" t="18286" r="7208" b="34126"/>
+          <a:stretch/>
+        </p:blipFill>
+        <p:spPr>
+          <a:xfrm>
+            <a:off x="2127739" y="2488222"/>
+            <a:ext cx="7579288" cy="3798277"/>
+          </a:xfrm>
+          <a:prstGeom prst="rect">
+            <a:avLst/>
+          </a:prstGeom>
+        </p:spPr>
+      </p:pic>
+    </p:spTree>
+    <p:extLst>
+      <p:ext uri="{BB962C8B-B14F-4D97-AF65-F5344CB8AC3E}">
+        <p14:creationId xmlns:p14="http://schemas.microsoft.com/office/powerpoint/2010/main" val="3029419598"/>
+      </p:ext>
+    </p:extLst>
+  </p:cSld>
+  <p:clrMapOvr>
+    <a:masterClrMapping/>
+  </p:clrMapOvr>
+</p:sld>
+</file>
+
+<file path=ppt/slides/slide7.xml><?xml version="1.0" encoding="utf-8"?>
+<p:sld xmlns:a="http://schemas.openxmlformats.org/drawingml/2006/main" xmlns:r="http://schemas.openxmlformats.org/officeDocument/2006/relationships" xmlns:p="http://schemas.openxmlformats.org/presentationml/2006/main">
+  <p:cSld>
+    <p:spTree>
+      <p:nvGrpSpPr>
+        <p:cNvPr id="1" name=""/>
+        <p:cNvGrpSpPr/>
+        <p:nvPr/>
+      </p:nvGrpSpPr>
+      <p:grpSpPr>
+        <a:xfrm>
+          <a:off x="0" y="0"/>
+          <a:ext cx="0" cy="0"/>
+          <a:chOff x="0" y="0"/>
+          <a:chExt cx="0" cy="0"/>
+        </a:xfrm>
+      </p:grpSpPr>
+      <p:sp>
+        <p:nvSpPr>
+          <p:cNvPr id="2" name="Title 1"/>
+          <p:cNvSpPr>
+            <a:spLocks noGrp="1"/>
+          </p:cNvSpPr>
+          <p:nvPr>
+            <p:ph type="title"/>
+          </p:nvPr>
+        </p:nvSpPr>
+        <p:spPr/>
+        <p:txBody>
+          <a:bodyPr/>
+          <a:lstStyle/>
+          <a:p>
+            <a:r>
+              <a:rPr lang="en-US" dirty="0" smtClean="0"/>
+              <a:t>Clock Domains</a:t>
+            </a:r>
+            <a:endParaRPr lang="en-US" dirty="0"/>
+          </a:p>
+        </p:txBody>
+      </p:sp>
+      <p:sp>
+        <p:nvSpPr>
+          <p:cNvPr id="3" name="Content Placeholder 2"/>
+          <p:cNvSpPr>
+            <a:spLocks noGrp="1"/>
+          </p:cNvSpPr>
+          <p:nvPr>
+            <p:ph idx="1"/>
+          </p:nvPr>
+        </p:nvSpPr>
+        <p:spPr/>
+        <p:txBody>
+          <a:bodyPr/>
+          <a:lstStyle/>
+          <a:p>
+            <a:r>
+              <a:rPr lang="en-US" dirty="0" smtClean="0"/>
+              <a:t>Input clock – 100MHz from oscillator on board.</a:t>
+            </a:r>
+          </a:p>
+          <a:p>
+            <a:r>
+              <a:rPr lang="en-US" dirty="0" smtClean="0"/>
+              <a:t>XCLK – 24 </a:t>
+            </a:r>
+            <a:r>
+              <a:rPr lang="en-US" dirty="0" err="1" smtClean="0"/>
+              <a:t>MHz.</a:t>
+            </a:r>
+            <a:endParaRPr lang="en-US" dirty="0" smtClean="0"/>
+          </a:p>
+          <a:p>
+            <a:r>
+              <a:rPr lang="en-US" dirty="0" smtClean="0"/>
+              <a:t>I2C module – 100 </a:t>
+            </a:r>
+            <a:r>
+              <a:rPr lang="en-US" dirty="0" err="1" smtClean="0"/>
+              <a:t>MHz.</a:t>
+            </a:r>
+            <a:endParaRPr lang="en-US" dirty="0" smtClean="0"/>
+          </a:p>
+          <a:p>
+            <a:r>
+              <a:rPr lang="en-US" dirty="0" smtClean="0"/>
+              <a:t>VGA – 25 </a:t>
+            </a:r>
+            <a:r>
+              <a:rPr lang="en-US" dirty="0" err="1" smtClean="0"/>
+              <a:t>MHz.</a:t>
+            </a:r>
+            <a:endParaRPr lang="en-US" dirty="0" smtClean="0"/>
+          </a:p>
+          <a:p>
+            <a:r>
+              <a:rPr lang="en-US" dirty="0" smtClean="0"/>
+              <a:t>DSP – 24 </a:t>
+            </a:r>
+            <a:r>
+              <a:rPr lang="en-US" dirty="0" err="1" smtClean="0"/>
+              <a:t>MHz.</a:t>
+            </a:r>
+            <a:endParaRPr lang="en-US" dirty="0" smtClean="0"/>
+          </a:p>
+          <a:p>
+            <a:r>
+              <a:rPr lang="en-US" dirty="0" smtClean="0"/>
+              <a:t>BRAM:</a:t>
+            </a:r>
+          </a:p>
+          <a:p>
+            <a:pPr lvl="1"/>
+            <a:r>
+              <a:rPr lang="en-US" dirty="0" smtClean="0"/>
+              <a:t>READ – 25MHz.</a:t>
+            </a:r>
+          </a:p>
+          <a:p>
+            <a:pPr lvl="1"/>
+            <a:r>
+              <a:rPr lang="en-US" dirty="0" smtClean="0"/>
+              <a:t>Write 24 MHz from PCLK.</a:t>
+            </a:r>
+            <a:endParaRPr lang="en-US" dirty="0"/>
+          </a:p>
+        </p:txBody>
+      </p:sp>
+    </p:spTree>
+    <p:extLst>
+      <p:ext uri="{BB962C8B-B14F-4D97-AF65-F5344CB8AC3E}">
+        <p14:creationId xmlns:p14="http://schemas.microsoft.com/office/powerpoint/2010/main" val="3963548541"/>
+      </p:ext>
+    </p:extLst>
+  </p:cSld>
+  <p:clrMapOvr>
+    <a:masterClrMapping/>
+  </p:clrMapOvr>
+</p:sld>
+</file>
+
+<file path=ppt/slides/slide8.xml><?xml version="1.0" encoding="utf-8"?>
+<p:sld xmlns:a="http://schemas.openxmlformats.org/drawingml/2006/main" xmlns:r="http://schemas.openxmlformats.org/officeDocument/2006/relationships" xmlns:p="http://schemas.openxmlformats.org/presentationml/2006/main">
+  <p:cSld>
+    <p:spTree>
+      <p:nvGrpSpPr>
+        <p:cNvPr id="1" name=""/>
+        <p:cNvGrpSpPr/>
+        <p:nvPr/>
+      </p:nvGrpSpPr>
+      <p:grpSpPr>
+        <a:xfrm>
+          <a:off x="0" y="0"/>
+          <a:ext cx="0" cy="0"/>
+          <a:chOff x="0" y="0"/>
+          <a:chExt cx="0" cy="0"/>
+        </a:xfrm>
+      </p:grpSpPr>
+      <p:pic>
+        <p:nvPicPr>
+          <p:cNvPr id="4" name="Picture 3"/>
+          <p:cNvPicPr>
+            <a:picLocks noChangeAspect="1"/>
+          </p:cNvPicPr>
+          <p:nvPr/>
+        </p:nvPicPr>
+        <p:blipFill>
+          <a:blip r:embed="rId2"/>
+          <a:stretch>
+            <a:fillRect/>
+          </a:stretch>
+        </p:blipFill>
+        <p:spPr>
+          <a:xfrm>
+            <a:off x="7586142" y="5024262"/>
+            <a:ext cx="4177233" cy="1403081"/>
+          </a:xfrm>
+          <a:prstGeom prst="rect">
+            <a:avLst/>
+          </a:prstGeom>
+        </p:spPr>
+      </p:pic>
+      <p:sp>
+        <p:nvSpPr>
+          <p:cNvPr id="2" name="Title 1"/>
+          <p:cNvSpPr>
+            <a:spLocks noGrp="1"/>
+          </p:cNvSpPr>
+          <p:nvPr>
+            <p:ph type="title"/>
+          </p:nvPr>
+        </p:nvSpPr>
+        <p:spPr/>
+        <p:txBody>
+          <a:bodyPr/>
+          <a:lstStyle/>
+          <a:p>
+            <a:r>
+              <a:rPr lang="en-US" dirty="0" smtClean="0"/>
+              <a:t>Main component – OV7670</a:t>
+            </a:r>
+            <a:endParaRPr lang="en-US" dirty="0"/>
+          </a:p>
+        </p:txBody>
+      </p:sp>
+      <p:sp>
+        <p:nvSpPr>
+          <p:cNvPr id="3" name="Content Placeholder 2"/>
+          <p:cNvSpPr>
+            <a:spLocks noGrp="1"/>
+          </p:cNvSpPr>
+          <p:nvPr>
+            <p:ph idx="1"/>
+          </p:nvPr>
+        </p:nvSpPr>
+        <p:spPr/>
+        <p:txBody>
+          <a:bodyPr/>
+          <a:lstStyle/>
+          <a:p>
+            <a:r>
+              <a:rPr lang="en-US" dirty="0" smtClean="0"/>
+              <a:t>OV7670  is versatile camera and have multi format to work with, I chosen to work on RGB565 30FPS format.</a:t>
+            </a:r>
+          </a:p>
+          <a:p>
+            <a:r>
+              <a:rPr lang="en-US" dirty="0" smtClean="0"/>
+              <a:t>OV7670 is configure via I2C (like) protocol.</a:t>
+            </a:r>
+          </a:p>
+          <a:p>
+            <a:r>
+              <a:rPr lang="en-US" dirty="0" smtClean="0"/>
+              <a:t>XCLK is the input CLK pin.</a:t>
+            </a:r>
+          </a:p>
+          <a:p>
+            <a:r>
+              <a:rPr lang="en-US" dirty="0" smtClean="0"/>
+              <a:t>PCLK, HS, VSYNC and D[7:0] are the frame output pins.</a:t>
+            </a:r>
+          </a:p>
+          <a:p>
+            <a:r>
+              <a:rPr lang="en-US" dirty="0" smtClean="0"/>
+              <a:t>Camera also have RESET and POWER DOWN pins and are not in use in this project.</a:t>
+            </a:r>
+            <a:endParaRPr lang="en-US" dirty="0"/>
+          </a:p>
+        </p:txBody>
+      </p:sp>
+    </p:spTree>
+    <p:extLst>
+      <p:ext uri="{BB962C8B-B14F-4D97-AF65-F5344CB8AC3E}">
+        <p14:creationId xmlns:p14="http://schemas.microsoft.com/office/powerpoint/2010/main" val="4177983633"/>
+      </p:ext>
+    </p:extLst>
+  </p:cSld>
+  <p:clrMapOvr>
+    <a:masterClrMapping/>
+  </p:clrMapOvr>
+</p:sld>
+</file>
+
+<file path=ppt/slides/slide9.xml><?xml version="1.0" encoding="utf-8"?>
+<p:sld xmlns:a="http://schemas.openxmlformats.org/drawingml/2006/main" xmlns:r="http://schemas.openxmlformats.org/officeDocument/2006/relationships" xmlns:p="http://schemas.openxmlformats.org/presentationml/2006/main">
+  <p:cSld>
+    <p:spTree>
+      <p:nvGrpSpPr>
+        <p:cNvPr id="1" name=""/>
+        <p:cNvGrpSpPr/>
+        <p:nvPr/>
+      </p:nvGrpSpPr>
+      <p:grpSpPr>
+        <a:xfrm>
+          <a:off x="0" y="0"/>
+          <a:ext cx="0" cy="0"/>
+          <a:chOff x="0" y="0"/>
+          <a:chExt cx="0" cy="0"/>
+        </a:xfrm>
+      </p:grpSpPr>
+      <p:pic>
+        <p:nvPicPr>
+          <p:cNvPr id="4" name="Picture 3"/>
+          <p:cNvPicPr>
+            <a:picLocks noChangeAspect="1"/>
+          </p:cNvPicPr>
+          <p:nvPr/>
+        </p:nvPicPr>
+        <p:blipFill>
+          <a:blip r:embed="rId2"/>
+          <a:stretch>
+            <a:fillRect/>
+          </a:stretch>
+        </p:blipFill>
+        <p:spPr>
+          <a:xfrm>
+            <a:off x="7500428" y="3361960"/>
+            <a:ext cx="4415348" cy="3154643"/>
+          </a:xfrm>
+          <a:prstGeom prst="rect">
+            <a:avLst/>
+          </a:prstGeom>
+        </p:spPr>
+      </p:pic>
+      <p:sp>
+        <p:nvSpPr>
+          <p:cNvPr id="2" name="Title 1"/>
+          <p:cNvSpPr>
+            <a:spLocks noGrp="1"/>
+          </p:cNvSpPr>
+          <p:nvPr>
+            <p:ph type="title"/>
+          </p:nvPr>
+        </p:nvSpPr>
+        <p:spPr/>
+        <p:txBody>
+          <a:bodyPr/>
+          <a:lstStyle/>
+          <a:p>
+            <a:r>
+              <a:rPr lang="en-US" dirty="0" smtClean="0"/>
+              <a:t>Main component – OV7670 RGB565</a:t>
+            </a:r>
+            <a:endParaRPr lang="en-US" dirty="0"/>
+          </a:p>
+        </p:txBody>
+      </p:sp>
+      <p:sp>
+        <p:nvSpPr>
+          <p:cNvPr id="3" name="Content Placeholder 2"/>
+          <p:cNvSpPr>
+            <a:spLocks noGrp="1"/>
+          </p:cNvSpPr>
+          <p:nvPr>
+            <p:ph idx="1"/>
+          </p:nvPr>
+        </p:nvSpPr>
+        <p:spPr/>
+        <p:txBody>
+          <a:bodyPr/>
+          <a:lstStyle/>
+          <a:p>
+            <a:r>
+              <a:rPr lang="en-US" dirty="0" smtClean="0"/>
+              <a:t>Frame timing:</a:t>
+            </a:r>
+          </a:p>
+          <a:p>
+            <a:pPr lvl="1"/>
+            <a:r>
+              <a:rPr lang="en-US" dirty="0" smtClean="0"/>
+              <a:t>Frame start in VSYNC RISING edge and end in FALLING edge.</a:t>
+            </a:r>
+          </a:p>
+          <a:p>
+            <a:pPr lvl="1"/>
+            <a:r>
+              <a:rPr lang="en-US" dirty="0" smtClean="0"/>
+              <a:t>Line pixels are read when HS is in HIGH mode.</a:t>
+            </a:r>
+          </a:p>
+          <a:p>
+            <a:pPr lvl="1"/>
+            <a:r>
+              <a:rPr lang="en-US" dirty="0" smtClean="0"/>
+              <a:t>Etch pixel is combination of 2 byte of data (2 clock cycles).</a:t>
+            </a:r>
+          </a:p>
+          <a:p>
+            <a:pPr lvl="2"/>
+            <a:r>
+              <a:rPr lang="en-US" dirty="0" smtClean="0"/>
+              <a:t>Red is 5 MSB bits.</a:t>
+            </a:r>
+          </a:p>
+          <a:p>
+            <a:pPr lvl="2"/>
+            <a:r>
+              <a:rPr lang="en-US" dirty="0" smtClean="0"/>
+              <a:t>Green is 6 next bits.</a:t>
+            </a:r>
+          </a:p>
+          <a:p>
+            <a:pPr lvl="2"/>
+            <a:r>
+              <a:rPr lang="en-US" dirty="0" smtClean="0"/>
+              <a:t>Blue is next 5 bits.</a:t>
+            </a:r>
+            <a:endParaRPr lang="en-US" dirty="0"/>
+          </a:p>
+        </p:txBody>
+      </p:sp>
+    </p:spTree>
+    <p:extLst>
+      <p:ext uri="{BB962C8B-B14F-4D97-AF65-F5344CB8AC3E}">
+        <p14:creationId xmlns:p14="http://schemas.microsoft.com/office/powerpoint/2010/main" val="1900415199"/>
       </p:ext>
     </p:extLst>
   </p:cSld>
